--- a/UM_DataManagementClass/Lessons/03/03_firstMeeting.pptx
+++ b/UM_DataManagementClass/Lessons/03/03_firstMeeting.pptx
@@ -129,7 +129,7 @@
   </p:defaultTextStyle>
   <p:extLst>
     <p:ext uri="{EFAFB233-063F-42B5-8137-9DF3F51BA10A}">
-      <p15:sldGuideLst xmlns:p15="http://schemas.microsoft.com/office/powerpoint/2012/main" xmlns="">
+      <p15:sldGuideLst xmlns:p15="http://schemas.microsoft.com/office/powerpoint/2012/main">
         <p15:guide id="1" orient="horz" pos="2160" userDrawn="1">
           <p15:clr>
             <a:srgbClr val="A4A3A4"/>
@@ -229,7 +229,7 @@
             <a:fld id="{0B10C68B-4B56-4C57-A100-1112E8D05063}" type="datetimeFigureOut">
               <a:rPr lang="en-US" smtClean="0"/>
               <a:pPr/>
-              <a:t>1/23/2016</a:t>
+              <a:t>1/25/2016</a:t>
             </a:fld>
             <a:endParaRPr lang="en-US"/>
           </a:p>
@@ -398,7 +398,7 @@
     </p:spTree>
     <p:extLst>
       <p:ext uri="{BB962C8B-B14F-4D97-AF65-F5344CB8AC3E}">
-        <p14:creationId xmlns="" xmlns:p14="http://schemas.microsoft.com/office/powerpoint/2010/main" val="2616926588"/>
+        <p14:creationId xmlns:p14="http://schemas.microsoft.com/office/powerpoint/2010/main" val="2616926588"/>
       </p:ext>
     </p:extLst>
   </p:cSld>
@@ -573,7 +573,7 @@
     </p:spTree>
     <p:extLst>
       <p:ext uri="{BB962C8B-B14F-4D97-AF65-F5344CB8AC3E}">
-        <p14:creationId xmlns="" xmlns:p14="http://schemas.microsoft.com/office/powerpoint/2010/main" val="111020371"/>
+        <p14:creationId xmlns:p14="http://schemas.microsoft.com/office/powerpoint/2010/main" val="111020371"/>
       </p:ext>
     </p:extLst>
   </p:cSld>
@@ -662,6 +662,11 @@
         </p:txBody>
       </p:sp>
     </p:spTree>
+    <p:extLst>
+      <p:ext uri="{BB962C8B-B14F-4D97-AF65-F5344CB8AC3E}">
+        <p14:creationId xmlns:p14="http://schemas.microsoft.com/office/powerpoint/2010/main" val="914134529"/>
+      </p:ext>
+    </p:extLst>
   </p:cSld>
   <p:clrMapOvr>
     <a:masterClrMapping/>
@@ -748,6 +753,11 @@
         </p:txBody>
       </p:sp>
     </p:spTree>
+    <p:extLst>
+      <p:ext uri="{BB962C8B-B14F-4D97-AF65-F5344CB8AC3E}">
+        <p14:creationId xmlns:p14="http://schemas.microsoft.com/office/powerpoint/2010/main" val="2362365578"/>
+      </p:ext>
+    </p:extLst>
   </p:cSld>
   <p:clrMapOvr>
     <a:masterClrMapping/>
@@ -797,7 +807,7 @@
         <p:spPr/>
         <p:txBody>
           <a:bodyPr>
-            <a:normAutofit fontScale="92500" lnSpcReduction="20000"/>
+            <a:normAutofit/>
           </a:bodyPr>
           <a:lstStyle/>
           <a:p>
@@ -807,7 +817,11 @@
             </a:r>
             <a:r>
               <a:rPr lang="en-US" baseline="0" dirty="0" smtClean="0"/>
-              <a:t> in a conservation research project</a:t>
+              <a:t> in a conservation research </a:t>
+            </a:r>
+            <a:r>
+              <a:rPr lang="en-US" baseline="0" dirty="0" smtClean="0"/>
+              <a:t>project (from Tim’s dissertation and previous NGO work)</a:t>
             </a:r>
             <a:endParaRPr lang="en-US" dirty="0"/>
           </a:p>
@@ -846,6 +860,11 @@
         </p:txBody>
       </p:sp>
     </p:spTree>
+    <p:extLst>
+      <p:ext uri="{BB962C8B-B14F-4D97-AF65-F5344CB8AC3E}">
+        <p14:creationId xmlns:p14="http://schemas.microsoft.com/office/powerpoint/2010/main" val="3327247916"/>
+      </p:ext>
+    </p:extLst>
   </p:cSld>
   <p:clrMapOvr>
     <a:masterClrMapping/>
@@ -895,7 +914,7 @@
         <p:spPr/>
         <p:txBody>
           <a:bodyPr>
-            <a:normAutofit fontScale="92500" lnSpcReduction="20000"/>
+            <a:normAutofit/>
           </a:bodyPr>
           <a:lstStyle/>
           <a:p>
@@ -978,6 +997,11 @@
         </p:txBody>
       </p:sp>
     </p:spTree>
+    <p:extLst>
+      <p:ext uri="{BB962C8B-B14F-4D97-AF65-F5344CB8AC3E}">
+        <p14:creationId xmlns:p14="http://schemas.microsoft.com/office/powerpoint/2010/main" val="2209415982"/>
+      </p:ext>
+    </p:extLst>
   </p:cSld>
   <p:clrMapOvr>
     <a:masterClrMapping/>
@@ -1121,6 +1145,11 @@
         </p:txBody>
       </p:sp>
     </p:spTree>
+    <p:extLst>
+      <p:ext uri="{BB962C8B-B14F-4D97-AF65-F5344CB8AC3E}">
+        <p14:creationId xmlns:p14="http://schemas.microsoft.com/office/powerpoint/2010/main" val="2084410409"/>
+      </p:ext>
+    </p:extLst>
   </p:cSld>
   <p:clrMapOvr>
     <a:masterClrMapping/>
@@ -1203,7 +1232,7 @@
     </p:spTree>
     <p:extLst>
       <p:ext uri="{BB962C8B-B14F-4D97-AF65-F5344CB8AC3E}">
-        <p14:creationId xmlns="" xmlns:p14="http://schemas.microsoft.com/office/powerpoint/2010/main" val="3007364499"/>
+        <p14:creationId xmlns:p14="http://schemas.microsoft.com/office/powerpoint/2010/main" val="3007364499"/>
       </p:ext>
     </p:extLst>
   </p:cSld>
@@ -1288,6 +1317,11 @@
         </p:txBody>
       </p:sp>
     </p:spTree>
+    <p:extLst>
+      <p:ext uri="{BB962C8B-B14F-4D97-AF65-F5344CB8AC3E}">
+        <p14:creationId xmlns:p14="http://schemas.microsoft.com/office/powerpoint/2010/main" val="267559308"/>
+      </p:ext>
+    </p:extLst>
   </p:cSld>
   <p:clrMapOvr>
     <a:masterClrMapping/>
@@ -1370,6 +1404,11 @@
         </p:txBody>
       </p:sp>
     </p:spTree>
+    <p:extLst>
+      <p:ext uri="{BB962C8B-B14F-4D97-AF65-F5344CB8AC3E}">
+        <p14:creationId xmlns:p14="http://schemas.microsoft.com/office/powerpoint/2010/main" val="2324853772"/>
+      </p:ext>
+    </p:extLst>
   </p:cSld>
   <p:clrMapOvr>
     <a:masterClrMapping/>
@@ -1476,6 +1515,11 @@
         </p:txBody>
       </p:sp>
     </p:spTree>
+    <p:extLst>
+      <p:ext uri="{BB962C8B-B14F-4D97-AF65-F5344CB8AC3E}">
+        <p14:creationId xmlns:p14="http://schemas.microsoft.com/office/powerpoint/2010/main" val="2603525525"/>
+      </p:ext>
+    </p:extLst>
   </p:cSld>
   <p:clrMapOvr>
     <a:masterClrMapping/>
@@ -1571,7 +1615,7 @@
     </p:spTree>
     <p:extLst>
       <p:ext uri="{BB962C8B-B14F-4D97-AF65-F5344CB8AC3E}">
-        <p14:creationId xmlns="" xmlns:p14="http://schemas.microsoft.com/office/powerpoint/2010/main" val="3601827994"/>
+        <p14:creationId xmlns:p14="http://schemas.microsoft.com/office/powerpoint/2010/main" val="3601827994"/>
       </p:ext>
     </p:extLst>
   </p:cSld>
@@ -1656,6 +1700,11 @@
         </p:txBody>
       </p:sp>
     </p:spTree>
+    <p:extLst>
+      <p:ext uri="{BB962C8B-B14F-4D97-AF65-F5344CB8AC3E}">
+        <p14:creationId xmlns:p14="http://schemas.microsoft.com/office/powerpoint/2010/main" val="97577589"/>
+      </p:ext>
+    </p:extLst>
   </p:cSld>
   <p:clrMapOvr>
     <a:masterClrMapping/>
@@ -1759,6 +1808,11 @@
         </p:txBody>
       </p:sp>
     </p:spTree>
+    <p:extLst>
+      <p:ext uri="{BB962C8B-B14F-4D97-AF65-F5344CB8AC3E}">
+        <p14:creationId xmlns:p14="http://schemas.microsoft.com/office/powerpoint/2010/main" val="3387350060"/>
+      </p:ext>
+    </p:extLst>
   </p:cSld>
   <p:clrMapOvr>
     <a:masterClrMapping/>
@@ -1845,6 +1899,11 @@
         </p:txBody>
       </p:sp>
     </p:spTree>
+    <p:extLst>
+      <p:ext uri="{BB962C8B-B14F-4D97-AF65-F5344CB8AC3E}">
+        <p14:creationId xmlns:p14="http://schemas.microsoft.com/office/powerpoint/2010/main" val="2881589845"/>
+      </p:ext>
+    </p:extLst>
   </p:cSld>
   <p:clrMapOvr>
     <a:masterClrMapping/>
@@ -1931,6 +1990,11 @@
         </p:txBody>
       </p:sp>
     </p:spTree>
+    <p:extLst>
+      <p:ext uri="{BB962C8B-B14F-4D97-AF65-F5344CB8AC3E}">
+        <p14:creationId xmlns:p14="http://schemas.microsoft.com/office/powerpoint/2010/main" val="1272408401"/>
+      </p:ext>
+    </p:extLst>
   </p:cSld>
   <p:clrMapOvr>
     <a:masterClrMapping/>
@@ -2081,7 +2145,7 @@
               <a:pPr>
                 <a:defRPr/>
               </a:pPr>
-              <a:t>1/23/2016</a:t>
+              <a:t>1/25/2016</a:t>
             </a:fld>
             <a:endParaRPr lang="en-US">
               <a:solidFill>
@@ -2165,7 +2229,7 @@
     </p:spTree>
     <p:extLst>
       <p:ext uri="{BB962C8B-B14F-4D97-AF65-F5344CB8AC3E}">
-        <p14:creationId xmlns="" xmlns:p14="http://schemas.microsoft.com/office/powerpoint/2010/main" val="588844449"/>
+        <p14:creationId xmlns:p14="http://schemas.microsoft.com/office/powerpoint/2010/main" val="588844449"/>
       </p:ext>
     </p:extLst>
   </p:cSld>
@@ -2296,7 +2360,7 @@
               <a:pPr>
                 <a:defRPr/>
               </a:pPr>
-              <a:t>1/23/2016</a:t>
+              <a:t>1/25/2016</a:t>
             </a:fld>
             <a:endParaRPr lang="en-US">
               <a:solidFill>
@@ -2380,7 +2444,7 @@
     </p:spTree>
     <p:extLst>
       <p:ext uri="{BB962C8B-B14F-4D97-AF65-F5344CB8AC3E}">
-        <p14:creationId xmlns="" xmlns:p14="http://schemas.microsoft.com/office/powerpoint/2010/main" val="2374176888"/>
+        <p14:creationId xmlns:p14="http://schemas.microsoft.com/office/powerpoint/2010/main" val="2374176888"/>
       </p:ext>
     </p:extLst>
   </p:cSld>
@@ -2521,7 +2585,7 @@
               <a:pPr>
                 <a:defRPr/>
               </a:pPr>
-              <a:t>1/23/2016</a:t>
+              <a:t>1/25/2016</a:t>
             </a:fld>
             <a:endParaRPr lang="en-US">
               <a:solidFill>
@@ -2605,7 +2669,7 @@
     </p:spTree>
     <p:extLst>
       <p:ext uri="{BB962C8B-B14F-4D97-AF65-F5344CB8AC3E}">
-        <p14:creationId xmlns="" xmlns:p14="http://schemas.microsoft.com/office/powerpoint/2010/main" val="991584953"/>
+        <p14:creationId xmlns:p14="http://schemas.microsoft.com/office/powerpoint/2010/main" val="991584953"/>
       </p:ext>
     </p:extLst>
   </p:cSld>
@@ -2762,7 +2826,7 @@
               <a:pPr>
                 <a:defRPr/>
               </a:pPr>
-              <a:t>1/23/2016</a:t>
+              <a:t>1/25/2016</a:t>
             </a:fld>
             <a:endParaRPr lang="en-US">
               <a:solidFill>
@@ -2846,7 +2910,7 @@
     </p:spTree>
     <p:extLst>
       <p:ext uri="{BB962C8B-B14F-4D97-AF65-F5344CB8AC3E}">
-        <p14:creationId xmlns="" xmlns:p14="http://schemas.microsoft.com/office/powerpoint/2010/main" val="379613614"/>
+        <p14:creationId xmlns:p14="http://schemas.microsoft.com/office/powerpoint/2010/main" val="379613614"/>
       </p:ext>
     </p:extLst>
   </p:cSld>
@@ -3051,7 +3115,7 @@
               <a:pPr>
                 <a:defRPr/>
               </a:pPr>
-              <a:t>1/23/2016</a:t>
+              <a:t>1/25/2016</a:t>
             </a:fld>
             <a:endParaRPr lang="en-US">
               <a:solidFill>
@@ -3135,7 +3199,7 @@
     </p:spTree>
     <p:extLst>
       <p:ext uri="{BB962C8B-B14F-4D97-AF65-F5344CB8AC3E}">
-        <p14:creationId xmlns="" xmlns:p14="http://schemas.microsoft.com/office/powerpoint/2010/main" val="1749530271"/>
+        <p14:creationId xmlns:p14="http://schemas.microsoft.com/office/powerpoint/2010/main" val="1749530271"/>
       </p:ext>
     </p:extLst>
   </p:cSld>
@@ -3372,7 +3436,7 @@
               <a:pPr>
                 <a:defRPr/>
               </a:pPr>
-              <a:t>1/23/2016</a:t>
+              <a:t>1/25/2016</a:t>
             </a:fld>
             <a:endParaRPr lang="en-US">
               <a:solidFill>
@@ -3456,7 +3520,7 @@
     </p:spTree>
     <p:extLst>
       <p:ext uri="{BB962C8B-B14F-4D97-AF65-F5344CB8AC3E}">
-        <p14:creationId xmlns="" xmlns:p14="http://schemas.microsoft.com/office/powerpoint/2010/main" val="4117643888"/>
+        <p14:creationId xmlns:p14="http://schemas.microsoft.com/office/powerpoint/2010/main" val="4117643888"/>
       </p:ext>
     </p:extLst>
   </p:cSld>
@@ -3832,7 +3896,7 @@
               <a:pPr>
                 <a:defRPr/>
               </a:pPr>
-              <a:t>1/23/2016</a:t>
+              <a:t>1/25/2016</a:t>
             </a:fld>
             <a:endParaRPr lang="en-US">
               <a:solidFill>
@@ -3916,7 +3980,7 @@
     </p:spTree>
     <p:extLst>
       <p:ext uri="{BB962C8B-B14F-4D97-AF65-F5344CB8AC3E}">
-        <p14:creationId xmlns="" xmlns:p14="http://schemas.microsoft.com/office/powerpoint/2010/main" val="3305394207"/>
+        <p14:creationId xmlns:p14="http://schemas.microsoft.com/office/powerpoint/2010/main" val="3305394207"/>
       </p:ext>
     </p:extLst>
   </p:cSld>
@@ -4003,7 +4067,7 @@
               <a:pPr>
                 <a:defRPr/>
               </a:pPr>
-              <a:t>1/23/2016</a:t>
+              <a:t>1/25/2016</a:t>
             </a:fld>
             <a:endParaRPr lang="en-US">
               <a:solidFill>
@@ -4087,7 +4151,7 @@
     </p:spTree>
     <p:extLst>
       <p:ext uri="{BB962C8B-B14F-4D97-AF65-F5344CB8AC3E}">
-        <p14:creationId xmlns="" xmlns:p14="http://schemas.microsoft.com/office/powerpoint/2010/main" val="2564282291"/>
+        <p14:creationId xmlns:p14="http://schemas.microsoft.com/office/powerpoint/2010/main" val="2564282291"/>
       </p:ext>
     </p:extLst>
   </p:cSld>
@@ -4143,7 +4207,7 @@
               <a:pPr>
                 <a:defRPr/>
               </a:pPr>
-              <a:t>1/23/2016</a:t>
+              <a:t>1/25/2016</a:t>
             </a:fld>
             <a:endParaRPr lang="en-US">
               <a:solidFill>
@@ -4227,7 +4291,7 @@
     </p:spTree>
     <p:extLst>
       <p:ext uri="{BB962C8B-B14F-4D97-AF65-F5344CB8AC3E}">
-        <p14:creationId xmlns="" xmlns:p14="http://schemas.microsoft.com/office/powerpoint/2010/main" val="2633152322"/>
+        <p14:creationId xmlns:p14="http://schemas.microsoft.com/office/powerpoint/2010/main" val="2633152322"/>
       </p:ext>
     </p:extLst>
   </p:cSld>
@@ -4465,7 +4529,7 @@
               <a:pPr>
                 <a:defRPr/>
               </a:pPr>
-              <a:t>1/23/2016</a:t>
+              <a:t>1/25/2016</a:t>
             </a:fld>
             <a:endParaRPr lang="en-US">
               <a:solidFill>
@@ -4549,7 +4613,7 @@
     </p:spTree>
     <p:extLst>
       <p:ext uri="{BB962C8B-B14F-4D97-AF65-F5344CB8AC3E}">
-        <p14:creationId xmlns="" xmlns:p14="http://schemas.microsoft.com/office/powerpoint/2010/main" val="4283600683"/>
+        <p14:creationId xmlns:p14="http://schemas.microsoft.com/office/powerpoint/2010/main" val="4283600683"/>
       </p:ext>
     </p:extLst>
   </p:cSld>
@@ -4767,7 +4831,7 @@
               <a:pPr>
                 <a:defRPr/>
               </a:pPr>
-              <a:t>1/23/2016</a:t>
+              <a:t>1/25/2016</a:t>
             </a:fld>
             <a:endParaRPr lang="en-US">
               <a:solidFill>
@@ -4851,7 +4915,7 @@
     </p:spTree>
     <p:extLst>
       <p:ext uri="{BB962C8B-B14F-4D97-AF65-F5344CB8AC3E}">
-        <p14:creationId xmlns="" xmlns:p14="http://schemas.microsoft.com/office/powerpoint/2010/main" val="3406240267"/>
+        <p14:creationId xmlns:p14="http://schemas.microsoft.com/office/powerpoint/2010/main" val="3406240267"/>
       </p:ext>
     </p:extLst>
   </p:cSld>
@@ -5025,7 +5089,7 @@
               <a:pPr>
                 <a:defRPr/>
               </a:pPr>
-              <a:t>1/23/2016</a:t>
+              <a:t>1/25/2016</a:t>
             </a:fld>
             <a:endParaRPr lang="en-US">
               <a:solidFill>
@@ -5145,7 +5209,7 @@
     </p:spTree>
     <p:extLst>
       <p:ext uri="{BB962C8B-B14F-4D97-AF65-F5344CB8AC3E}">
-        <p14:creationId xmlns="" xmlns:p14="http://schemas.microsoft.com/office/powerpoint/2010/main" val="1652920772"/>
+        <p14:creationId xmlns:p14="http://schemas.microsoft.com/office/powerpoint/2010/main" val="1652920772"/>
       </p:ext>
     </p:extLst>
   </p:cSld>
@@ -5475,7 +5539,7 @@
           <a:blip r:embed="rId3" cstate="print">
             <a:extLst>
               <a:ext uri="{28A0092B-C50C-407E-A947-70E740481C1C}">
-                <a14:useLocalDpi xmlns="" xmlns:a14="http://schemas.microsoft.com/office/drawing/2010/main" val="0"/>
+                <a14:useLocalDpi xmlns:a14="http://schemas.microsoft.com/office/drawing/2010/main" val="0"/>
               </a:ext>
             </a:extLst>
           </a:blip>
@@ -5638,7 +5702,7 @@
     </p:spTree>
     <p:extLst>
       <p:ext uri="{BB962C8B-B14F-4D97-AF65-F5344CB8AC3E}">
-        <p14:creationId xmlns="" xmlns:p14="http://schemas.microsoft.com/office/powerpoint/2010/main" val="1875680063"/>
+        <p14:creationId xmlns:p14="http://schemas.microsoft.com/office/powerpoint/2010/main" val="1875680063"/>
       </p:ext>
     </p:extLst>
   </p:cSld>
@@ -5786,13 +5850,7 @@
               <a:rPr lang="en-US" sz="3200" b="1" dirty="0" smtClean="0">
                 <a:latin typeface="+mn-lt"/>
               </a:rPr>
-              <a:t>What data will you collect / </a:t>
-            </a:r>
-            <a:r>
-              <a:rPr lang="en-US" sz="3200" b="1" dirty="0" smtClean="0">
-                <a:latin typeface="+mn-lt"/>
-              </a:rPr>
-              <a:t>create / wrangle?</a:t>
+              <a:t>What data will you collect / create / wrangle?</a:t>
             </a:r>
             <a:endParaRPr lang="en-US" sz="3200" b="1" dirty="0">
               <a:latin typeface="+mn-lt"/>
@@ -5819,11 +5877,7 @@
           <a:p>
             <a:r>
               <a:rPr lang="en-US" dirty="0" smtClean="0"/>
-              <a:t>Will you use sensors</a:t>
-            </a:r>
-            <a:r>
-              <a:rPr lang="en-US" dirty="0" smtClean="0"/>
-              <a:t>? – OBSERVATIONAL</a:t>
+              <a:t>Will you use sensors? – OBSERVATIONAL</a:t>
             </a:r>
           </a:p>
           <a:p>
@@ -5864,15 +5918,7 @@
             </a:r>
             <a:r>
               <a:rPr lang="en-US" dirty="0" smtClean="0"/>
-              <a:t>, w</a:t>
-            </a:r>
-            <a:r>
-              <a:rPr lang="en-US" dirty="0" smtClean="0"/>
-              <a:t>ill </a:t>
-            </a:r>
-            <a:r>
-              <a:rPr lang="en-US" dirty="0" smtClean="0"/>
-              <a:t>you collect data, buy data from a provider, or receive data as a contracted service?</a:t>
+              <a:t>, will you collect data, buy data from a provider, or receive data as a contracted service?</a:t>
             </a:r>
           </a:p>
           <a:p>
@@ -5883,7 +5929,7 @@
     </p:spTree>
     <p:extLst>
       <p:ext uri="{BB962C8B-B14F-4D97-AF65-F5344CB8AC3E}">
-        <p14:creationId xmlns="" xmlns:p14="http://schemas.microsoft.com/office/powerpoint/2010/main" val="2733525432"/>
+        <p14:creationId xmlns:p14="http://schemas.microsoft.com/office/powerpoint/2010/main" val="2733525432"/>
       </p:ext>
     </p:extLst>
   </p:cSld>
@@ -6248,23 +6294,7 @@
             </a:r>
             <a:r>
               <a:rPr lang="en-US" dirty="0" smtClean="0"/>
-              <a:t>or </a:t>
-            </a:r>
-            <a:r>
-              <a:rPr lang="en-US" dirty="0" smtClean="0"/>
-              <a:t>laboratory based </a:t>
-            </a:r>
-            <a:r>
-              <a:rPr lang="en-US" dirty="0" smtClean="0"/>
-              <a:t>(also </a:t>
-            </a:r>
-            <a:r>
-              <a:rPr lang="en-US" dirty="0" smtClean="0"/>
-              <a:t>considered are natural </a:t>
-            </a:r>
-            <a:r>
-              <a:rPr lang="en-US" dirty="0" smtClean="0"/>
-              <a:t>experiments)</a:t>
+              <a:t>or laboratory based (also considered are natural experiments)</a:t>
             </a:r>
           </a:p>
           <a:p>
@@ -6280,7 +6310,6 @@
               <a:rPr lang="en-US" dirty="0" smtClean="0"/>
               <a:t>May include sensors and observations</a:t>
             </a:r>
-            <a:endParaRPr lang="en-US" dirty="0" smtClean="0"/>
           </a:p>
           <a:p>
             <a:endParaRPr lang="en-US" dirty="0"/>
@@ -6290,7 +6319,7 @@
     </p:spTree>
     <p:extLst>
       <p:ext uri="{BB962C8B-B14F-4D97-AF65-F5344CB8AC3E}">
-        <p14:creationId xmlns="" xmlns:p14="http://schemas.microsoft.com/office/powerpoint/2010/main" val="2733525432"/>
+        <p14:creationId xmlns:p14="http://schemas.microsoft.com/office/powerpoint/2010/main" val="2733525432"/>
       </p:ext>
     </p:extLst>
   </p:cSld>
@@ -6540,17 +6569,8 @@
           <a:p>
             <a:r>
               <a:rPr lang="en-US" dirty="0" smtClean="0"/>
-              <a:t>Will </a:t>
-            </a:r>
-            <a:r>
-              <a:rPr lang="en-US" dirty="0" smtClean="0"/>
-              <a:t>you build models</a:t>
-            </a:r>
-            <a:r>
-              <a:rPr lang="en-US" dirty="0" smtClean="0"/>
-              <a:t>? – SIMULATED</a:t>
-            </a:r>
-            <a:endParaRPr lang="en-US" dirty="0" smtClean="0"/>
+              <a:t>Will you build models? – SIMULATED</a:t>
+            </a:r>
           </a:p>
           <a:p>
             <a:pPr lvl="1"/>
@@ -6563,11 +6583,7 @@
             <a:pPr lvl="1"/>
             <a:r>
               <a:rPr lang="en-US" dirty="0" smtClean="0"/>
-              <a:t>How will you parametrize the model</a:t>
-            </a:r>
-            <a:r>
-              <a:rPr lang="en-US" dirty="0" smtClean="0"/>
-              <a:t>?</a:t>
+              <a:t>How will you parametrize the model?</a:t>
             </a:r>
           </a:p>
           <a:p>
@@ -6576,7 +6592,6 @@
               <a:rPr lang="en-US" dirty="0" smtClean="0"/>
               <a:t>Inputs may be more valuable than outputs</a:t>
             </a:r>
-            <a:endParaRPr lang="en-US" dirty="0" smtClean="0"/>
           </a:p>
           <a:p>
             <a:pPr lvl="1"/>
@@ -6593,7 +6608,7 @@
     </p:spTree>
     <p:extLst>
       <p:ext uri="{BB962C8B-B14F-4D97-AF65-F5344CB8AC3E}">
-        <p14:creationId xmlns="" xmlns:p14="http://schemas.microsoft.com/office/powerpoint/2010/main" val="2733525432"/>
+        <p14:creationId xmlns:p14="http://schemas.microsoft.com/office/powerpoint/2010/main" val="2733525432"/>
       </p:ext>
     </p:extLst>
   </p:cSld>
@@ -6886,17 +6901,8 @@
           <a:p>
             <a:r>
               <a:rPr lang="en-US" dirty="0" smtClean="0"/>
-              <a:t>Will you combine and analyze previously shared </a:t>
-            </a:r>
-            <a:r>
-              <a:rPr lang="en-US" dirty="0" smtClean="0"/>
-              <a:t>data to create new data</a:t>
-            </a:r>
-            <a:r>
-              <a:rPr lang="en-US" dirty="0" smtClean="0"/>
-              <a:t>? – DERIVED or COMPILED</a:t>
-            </a:r>
-            <a:endParaRPr lang="en-US" dirty="0" smtClean="0"/>
+              <a:t>Will you combine and analyze previously shared data to create new data? – DERIVED or COMPILED</a:t>
+            </a:r>
           </a:p>
           <a:p>
             <a:pPr lvl="1"/>
@@ -6904,7 +6910,6 @@
               <a:rPr lang="en-US" dirty="0" smtClean="0"/>
               <a:t>Integration from several sources</a:t>
             </a:r>
-            <a:endParaRPr lang="en-US" dirty="0" smtClean="0"/>
           </a:p>
           <a:p>
             <a:pPr lvl="1"/>
@@ -6912,7 +6917,6 @@
               <a:rPr lang="en-US" dirty="0" smtClean="0"/>
               <a:t>Recreation can be very expensive</a:t>
             </a:r>
-            <a:endParaRPr lang="en-US" dirty="0" smtClean="0"/>
           </a:p>
           <a:p>
             <a:pPr lvl="1"/>
@@ -6920,17 +6924,12 @@
               <a:rPr lang="en-US" dirty="0" smtClean="0"/>
               <a:t>Again, software and tools?</a:t>
             </a:r>
-            <a:endParaRPr lang="en-US" dirty="0" smtClean="0"/>
           </a:p>
           <a:p>
             <a:pPr lvl="1"/>
             <a:r>
               <a:rPr lang="en-US" dirty="0" smtClean="0"/>
-              <a:t>Are there copyright concerns</a:t>
-            </a:r>
-            <a:r>
-              <a:rPr lang="en-US" dirty="0" smtClean="0"/>
-              <a:t>?</a:t>
+              <a:t>Are there copyright concerns?</a:t>
             </a:r>
           </a:p>
           <a:p>
@@ -6941,7 +6940,7 @@
     </p:spTree>
     <p:extLst>
       <p:ext uri="{BB962C8B-B14F-4D97-AF65-F5344CB8AC3E}">
-        <p14:creationId xmlns="" xmlns:p14="http://schemas.microsoft.com/office/powerpoint/2010/main" val="2733525432"/>
+        <p14:creationId xmlns:p14="http://schemas.microsoft.com/office/powerpoint/2010/main" val="2733525432"/>
       </p:ext>
     </p:extLst>
   </p:cSld>
@@ -7234,17 +7233,8 @@
           <a:p>
             <a:r>
               <a:rPr lang="en-US" dirty="0" smtClean="0"/>
-              <a:t>Will </a:t>
-            </a:r>
-            <a:r>
-              <a:rPr lang="en-US" dirty="0" smtClean="0"/>
-              <a:t>you draw from previously published materials</a:t>
-            </a:r>
-            <a:r>
-              <a:rPr lang="en-US" dirty="0" smtClean="0"/>
-              <a:t>? – REFERENCE or CANONICAL</a:t>
-            </a:r>
-            <a:endParaRPr lang="en-US" dirty="0" smtClean="0"/>
+              <a:t>Will you draw from previously published materials? – REFERENCE or CANONICAL</a:t>
+            </a:r>
           </a:p>
           <a:p>
             <a:pPr lvl="1"/>
@@ -7267,11 +7257,7 @@
           <a:p>
             <a:r>
               <a:rPr lang="en-US" dirty="0" smtClean="0"/>
-              <a:t>T</a:t>
-            </a:r>
-            <a:r>
-              <a:rPr lang="en-US" dirty="0" smtClean="0"/>
-              <a:t>his is the most creative, important and valuable aspect of research data</a:t>
+              <a:t>This is the most creative, important and valuable aspect of research data</a:t>
             </a:r>
           </a:p>
           <a:p>
@@ -7280,7 +7266,6 @@
               <a:rPr lang="en-US" dirty="0" smtClean="0"/>
               <a:t>Do you agree? (write a paragraph on why or why not you agree with this statement)</a:t>
             </a:r>
-            <a:endParaRPr lang="en-US" dirty="0" smtClean="0"/>
           </a:p>
           <a:p>
             <a:endParaRPr lang="en-US" dirty="0"/>
@@ -7290,7 +7275,7 @@
     </p:spTree>
     <p:extLst>
       <p:ext uri="{BB962C8B-B14F-4D97-AF65-F5344CB8AC3E}">
-        <p14:creationId xmlns="" xmlns:p14="http://schemas.microsoft.com/office/powerpoint/2010/main" val="2733525432"/>
+        <p14:creationId xmlns:p14="http://schemas.microsoft.com/office/powerpoint/2010/main" val="2733525432"/>
       </p:ext>
     </p:extLst>
   </p:cSld>
@@ -7800,11 +7785,7 @@
             <a:pPr algn="ctr"/>
             <a:r>
               <a:rPr lang="en-US" dirty="0" smtClean="0"/>
-              <a:t>GPS data </a:t>
-            </a:r>
-            <a:r>
-              <a:rPr lang="en-US" dirty="0" smtClean="0"/>
-              <a:t>collected</a:t>
+              <a:t>GPS data collected</a:t>
             </a:r>
             <a:endParaRPr lang="en-US" dirty="0"/>
           </a:p>
@@ -10247,11 +10228,7 @@
             <a:pPr algn="ctr"/>
             <a:r>
               <a:rPr lang="en-US" dirty="0" smtClean="0"/>
-              <a:t>GPS data </a:t>
-            </a:r>
-            <a:r>
-              <a:rPr lang="en-US" dirty="0" smtClean="0"/>
-              <a:t>collected</a:t>
+              <a:t>GPS data collected</a:t>
             </a:r>
             <a:endParaRPr lang="en-US" dirty="0"/>
           </a:p>
@@ -12418,11 +12395,7 @@
             <a:pPr lvl="2"/>
             <a:r>
               <a:rPr lang="en-US" dirty="0" smtClean="0"/>
-              <a:t>qualitative and </a:t>
-            </a:r>
-            <a:r>
-              <a:rPr lang="en-US" dirty="0" smtClean="0"/>
-              <a:t>quantitative</a:t>
+              <a:t>qualitative and quantitative</a:t>
             </a:r>
           </a:p>
           <a:p>
@@ -12443,15 +12416,7 @@
             <a:pPr lvl="2"/>
             <a:r>
               <a:rPr lang="en-US" dirty="0" smtClean="0"/>
-              <a:t>primary</a:t>
-            </a:r>
-            <a:r>
-              <a:rPr lang="en-US" dirty="0" smtClean="0"/>
-              <a:t>, secondary, </a:t>
-            </a:r>
-            <a:r>
-              <a:rPr lang="en-US" dirty="0" smtClean="0"/>
-              <a:t>tertiary</a:t>
+              <a:t>primary, secondary, tertiary</a:t>
             </a:r>
           </a:p>
           <a:p>
@@ -12465,15 +12430,7 @@
             <a:pPr lvl="2"/>
             <a:r>
               <a:rPr lang="en-US" dirty="0" smtClean="0"/>
-              <a:t>Think about management/wrangling at each research stage </a:t>
-            </a:r>
-            <a:r>
-              <a:rPr lang="en-US" dirty="0" smtClean="0"/>
-              <a:t>with each </a:t>
-            </a:r>
-            <a:r>
-              <a:rPr lang="en-US" dirty="0" smtClean="0"/>
-              <a:t>data type </a:t>
+              <a:t>Think about management/wrangling at each research stage with each data type </a:t>
             </a:r>
           </a:p>
           <a:p>
@@ -12876,7 +12833,7 @@
     </p:spTree>
     <p:extLst>
       <p:ext uri="{BB962C8B-B14F-4D97-AF65-F5344CB8AC3E}">
-        <p14:creationId xmlns:p14="http://schemas.microsoft.com/office/powerpoint/2010/main" xmlns="" val="2596930147"/>
+        <p14:creationId xmlns:p14="http://schemas.microsoft.com/office/powerpoint/2010/main" val="2596930147"/>
       </p:ext>
     </p:extLst>
   </p:cSld>
@@ -13677,7 +13634,7 @@
           <a:blip r:embed="rId3" cstate="print">
             <a:extLst>
               <a:ext uri="{28A0092B-C50C-407E-A947-70E740481C1C}">
-                <a14:useLocalDpi xmlns="" xmlns:a14="http://schemas.microsoft.com/office/drawing/2010/main" val="0"/>
+                <a14:useLocalDpi xmlns:a14="http://schemas.microsoft.com/office/drawing/2010/main" val="0"/>
               </a:ext>
             </a:extLst>
           </a:blip>
@@ -13698,7 +13655,7 @@
     </p:spTree>
     <p:extLst>
       <p:ext uri="{BB962C8B-B14F-4D97-AF65-F5344CB8AC3E}">
-        <p14:creationId xmlns="" xmlns:p14="http://schemas.microsoft.com/office/powerpoint/2010/main" val="3920839538"/>
+        <p14:creationId xmlns:p14="http://schemas.microsoft.com/office/powerpoint/2010/main" val="3920839538"/>
       </p:ext>
     </p:extLst>
   </p:cSld>
@@ -13751,15 +13708,7 @@
           <a:p>
             <a:r>
               <a:rPr lang="en-US" dirty="0" smtClean="0"/>
-              <a:t>Readings for </a:t>
-            </a:r>
-            <a:r>
-              <a:rPr lang="en-US" dirty="0" smtClean="0"/>
-              <a:t>Wednesday</a:t>
-            </a:r>
-            <a:r>
-              <a:rPr lang="en-US" dirty="0" smtClean="0"/>
-              <a:t/>
+              <a:t>Readings for Wednesday</a:t>
             </a:r>
             <a:br>
               <a:rPr lang="en-US" dirty="0" smtClean="0"/>
@@ -13822,7 +13771,7 @@
     </p:spTree>
     <p:extLst>
       <p:ext uri="{BB962C8B-B14F-4D97-AF65-F5344CB8AC3E}">
-        <p14:creationId xmlns:p14="http://schemas.microsoft.com/office/powerpoint/2010/main" xmlns="" val="2920495728"/>
+        <p14:creationId xmlns:p14="http://schemas.microsoft.com/office/powerpoint/2010/main" val="2920495728"/>
       </p:ext>
     </p:extLst>
   </p:cSld>
@@ -13907,7 +13856,7 @@
           <p:nvPr>
             <p:extLst>
               <p:ext uri="{D42A27DB-BD31-4B8C-83A1-F6EECF244321}">
-                <p14:modId xmlns:p14="http://schemas.microsoft.com/office/powerpoint/2010/main" xmlns="" val="3368793629"/>
+                <p14:modId xmlns:p14="http://schemas.microsoft.com/office/powerpoint/2010/main" val="3368793629"/>
               </p:ext>
             </p:extLst>
           </p:nvPr>
@@ -14400,20 +14349,20 @@
     </p:spTree>
     <p:extLst>
       <p:ext uri="{BB962C8B-B14F-4D97-AF65-F5344CB8AC3E}">
-        <p14:creationId xmlns:p14="http://schemas.microsoft.com/office/powerpoint/2010/main" xmlns="" val="3755349535"/>
+        <p14:creationId xmlns:p14="http://schemas.microsoft.com/office/powerpoint/2010/main" val="3755349535"/>
       </p:ext>
     </p:extLst>
   </p:cSld>
   <p:clrMapOvr>
     <a:masterClrMapping/>
   </p:clrMapOvr>
-  <mc:AlternateContent xmlns:mc="http://schemas.openxmlformats.org/markup-compatibility/2006">
-    <mc:Choice xmlns:p14="http://schemas.microsoft.com/office/powerpoint/2010/main" xmlns="" Requires="p14">
+  <mc:AlternateContent xmlns:mc="http://schemas.openxmlformats.org/markup-compatibility/2006" xmlns:p14="http://schemas.microsoft.com/office/powerpoint/2010/main">
+    <mc:Choice Requires="p14">
       <p:transition spd="med" p14:dur="700">
         <p:fade/>
       </p:transition>
     </mc:Choice>
-    <mc:Fallback>
+    <mc:Fallback xmlns="">
       <p:transition spd="med">
         <p:fade/>
       </p:transition>
@@ -15597,7 +15546,7 @@
           <p:nvPr>
             <p:extLst>
               <p:ext uri="{D42A27DB-BD31-4B8C-83A1-F6EECF244321}">
-                <p14:modId xmlns:p14="http://schemas.microsoft.com/office/powerpoint/2010/main" xmlns="" val="1439639561"/>
+                <p14:modId xmlns:p14="http://schemas.microsoft.com/office/powerpoint/2010/main" val="1439639561"/>
               </p:ext>
             </p:extLst>
           </p:nvPr>
@@ -15927,86 +15876,6 @@
       </p:graphicFrame>
       <p:sp>
         <p:nvSpPr>
-          <p:cNvPr id="7" name="Rectangle 6"/>
-          <p:cNvSpPr/>
-          <p:nvPr/>
-        </p:nvSpPr>
-        <p:spPr>
-          <a:xfrm>
-            <a:off x="2703617" y="6205141"/>
-            <a:ext cx="6096000" cy="307777"/>
-          </a:xfrm>
-          <a:prstGeom prst="rect">
-            <a:avLst/>
-          </a:prstGeom>
-        </p:spPr>
-        <p:txBody>
-          <a:bodyPr>
-            <a:spAutoFit/>
-          </a:bodyPr>
-          <a:lstStyle/>
-          <a:p>
-            <a:r>
-              <a:rPr lang="en-US" sz="1400" dirty="0" err="1" smtClean="0">
-                <a:solidFill>
-                  <a:schemeClr val="accent1">
-                    <a:lumMod val="20000"/>
-                    <a:lumOff val="80000"/>
-                  </a:schemeClr>
-                </a:solidFill>
-                <a:latin typeface="Segoe UI" panose="020B0502040204020203" pitchFamily="34" charset="0"/>
-              </a:rPr>
-              <a:t>Kitchin</a:t>
-            </a:r>
-            <a:r>
-              <a:rPr lang="en-US" sz="1400" dirty="0" smtClean="0">
-                <a:solidFill>
-                  <a:schemeClr val="accent1">
-                    <a:lumMod val="20000"/>
-                    <a:lumOff val="80000"/>
-                  </a:schemeClr>
-                </a:solidFill>
-                <a:latin typeface="Segoe UI" panose="020B0502040204020203" pitchFamily="34" charset="0"/>
-              </a:rPr>
-              <a:t>, R. (2014). </a:t>
-            </a:r>
-            <a:r>
-              <a:rPr lang="en-US" sz="1400" i="1" dirty="0" smtClean="0">
-                <a:solidFill>
-                  <a:schemeClr val="accent1">
-                    <a:lumMod val="20000"/>
-                    <a:lumOff val="80000"/>
-                  </a:schemeClr>
-                </a:solidFill>
-                <a:latin typeface="Segoe UI" panose="020B0502040204020203" pitchFamily="34" charset="0"/>
-              </a:rPr>
-              <a:t>The Data Revolution</a:t>
-            </a:r>
-            <a:r>
-              <a:rPr lang="en-US" sz="1400" i="0" dirty="0" smtClean="0">
-                <a:solidFill>
-                  <a:schemeClr val="accent1">
-                    <a:lumMod val="20000"/>
-                    <a:lumOff val="80000"/>
-                  </a:schemeClr>
-                </a:solidFill>
-                <a:latin typeface="Segoe UI" panose="020B0502040204020203" pitchFamily="34" charset="0"/>
-              </a:rPr>
-              <a:t>. Washington DC: SAGE.</a:t>
-            </a:r>
-            <a:endParaRPr lang="en-US" sz="1400" dirty="0">
-              <a:solidFill>
-                <a:schemeClr val="accent1">
-                  <a:lumMod val="20000"/>
-                  <a:lumOff val="80000"/>
-                </a:schemeClr>
-              </a:solidFill>
-            </a:endParaRPr>
-          </a:p>
-        </p:txBody>
-      </p:sp>
-      <p:sp>
-        <p:nvSpPr>
           <p:cNvPr id="8" name="Rectangle 7"/>
           <p:cNvSpPr/>
           <p:nvPr/>
@@ -16094,20 +15963,20 @@
     </p:spTree>
     <p:extLst>
       <p:ext uri="{BB962C8B-B14F-4D97-AF65-F5344CB8AC3E}">
-        <p14:creationId xmlns:p14="http://schemas.microsoft.com/office/powerpoint/2010/main" xmlns="" val="2401644761"/>
+        <p14:creationId xmlns:p14="http://schemas.microsoft.com/office/powerpoint/2010/main" val="2401644761"/>
       </p:ext>
     </p:extLst>
   </p:cSld>
   <p:clrMapOvr>
     <a:masterClrMapping/>
   </p:clrMapOvr>
-  <mc:AlternateContent xmlns:mc="http://schemas.openxmlformats.org/markup-compatibility/2006">
-    <mc:Choice xmlns:p14="http://schemas.microsoft.com/office/powerpoint/2010/main" xmlns="" Requires="p14">
+  <mc:AlternateContent xmlns:mc="http://schemas.openxmlformats.org/markup-compatibility/2006" xmlns:p14="http://schemas.microsoft.com/office/powerpoint/2010/main">
+    <mc:Choice Requires="p14">
       <p:transition spd="med" p14:dur="700">
         <p:fade/>
       </p:transition>
     </mc:Choice>
-    <mc:Fallback>
+    <mc:Fallback xmlns="">
       <p:transition spd="med">
         <p:fade/>
       </p:transition>
@@ -16264,7 +16133,7 @@
             <p:ph sz="half" idx="1"/>
             <p:extLst>
               <p:ext uri="{D42A27DB-BD31-4B8C-83A1-F6EECF244321}">
-                <p14:modId xmlns="" xmlns:p14="http://schemas.microsoft.com/office/powerpoint/2010/main" val="2731641027"/>
+                <p14:modId xmlns:p14="http://schemas.microsoft.com/office/powerpoint/2010/main" val="2731641027"/>
               </p:ext>
             </p:extLst>
           </p:nvPr>
@@ -18026,7 +17895,7 @@
     </p:spTree>
     <p:extLst>
       <p:ext uri="{BB962C8B-B14F-4D97-AF65-F5344CB8AC3E}">
-        <p14:creationId xmlns="" xmlns:p14="http://schemas.microsoft.com/office/powerpoint/2010/main" val="3848041041"/>
+        <p14:creationId xmlns:p14="http://schemas.microsoft.com/office/powerpoint/2010/main" val="3848041041"/>
       </p:ext>
     </p:extLst>
   </p:cSld>
@@ -19926,20 +19795,20 @@
     </p:spTree>
     <p:extLst>
       <p:ext uri="{BB962C8B-B14F-4D97-AF65-F5344CB8AC3E}">
-        <p14:creationId xmlns:p14="http://schemas.microsoft.com/office/powerpoint/2010/main" xmlns="" val="2382807898"/>
+        <p14:creationId xmlns:p14="http://schemas.microsoft.com/office/powerpoint/2010/main" val="2382807898"/>
       </p:ext>
     </p:extLst>
   </p:cSld>
   <p:clrMapOvr>
     <a:masterClrMapping/>
   </p:clrMapOvr>
-  <mc:AlternateContent xmlns:mc="http://schemas.openxmlformats.org/markup-compatibility/2006">
-    <mc:Choice xmlns:p14="http://schemas.microsoft.com/office/powerpoint/2010/main" xmlns="" Requires="p14">
+  <mc:AlternateContent xmlns:mc="http://schemas.openxmlformats.org/markup-compatibility/2006" xmlns:p14="http://schemas.microsoft.com/office/powerpoint/2010/main">
+    <mc:Choice Requires="p14">
       <p:transition spd="med" p14:dur="700">
         <p:fade/>
       </p:transition>
     </mc:Choice>
-    <mc:Fallback>
+    <mc:Fallback xmlns="">
       <p:transition spd="med">
         <p:fade/>
       </p:transition>
@@ -20334,11 +20203,7 @@
             <a:pPr algn="ctr"/>
             <a:r>
               <a:rPr lang="en-US" dirty="0" smtClean="0"/>
-              <a:t>a</a:t>
-            </a:r>
-            <a:r>
-              <a:rPr lang="en-US" dirty="0" smtClean="0"/>
-              <a:t>bstracted elements</a:t>
+              <a:t>abstracted elements</a:t>
             </a:r>
             <a:endParaRPr lang="en-US" dirty="0"/>
           </a:p>
@@ -20376,11 +20241,7 @@
             <a:pPr algn="ctr"/>
             <a:r>
               <a:rPr lang="en-US" dirty="0" smtClean="0"/>
-              <a:t>l</a:t>
-            </a:r>
-            <a:r>
-              <a:rPr lang="en-US" dirty="0" smtClean="0"/>
-              <a:t>inked elements</a:t>
+              <a:t>linked elements</a:t>
             </a:r>
             <a:endParaRPr lang="en-US" dirty="0"/>
           </a:p>
@@ -20418,7 +20279,11 @@
             <a:pPr algn="ctr"/>
             <a:r>
               <a:rPr lang="en-US" dirty="0" smtClean="0"/>
-              <a:t>Organized information</a:t>
+              <a:t>organized </a:t>
+            </a:r>
+            <a:r>
+              <a:rPr lang="en-US" dirty="0" smtClean="0"/>
+              <a:t>information</a:t>
             </a:r>
             <a:endParaRPr lang="en-US" dirty="0"/>
           </a:p>
@@ -20456,11 +20321,7 @@
             <a:pPr algn="ctr"/>
             <a:r>
               <a:rPr lang="en-US" dirty="0" smtClean="0"/>
-              <a:t>a</a:t>
-            </a:r>
-            <a:r>
-              <a:rPr lang="en-US" dirty="0" smtClean="0"/>
-              <a:t>pplied knowledge</a:t>
+              <a:t>applied knowledge</a:t>
             </a:r>
             <a:endParaRPr lang="en-US" dirty="0"/>
           </a:p>
@@ -21152,7 +21013,7 @@
   <a:extraClrSchemeLst/>
   <a:extLst>
     <a:ext uri="{05A4C25C-085E-4340-85A3-A5531E510DB2}">
-      <thm15:themeFamily xmlns:thm15="http://schemas.microsoft.com/office/thememl/2012/main" xmlns="" name="Office Theme" id="{62F939B6-93AF-4DB8-9C6B-D6C7DFDC589F}" vid="{4A3C46E8-61CC-4603-A589-7422A47A8E4A}"/>
+      <thm15:themeFamily xmlns:thm15="http://schemas.microsoft.com/office/thememl/2012/main" name="Office Theme" id="{62F939B6-93AF-4DB8-9C6B-D6C7DFDC589F}" vid="{4A3C46E8-61CC-4603-A589-7422A47A8E4A}"/>
     </a:ext>
   </a:extLst>
 </a:theme>
@@ -21413,7 +21274,7 @@
   <a:extraClrSchemeLst/>
   <a:extLst>
     <a:ext uri="{05A4C25C-085E-4340-85A3-A5531E510DB2}">
-      <thm15:themeFamily xmlns:thm15="http://schemas.microsoft.com/office/thememl/2012/main" xmlns="" name="Office Theme" id="{62F939B6-93AF-4DB8-9C6B-D6C7DFDC589F}" vid="{4A3C46E8-61CC-4603-A589-7422A47A8E4A}"/>
+      <thm15:themeFamily xmlns:thm15="http://schemas.microsoft.com/office/thememl/2012/main" name="Office Theme" id="{62F939B6-93AF-4DB8-9C6B-D6C7DFDC589F}" vid="{4A3C46E8-61CC-4603-A589-7422A47A8E4A}"/>
     </a:ext>
   </a:extLst>
 </a:theme>

--- a/UM_DataManagementClass/Lessons/03/03_firstMeeting.pptx
+++ b/UM_DataManagementClass/Lessons/03/03_firstMeeting.pptx
@@ -5,30 +5,33 @@
     <p:sldMasterId id="2147483756" r:id="rId1"/>
   </p:sldMasterIdLst>
   <p:notesMasterIdLst>
-    <p:notesMasterId r:id="rId23"/>
+    <p:notesMasterId r:id="rId26"/>
   </p:notesMasterIdLst>
   <p:sldIdLst>
     <p:sldId id="256" r:id="rId2"/>
-    <p:sldId id="277" r:id="rId3"/>
-    <p:sldId id="274" r:id="rId4"/>
-    <p:sldId id="278" r:id="rId5"/>
-    <p:sldId id="275" r:id="rId6"/>
-    <p:sldId id="258" r:id="rId7"/>
-    <p:sldId id="259" r:id="rId8"/>
-    <p:sldId id="276" r:id="rId9"/>
-    <p:sldId id="273" r:id="rId10"/>
-    <p:sldId id="272" r:id="rId11"/>
-    <p:sldId id="257" r:id="rId12"/>
-    <p:sldId id="261" r:id="rId13"/>
-    <p:sldId id="262" r:id="rId14"/>
-    <p:sldId id="263" r:id="rId15"/>
-    <p:sldId id="264" r:id="rId16"/>
-    <p:sldId id="260" r:id="rId17"/>
-    <p:sldId id="265" r:id="rId18"/>
-    <p:sldId id="266" r:id="rId19"/>
-    <p:sldId id="268" r:id="rId20"/>
-    <p:sldId id="267" r:id="rId21"/>
-    <p:sldId id="270" r:id="rId22"/>
+    <p:sldId id="284" r:id="rId3"/>
+    <p:sldId id="281" r:id="rId4"/>
+    <p:sldId id="274" r:id="rId5"/>
+    <p:sldId id="282" r:id="rId6"/>
+    <p:sldId id="275" r:id="rId7"/>
+    <p:sldId id="258" r:id="rId8"/>
+    <p:sldId id="283" r:id="rId9"/>
+    <p:sldId id="276" r:id="rId10"/>
+    <p:sldId id="280" r:id="rId11"/>
+    <p:sldId id="279" r:id="rId12"/>
+    <p:sldId id="273" r:id="rId13"/>
+    <p:sldId id="272" r:id="rId14"/>
+    <p:sldId id="257" r:id="rId15"/>
+    <p:sldId id="261" r:id="rId16"/>
+    <p:sldId id="262" r:id="rId17"/>
+    <p:sldId id="263" r:id="rId18"/>
+    <p:sldId id="264" r:id="rId19"/>
+    <p:sldId id="260" r:id="rId20"/>
+    <p:sldId id="265" r:id="rId21"/>
+    <p:sldId id="266" r:id="rId22"/>
+    <p:sldId id="268" r:id="rId23"/>
+    <p:sldId id="267" r:id="rId24"/>
+    <p:sldId id="270" r:id="rId25"/>
   </p:sldIdLst>
   <p:sldSz cx="12192000" cy="6858000"/>
   <p:notesSz cx="7010400" cy="9296400"/>
@@ -129,7 +132,7 @@
   </p:defaultTextStyle>
   <p:extLst>
     <p:ext uri="{EFAFB233-063F-42B5-8137-9DF3F51BA10A}">
-      <p15:sldGuideLst xmlns:p15="http://schemas.microsoft.com/office/powerpoint/2012/main">
+      <p15:sldGuideLst xmlns:p15="http://schemas.microsoft.com/office/powerpoint/2012/main" xmlns="">
         <p15:guide id="1" orient="horz" pos="2160" userDrawn="1">
           <p15:clr>
             <a:srgbClr val="A4A3A4"/>
@@ -398,7 +401,7 @@
     </p:spTree>
     <p:extLst>
       <p:ext uri="{BB962C8B-B14F-4D97-AF65-F5344CB8AC3E}">
-        <p14:creationId xmlns:p14="http://schemas.microsoft.com/office/powerpoint/2010/main" val="2616926588"/>
+        <p14:creationId xmlns:p14="http://schemas.microsoft.com/office/powerpoint/2010/main" xmlns="" val="2616926588"/>
       </p:ext>
     </p:extLst>
   </p:cSld>
@@ -573,7 +576,7 @@
     </p:spTree>
     <p:extLst>
       <p:ext uri="{BB962C8B-B14F-4D97-AF65-F5344CB8AC3E}">
-        <p14:creationId xmlns:p14="http://schemas.microsoft.com/office/powerpoint/2010/main" val="111020371"/>
+        <p14:creationId xmlns:p14="http://schemas.microsoft.com/office/powerpoint/2010/main" xmlns="" val="111020371"/>
       </p:ext>
     </p:extLst>
   </p:cSld>
@@ -631,7 +634,7 @@
           <a:p>
             <a:r>
               <a:rPr lang="en-US" dirty="0" smtClean="0"/>
-              <a:t>Climate science</a:t>
+              <a:t>Climate models, and so on . . </a:t>
             </a:r>
             <a:endParaRPr lang="en-US" dirty="0"/>
           </a:p>
@@ -655,7 +658,7 @@
             <a:fld id="{BD1BE559-B438-492B-8B25-996CFA6FE800}" type="slidenum">
               <a:rPr lang="en-US" smtClean="0"/>
               <a:pPr/>
-              <a:t>14</a:t>
+              <a:t>16</a:t>
             </a:fld>
             <a:endParaRPr lang="en-US"/>
           </a:p>
@@ -664,7 +667,7 @@
     </p:spTree>
     <p:extLst>
       <p:ext uri="{BB962C8B-B14F-4D97-AF65-F5344CB8AC3E}">
-        <p14:creationId xmlns:p14="http://schemas.microsoft.com/office/powerpoint/2010/main" val="914134529"/>
+        <p14:creationId xmlns:p14="http://schemas.microsoft.com/office/powerpoint/2010/main" xmlns="" val="1272408401"/>
       </p:ext>
     </p:extLst>
   </p:cSld>
@@ -722,7 +725,7 @@
           <a:p>
             <a:r>
               <a:rPr lang="en-US" dirty="0" smtClean="0"/>
-              <a:t>The bibliography</a:t>
+              <a:t>Climate science</a:t>
             </a:r>
             <a:endParaRPr lang="en-US" dirty="0"/>
           </a:p>
@@ -746,7 +749,7 @@
             <a:fld id="{BD1BE559-B438-492B-8B25-996CFA6FE800}" type="slidenum">
               <a:rPr lang="en-US" smtClean="0"/>
               <a:pPr/>
-              <a:t>15</a:t>
+              <a:t>17</a:t>
             </a:fld>
             <a:endParaRPr lang="en-US"/>
           </a:p>
@@ -755,7 +758,7 @@
     </p:spTree>
     <p:extLst>
       <p:ext uri="{BB962C8B-B14F-4D97-AF65-F5344CB8AC3E}">
-        <p14:creationId xmlns:p14="http://schemas.microsoft.com/office/powerpoint/2010/main" val="2362365578"/>
+        <p14:creationId xmlns:p14="http://schemas.microsoft.com/office/powerpoint/2010/main" xmlns="" val="914134529"/>
       </p:ext>
     </p:extLst>
   </p:cSld>
@@ -813,15 +816,7 @@
           <a:p>
             <a:r>
               <a:rPr lang="en-US" dirty="0" smtClean="0"/>
-              <a:t>Data</a:t>
-            </a:r>
-            <a:r>
-              <a:rPr lang="en-US" baseline="0" dirty="0" smtClean="0"/>
-              <a:t> in a conservation research </a:t>
-            </a:r>
-            <a:r>
-              <a:rPr lang="en-US" baseline="0" dirty="0" smtClean="0"/>
-              <a:t>project (from Tim’s dissertation and previous NGO work)</a:t>
+              <a:t>The bibliography</a:t>
             </a:r>
             <a:endParaRPr lang="en-US" dirty="0"/>
           </a:p>
@@ -837,23 +832,15 @@
             <p:ph type="sldNum" sz="quarter" idx="10"/>
           </p:nvPr>
         </p:nvSpPr>
-        <p:spPr>
-          <a:xfrm>
-            <a:off x="3970938" y="8829967"/>
-            <a:ext cx="3037841" cy="464820"/>
-          </a:xfrm>
-          <a:prstGeom prst="rect">
-            <a:avLst/>
-          </a:prstGeom>
-        </p:spPr>
-        <p:txBody>
-          <a:bodyPr lIns="91714" tIns="45857" rIns="91714" bIns="45857"/>
+        <p:spPr/>
+        <p:txBody>
+          <a:bodyPr/>
           <a:lstStyle/>
           <a:p>
-            <a:fld id="{9524ECC1-EDDB-4719-A571-28906372C5A2}" type="slidenum">
+            <a:fld id="{BD1BE559-B438-492B-8B25-996CFA6FE800}" type="slidenum">
               <a:rPr lang="en-US" smtClean="0"/>
               <a:pPr/>
-              <a:t>16</a:t>
+              <a:t>18</a:t>
             </a:fld>
             <a:endParaRPr lang="en-US"/>
           </a:p>
@@ -862,7 +849,7 @@
     </p:spTree>
     <p:extLst>
       <p:ext uri="{BB962C8B-B14F-4D97-AF65-F5344CB8AC3E}">
-        <p14:creationId xmlns:p14="http://schemas.microsoft.com/office/powerpoint/2010/main" val="3327247916"/>
+        <p14:creationId xmlns:p14="http://schemas.microsoft.com/office/powerpoint/2010/main" xmlns="" val="2362365578"/>
       </p:ext>
     </p:extLst>
   </p:cSld>
@@ -920,47 +907,13 @@
           <a:p>
             <a:r>
               <a:rPr lang="en-US" dirty="0" smtClean="0"/>
-              <a:t>Another viewpoint: Raw, Analyzed, Processed, Published</a:t>
-            </a:r>
-          </a:p>
-          <a:p>
-            <a:endParaRPr lang="en-US" dirty="0" smtClean="0"/>
-          </a:p>
-          <a:p>
-            <a:r>
-              <a:rPr lang="en-US" dirty="0" smtClean="0"/>
-              <a:t>Think about how this also fits</a:t>
+              <a:t>Data</a:t>
             </a:r>
             <a:r>
               <a:rPr lang="en-US" baseline="0" dirty="0" smtClean="0"/>
-              <a:t> well with the data lifecycle</a:t>
-            </a:r>
-          </a:p>
-          <a:p>
-            <a:r>
-              <a:rPr lang="en-US" baseline="0" dirty="0" smtClean="0"/>
-              <a:t>Think about iterations, drafts</a:t>
-            </a:r>
-          </a:p>
-          <a:p>
-            <a:r>
-              <a:rPr lang="en-US" baseline="0" dirty="0" smtClean="0"/>
-              <a:t>Think about primary, secondary, tertiary</a:t>
-            </a:r>
-          </a:p>
-          <a:p>
-            <a:r>
-              <a:rPr lang="en-US" baseline="0" dirty="0" smtClean="0"/>
-              <a:t>Think about qualitative and </a:t>
-            </a:r>
-            <a:r>
-              <a:rPr lang="en-US" baseline="0" dirty="0" err="1" smtClean="0"/>
-              <a:t>quatitative</a:t>
-            </a:r>
-            <a:endParaRPr lang="en-US" dirty="0" smtClean="0"/>
-          </a:p>
-          <a:p>
-            <a:endParaRPr lang="en-US" dirty="0" smtClean="0"/>
+              <a:t> in a conservation research project (from Tim’s dissertation and previous NGO work)</a:t>
+            </a:r>
+            <a:endParaRPr lang="en-US" dirty="0"/>
           </a:p>
         </p:txBody>
       </p:sp>
@@ -990,7 +943,7 @@
             <a:fld id="{9524ECC1-EDDB-4719-A571-28906372C5A2}" type="slidenum">
               <a:rPr lang="en-US" smtClean="0"/>
               <a:pPr/>
-              <a:t>17</a:t>
+              <a:t>19</a:t>
             </a:fld>
             <a:endParaRPr lang="en-US"/>
           </a:p>
@@ -999,7 +952,7 @@
     </p:spTree>
     <p:extLst>
       <p:ext uri="{BB962C8B-B14F-4D97-AF65-F5344CB8AC3E}">
-        <p14:creationId xmlns:p14="http://schemas.microsoft.com/office/powerpoint/2010/main" val="2209415982"/>
+        <p14:creationId xmlns:p14="http://schemas.microsoft.com/office/powerpoint/2010/main" xmlns="" val="3327247916"/>
       </p:ext>
     </p:extLst>
   </p:cSld>
@@ -1055,68 +1008,49 @@
           </a:bodyPr>
           <a:lstStyle/>
           <a:p>
-            <a:pPr marL="0" marR="0" indent="0" algn="l" defTabSz="914400" rtl="0" eaLnBrk="1" fontAlgn="auto" latinLnBrk="0" hangingPunct="1">
-              <a:lnSpc>
-                <a:spcPct val="100000"/>
-              </a:lnSpc>
-              <a:spcBef>
-                <a:spcPts val="0"/>
-              </a:spcBef>
-              <a:spcAft>
-                <a:spcPts val="0"/>
-              </a:spcAft>
-              <a:buClrTx/>
-              <a:buSzTx/>
-              <a:buFontTx/>
-              <a:buNone/>
-              <a:tabLst/>
-              <a:defRPr/>
-            </a:pPr>
-            <a:r>
-              <a:rPr lang="en-US" sz="1200" dirty="0" err="1" smtClean="0">
-                <a:solidFill>
-                  <a:schemeClr val="tx1">
-                    <a:lumMod val="50000"/>
-                    <a:lumOff val="50000"/>
-                  </a:schemeClr>
-                </a:solidFill>
-              </a:rPr>
-              <a:t>Whitmire</a:t>
-            </a:r>
-            <a:r>
-              <a:rPr lang="en-US" sz="1200" dirty="0" smtClean="0">
-                <a:solidFill>
-                  <a:schemeClr val="tx1">
-                    <a:lumMod val="50000"/>
-                    <a:lumOff val="50000"/>
-                  </a:schemeClr>
-                </a:solidFill>
-              </a:rPr>
-              <a:t>, Amanda L. (2014). Research Data Management Curriculum, Lecture 3: Introduction to Research Data Management. Oregon State University Libraries. Retrieved 11/04/2015 from: </a:t>
-            </a:r>
-            <a:r>
-              <a:rPr lang="en-US" sz="1200" u="sng" dirty="0" smtClean="0">
-                <a:solidFill>
-                  <a:schemeClr val="tx1">
-                    <a:lumMod val="50000"/>
-                    <a:lumOff val="50000"/>
-                  </a:schemeClr>
-                </a:solidFill>
-                <a:hlinkClick r:id="rId3"/>
-              </a:rPr>
-              <a:t>http://figshare.com/articles/GRAD521_Research_Data_Management_Lectures/1003835</a:t>
-            </a:r>
-            <a:endParaRPr lang="en-US" sz="1200" dirty="0" smtClean="0">
-              <a:solidFill>
-                <a:schemeClr val="tx1">
-                  <a:lumMod val="50000"/>
-                  <a:lumOff val="50000"/>
-                </a:schemeClr>
-              </a:solidFill>
-            </a:endParaRPr>
-          </a:p>
-          <a:p>
-            <a:endParaRPr lang="en-US" dirty="0"/>
+            <a:r>
+              <a:rPr lang="en-US" dirty="0" smtClean="0"/>
+              <a:t>Another viewpoint: Raw, Analyzed, Processed, Published</a:t>
+            </a:r>
+          </a:p>
+          <a:p>
+            <a:endParaRPr lang="en-US" dirty="0" smtClean="0"/>
+          </a:p>
+          <a:p>
+            <a:r>
+              <a:rPr lang="en-US" dirty="0" smtClean="0"/>
+              <a:t>Think about how this also fits</a:t>
+            </a:r>
+            <a:r>
+              <a:rPr lang="en-US" baseline="0" dirty="0" smtClean="0"/>
+              <a:t> well with the data lifecycle</a:t>
+            </a:r>
+          </a:p>
+          <a:p>
+            <a:r>
+              <a:rPr lang="en-US" baseline="0" dirty="0" smtClean="0"/>
+              <a:t>Think about iterations, drafts</a:t>
+            </a:r>
+          </a:p>
+          <a:p>
+            <a:r>
+              <a:rPr lang="en-US" baseline="0" dirty="0" smtClean="0"/>
+              <a:t>Think about primary, secondary, tertiary</a:t>
+            </a:r>
+          </a:p>
+          <a:p>
+            <a:r>
+              <a:rPr lang="en-US" baseline="0" dirty="0" smtClean="0"/>
+              <a:t>Think about qualitative and </a:t>
+            </a:r>
+            <a:r>
+              <a:rPr lang="en-US" baseline="0" dirty="0" err="1" smtClean="0"/>
+              <a:t>quatitative</a:t>
+            </a:r>
+            <a:endParaRPr lang="en-US" dirty="0" smtClean="0"/>
+          </a:p>
+          <a:p>
+            <a:endParaRPr lang="en-US" dirty="0" smtClean="0"/>
           </a:p>
         </p:txBody>
       </p:sp>
@@ -1130,15 +1064,23 @@
             <p:ph type="sldNum" sz="quarter" idx="10"/>
           </p:nvPr>
         </p:nvSpPr>
-        <p:spPr/>
-        <p:txBody>
-          <a:bodyPr/>
+        <p:spPr>
+          <a:xfrm>
+            <a:off x="3970938" y="8829967"/>
+            <a:ext cx="3037841" cy="464820"/>
+          </a:xfrm>
+          <a:prstGeom prst="rect">
+            <a:avLst/>
+          </a:prstGeom>
+        </p:spPr>
+        <p:txBody>
+          <a:bodyPr lIns="91714" tIns="45857" rIns="91714" bIns="45857"/>
           <a:lstStyle/>
           <a:p>
-            <a:fld id="{BD1BE559-B438-492B-8B25-996CFA6FE800}" type="slidenum">
+            <a:fld id="{9524ECC1-EDDB-4719-A571-28906372C5A2}" type="slidenum">
               <a:rPr lang="en-US" smtClean="0"/>
               <a:pPr/>
-              <a:t>19</a:t>
+              <a:t>20</a:t>
             </a:fld>
             <a:endParaRPr lang="en-US"/>
           </a:p>
@@ -1147,7 +1089,7 @@
     </p:spTree>
     <p:extLst>
       <p:ext uri="{BB962C8B-B14F-4D97-AF65-F5344CB8AC3E}">
-        <p14:creationId xmlns:p14="http://schemas.microsoft.com/office/powerpoint/2010/main" val="2084410409"/>
+        <p14:creationId xmlns:p14="http://schemas.microsoft.com/office/powerpoint/2010/main" xmlns="" val="2209415982"/>
       </p:ext>
     </p:extLst>
   </p:cSld>
@@ -1198,8 +1140,71 @@
         </p:nvSpPr>
         <p:spPr/>
         <p:txBody>
-          <a:bodyPr/>
+          <a:bodyPr>
+            <a:normAutofit/>
+          </a:bodyPr>
           <a:lstStyle/>
+          <a:p>
+            <a:pPr marL="0" marR="0" indent="0" algn="l" defTabSz="914400" rtl="0" eaLnBrk="1" fontAlgn="auto" latinLnBrk="0" hangingPunct="1">
+              <a:lnSpc>
+                <a:spcPct val="100000"/>
+              </a:lnSpc>
+              <a:spcBef>
+                <a:spcPts val="0"/>
+              </a:spcBef>
+              <a:spcAft>
+                <a:spcPts val="0"/>
+              </a:spcAft>
+              <a:buClrTx/>
+              <a:buSzTx/>
+              <a:buFontTx/>
+              <a:buNone/>
+              <a:tabLst/>
+              <a:defRPr/>
+            </a:pPr>
+            <a:r>
+              <a:rPr lang="en-US" sz="1200" dirty="0" err="1" smtClean="0">
+                <a:solidFill>
+                  <a:schemeClr val="tx1">
+                    <a:lumMod val="50000"/>
+                    <a:lumOff val="50000"/>
+                  </a:schemeClr>
+                </a:solidFill>
+              </a:rPr>
+              <a:t>Whitmire</a:t>
+            </a:r>
+            <a:r>
+              <a:rPr lang="en-US" sz="1200" dirty="0" smtClean="0">
+                <a:solidFill>
+                  <a:schemeClr val="tx1">
+                    <a:lumMod val="50000"/>
+                    <a:lumOff val="50000"/>
+                  </a:schemeClr>
+                </a:solidFill>
+              </a:rPr>
+              <a:t>, Amanda L. (2014). Research Data Management Curriculum, Lecture 3: Introduction to Research Data Management. Oregon State University Libraries. Retrieved 11/04/2015 from: </a:t>
+            </a:r>
+            <a:r>
+              <a:rPr lang="en-US" sz="1200" u="sng" dirty="0" smtClean="0">
+                <a:solidFill>
+                  <a:schemeClr val="tx1">
+                    <a:lumMod val="50000"/>
+                    <a:lumOff val="50000"/>
+                  </a:schemeClr>
+                </a:solidFill>
+                <a:hlinkClick r:id="rId3"/>
+              </a:rPr>
+              <a:t>http://figshare.com/articles/GRAD521_Research_Data_Management_Lectures/1003835</a:t>
+            </a:r>
+            <a:endParaRPr lang="en-US" sz="1200" dirty="0" smtClean="0">
+              <a:solidFill>
+                <a:schemeClr val="tx1">
+                  <a:lumMod val="50000"/>
+                  <a:lumOff val="50000"/>
+                </a:schemeClr>
+              </a:solidFill>
+            </a:endParaRPr>
+          </a:p>
           <a:p>
             <a:endParaRPr lang="en-US" dirty="0"/>
           </a:p>
@@ -1223,7 +1228,7 @@
             <a:fld id="{BD1BE559-B438-492B-8B25-996CFA6FE800}" type="slidenum">
               <a:rPr lang="en-US" smtClean="0"/>
               <a:pPr/>
-              <a:t>20</a:t>
+              <a:t>22</a:t>
             </a:fld>
             <a:endParaRPr lang="en-US"/>
           </a:p>
@@ -1232,7 +1237,92 @@
     </p:spTree>
     <p:extLst>
       <p:ext uri="{BB962C8B-B14F-4D97-AF65-F5344CB8AC3E}">
-        <p14:creationId xmlns:p14="http://schemas.microsoft.com/office/powerpoint/2010/main" val="3007364499"/>
+        <p14:creationId xmlns:p14="http://schemas.microsoft.com/office/powerpoint/2010/main" xmlns="" val="2084410409"/>
+      </p:ext>
+    </p:extLst>
+  </p:cSld>
+  <p:clrMapOvr>
+    <a:masterClrMapping/>
+  </p:clrMapOvr>
+</p:notes>
+</file>
+
+<file path=ppt/notesSlides/notesSlide16.xml><?xml version="1.0" encoding="utf-8"?>
+<p:notes xmlns:a="http://schemas.openxmlformats.org/drawingml/2006/main" xmlns:r="http://schemas.openxmlformats.org/officeDocument/2006/relationships" xmlns:p="http://schemas.openxmlformats.org/presentationml/2006/main">
+  <p:cSld>
+    <p:spTree>
+      <p:nvGrpSpPr>
+        <p:cNvPr id="1" name=""/>
+        <p:cNvGrpSpPr/>
+        <p:nvPr/>
+      </p:nvGrpSpPr>
+      <p:grpSpPr>
+        <a:xfrm>
+          <a:off x="0" y="0"/>
+          <a:ext cx="0" cy="0"/>
+          <a:chOff x="0" y="0"/>
+          <a:chExt cx="0" cy="0"/>
+        </a:xfrm>
+      </p:grpSpPr>
+      <p:sp>
+        <p:nvSpPr>
+          <p:cNvPr id="2" name="Slide Image Placeholder 1"/>
+          <p:cNvSpPr>
+            <a:spLocks noGrp="1" noRot="1" noChangeAspect="1"/>
+          </p:cNvSpPr>
+          <p:nvPr>
+            <p:ph type="sldImg"/>
+          </p:nvPr>
+        </p:nvSpPr>
+        <p:spPr/>
+      </p:sp>
+      <p:sp>
+        <p:nvSpPr>
+          <p:cNvPr id="3" name="Notes Placeholder 2"/>
+          <p:cNvSpPr>
+            <a:spLocks noGrp="1"/>
+          </p:cNvSpPr>
+          <p:nvPr>
+            <p:ph type="body" idx="1"/>
+          </p:nvPr>
+        </p:nvSpPr>
+        <p:spPr/>
+        <p:txBody>
+          <a:bodyPr/>
+          <a:lstStyle/>
+          <a:p>
+            <a:endParaRPr lang="en-US" dirty="0"/>
+          </a:p>
+        </p:txBody>
+      </p:sp>
+      <p:sp>
+        <p:nvSpPr>
+          <p:cNvPr id="4" name="Slide Number Placeholder 3"/>
+          <p:cNvSpPr>
+            <a:spLocks noGrp="1"/>
+          </p:cNvSpPr>
+          <p:nvPr>
+            <p:ph type="sldNum" sz="quarter" idx="10"/>
+          </p:nvPr>
+        </p:nvSpPr>
+        <p:spPr/>
+        <p:txBody>
+          <a:bodyPr/>
+          <a:lstStyle/>
+          <a:p>
+            <a:fld id="{BD1BE559-B438-492B-8B25-996CFA6FE800}" type="slidenum">
+              <a:rPr lang="en-US" smtClean="0"/>
+              <a:pPr/>
+              <a:t>23</a:t>
+            </a:fld>
+            <a:endParaRPr lang="en-US"/>
+          </a:p>
+        </p:txBody>
+      </p:sp>
+    </p:spTree>
+    <p:extLst>
+      <p:ext uri="{BB962C8B-B14F-4D97-AF65-F5344CB8AC3E}">
+        <p14:creationId xmlns:p14="http://schemas.microsoft.com/office/powerpoint/2010/main" xmlns="" val="3007364499"/>
       </p:ext>
     </p:extLst>
   </p:cSld>
@@ -1310,7 +1400,7 @@
             <a:fld id="{BD1BE559-B438-492B-8B25-996CFA6FE800}" type="slidenum">
               <a:rPr lang="en-US" smtClean="0"/>
               <a:pPr/>
-              <a:t>2</a:t>
+              <a:t>3</a:t>
             </a:fld>
             <a:endParaRPr lang="en-US"/>
           </a:p>
@@ -1319,7 +1409,7 @@
     </p:spTree>
     <p:extLst>
       <p:ext uri="{BB962C8B-B14F-4D97-AF65-F5344CB8AC3E}">
-        <p14:creationId xmlns:p14="http://schemas.microsoft.com/office/powerpoint/2010/main" val="267559308"/>
+        <p14:creationId xmlns:p14="http://schemas.microsoft.com/office/powerpoint/2010/main" xmlns="" val="97577589"/>
       </p:ext>
     </p:extLst>
   </p:cSld>
@@ -1397,7 +1487,7 @@
             <a:fld id="{BD1BE559-B438-492B-8B25-996CFA6FE800}" type="slidenum">
               <a:rPr lang="en-US" smtClean="0"/>
               <a:pPr/>
-              <a:t>4</a:t>
+              <a:t>5</a:t>
             </a:fld>
             <a:endParaRPr lang="en-US"/>
           </a:p>
@@ -1406,7 +1496,7 @@
     </p:spTree>
     <p:extLst>
       <p:ext uri="{BB962C8B-B14F-4D97-AF65-F5344CB8AC3E}">
-        <p14:creationId xmlns:p14="http://schemas.microsoft.com/office/powerpoint/2010/main" val="2324853772"/>
+        <p14:creationId xmlns:p14="http://schemas.microsoft.com/office/powerpoint/2010/main" xmlns="" val="97577589"/>
       </p:ext>
     </p:extLst>
   </p:cSld>
@@ -1508,7 +1598,7 @@
             <a:fld id="{BD1BE559-B438-492B-8B25-996CFA6FE800}" type="slidenum">
               <a:rPr lang="en-US" smtClean="0"/>
               <a:pPr/>
-              <a:t>5</a:t>
+              <a:t>6</a:t>
             </a:fld>
             <a:endParaRPr lang="en-US"/>
           </a:p>
@@ -1517,7 +1607,7 @@
     </p:spTree>
     <p:extLst>
       <p:ext uri="{BB962C8B-B14F-4D97-AF65-F5344CB8AC3E}">
-        <p14:creationId xmlns:p14="http://schemas.microsoft.com/office/powerpoint/2010/main" val="2603525525"/>
+        <p14:creationId xmlns:p14="http://schemas.microsoft.com/office/powerpoint/2010/main" xmlns="" val="2603525525"/>
       </p:ext>
     </p:extLst>
   </p:cSld>
@@ -1602,7 +1692,7 @@
                 </a:solidFill>
               </a:rPr>
               <a:pPr/>
-              <a:t>6</a:t>
+              <a:t>7</a:t>
             </a:fld>
             <a:endParaRPr lang="en-US">
               <a:solidFill>
@@ -1615,7 +1705,7 @@
     </p:spTree>
     <p:extLst>
       <p:ext uri="{BB962C8B-B14F-4D97-AF65-F5344CB8AC3E}">
-        <p14:creationId xmlns:p14="http://schemas.microsoft.com/office/powerpoint/2010/main" val="3601827994"/>
+        <p14:creationId xmlns:p14="http://schemas.microsoft.com/office/powerpoint/2010/main" xmlns="" val="3601827994"/>
       </p:ext>
     </p:extLst>
   </p:cSld>
@@ -1693,7 +1783,7 @@
             <a:fld id="{BD1BE559-B438-492B-8B25-996CFA6FE800}" type="slidenum">
               <a:rPr lang="en-US" smtClean="0"/>
               <a:pPr/>
-              <a:t>7</a:t>
+              <a:t>8</a:t>
             </a:fld>
             <a:endParaRPr lang="en-US"/>
           </a:p>
@@ -1702,7 +1792,7 @@
     </p:spTree>
     <p:extLst>
       <p:ext uri="{BB962C8B-B14F-4D97-AF65-F5344CB8AC3E}">
-        <p14:creationId xmlns:p14="http://schemas.microsoft.com/office/powerpoint/2010/main" val="97577589"/>
+        <p14:creationId xmlns:p14="http://schemas.microsoft.com/office/powerpoint/2010/main" xmlns="" val="97577589"/>
       </p:ext>
     </p:extLst>
   </p:cSld>
@@ -1758,27 +1848,6 @@
           </a:bodyPr>
           <a:lstStyle/>
           <a:p>
-            <a:r>
-              <a:rPr lang="en-US" dirty="0" smtClean="0"/>
-              <a:t>Examples: sensor readings (list is long)</a:t>
-            </a:r>
-            <a:r>
-              <a:rPr lang="en-US" baseline="0" dirty="0" smtClean="0"/>
-              <a:t>, surveys (both human and non-human)</a:t>
-            </a:r>
-          </a:p>
-          <a:p>
-            <a:endParaRPr lang="en-US" baseline="0" dirty="0" smtClean="0"/>
-          </a:p>
-          <a:p>
-            <a:r>
-              <a:rPr lang="en-US" baseline="0" dirty="0" smtClean="0"/>
-              <a:t>Part of content from </a:t>
-            </a:r>
-            <a:r>
-              <a:rPr lang="en-US" baseline="0" dirty="0" err="1" smtClean="0"/>
-              <a:t>Whitmire</a:t>
-            </a:r>
             <a:endParaRPr lang="en-US" dirty="0"/>
           </a:p>
         </p:txBody>
@@ -1801,7 +1870,7 @@
             <a:fld id="{BD1BE559-B438-492B-8B25-996CFA6FE800}" type="slidenum">
               <a:rPr lang="en-US" smtClean="0"/>
               <a:pPr/>
-              <a:t>11</a:t>
+              <a:t>10</a:t>
             </a:fld>
             <a:endParaRPr lang="en-US"/>
           </a:p>
@@ -1810,7 +1879,7 @@
     </p:spTree>
     <p:extLst>
       <p:ext uri="{BB962C8B-B14F-4D97-AF65-F5344CB8AC3E}">
-        <p14:creationId xmlns:p14="http://schemas.microsoft.com/office/powerpoint/2010/main" val="3387350060"/>
+        <p14:creationId xmlns:p14="http://schemas.microsoft.com/office/powerpoint/2010/main" xmlns="" val="97577589"/>
       </p:ext>
     </p:extLst>
   </p:cSld>
@@ -1868,7 +1937,24 @@
           <a:p>
             <a:r>
               <a:rPr lang="en-US" dirty="0" smtClean="0"/>
-              <a:t>Examples: biological/chemical assays, spectroscopy, again, list is long</a:t>
+              <a:t>Examples: sensor readings (list is long)</a:t>
+            </a:r>
+            <a:r>
+              <a:rPr lang="en-US" baseline="0" dirty="0" smtClean="0"/>
+              <a:t>, surveys (both human and non-human)</a:t>
+            </a:r>
+          </a:p>
+          <a:p>
+            <a:endParaRPr lang="en-US" baseline="0" dirty="0" smtClean="0"/>
+          </a:p>
+          <a:p>
+            <a:r>
+              <a:rPr lang="en-US" baseline="0" dirty="0" smtClean="0"/>
+              <a:t>Part of content from </a:t>
+            </a:r>
+            <a:r>
+              <a:rPr lang="en-US" baseline="0" dirty="0" err="1" smtClean="0"/>
+              <a:t>Whitmire</a:t>
             </a:r>
             <a:endParaRPr lang="en-US" dirty="0"/>
           </a:p>
@@ -1892,7 +1978,7 @@
             <a:fld id="{BD1BE559-B438-492B-8B25-996CFA6FE800}" type="slidenum">
               <a:rPr lang="en-US" smtClean="0"/>
               <a:pPr/>
-              <a:t>12</a:t>
+              <a:t>14</a:t>
             </a:fld>
             <a:endParaRPr lang="en-US"/>
           </a:p>
@@ -1901,7 +1987,7 @@
     </p:spTree>
     <p:extLst>
       <p:ext uri="{BB962C8B-B14F-4D97-AF65-F5344CB8AC3E}">
-        <p14:creationId xmlns:p14="http://schemas.microsoft.com/office/powerpoint/2010/main" val="2881589845"/>
+        <p14:creationId xmlns:p14="http://schemas.microsoft.com/office/powerpoint/2010/main" xmlns="" val="3387350060"/>
       </p:ext>
     </p:extLst>
   </p:cSld>
@@ -1959,7 +2045,7 @@
           <a:p>
             <a:r>
               <a:rPr lang="en-US" dirty="0" smtClean="0"/>
-              <a:t>Climate models, and so on . . </a:t>
+              <a:t>Examples: biological/chemical assays, spectroscopy, again, list is long</a:t>
             </a:r>
             <a:endParaRPr lang="en-US" dirty="0"/>
           </a:p>
@@ -1983,7 +2069,7 @@
             <a:fld id="{BD1BE559-B438-492B-8B25-996CFA6FE800}" type="slidenum">
               <a:rPr lang="en-US" smtClean="0"/>
               <a:pPr/>
-              <a:t>13</a:t>
+              <a:t>15</a:t>
             </a:fld>
             <a:endParaRPr lang="en-US"/>
           </a:p>
@@ -1992,7 +2078,7 @@
     </p:spTree>
     <p:extLst>
       <p:ext uri="{BB962C8B-B14F-4D97-AF65-F5344CB8AC3E}">
-        <p14:creationId xmlns:p14="http://schemas.microsoft.com/office/powerpoint/2010/main" val="1272408401"/>
+        <p14:creationId xmlns:p14="http://schemas.microsoft.com/office/powerpoint/2010/main" xmlns="" val="2881589845"/>
       </p:ext>
     </p:extLst>
   </p:cSld>
@@ -2229,7 +2315,7 @@
     </p:spTree>
     <p:extLst>
       <p:ext uri="{BB962C8B-B14F-4D97-AF65-F5344CB8AC3E}">
-        <p14:creationId xmlns:p14="http://schemas.microsoft.com/office/powerpoint/2010/main" val="588844449"/>
+        <p14:creationId xmlns:p14="http://schemas.microsoft.com/office/powerpoint/2010/main" xmlns="" val="588844449"/>
       </p:ext>
     </p:extLst>
   </p:cSld>
@@ -2444,7 +2530,7 @@
     </p:spTree>
     <p:extLst>
       <p:ext uri="{BB962C8B-B14F-4D97-AF65-F5344CB8AC3E}">
-        <p14:creationId xmlns:p14="http://schemas.microsoft.com/office/powerpoint/2010/main" val="2374176888"/>
+        <p14:creationId xmlns:p14="http://schemas.microsoft.com/office/powerpoint/2010/main" xmlns="" val="2374176888"/>
       </p:ext>
     </p:extLst>
   </p:cSld>
@@ -2669,7 +2755,7 @@
     </p:spTree>
     <p:extLst>
       <p:ext uri="{BB962C8B-B14F-4D97-AF65-F5344CB8AC3E}">
-        <p14:creationId xmlns:p14="http://schemas.microsoft.com/office/powerpoint/2010/main" val="991584953"/>
+        <p14:creationId xmlns:p14="http://schemas.microsoft.com/office/powerpoint/2010/main" xmlns="" val="991584953"/>
       </p:ext>
     </p:extLst>
   </p:cSld>
@@ -2910,7 +2996,7 @@
     </p:spTree>
     <p:extLst>
       <p:ext uri="{BB962C8B-B14F-4D97-AF65-F5344CB8AC3E}">
-        <p14:creationId xmlns:p14="http://schemas.microsoft.com/office/powerpoint/2010/main" val="379613614"/>
+        <p14:creationId xmlns:p14="http://schemas.microsoft.com/office/powerpoint/2010/main" xmlns="" val="379613614"/>
       </p:ext>
     </p:extLst>
   </p:cSld>
@@ -3199,7 +3285,7 @@
     </p:spTree>
     <p:extLst>
       <p:ext uri="{BB962C8B-B14F-4D97-AF65-F5344CB8AC3E}">
-        <p14:creationId xmlns:p14="http://schemas.microsoft.com/office/powerpoint/2010/main" val="1749530271"/>
+        <p14:creationId xmlns:p14="http://schemas.microsoft.com/office/powerpoint/2010/main" xmlns="" val="1749530271"/>
       </p:ext>
     </p:extLst>
   </p:cSld>
@@ -3520,7 +3606,7 @@
     </p:spTree>
     <p:extLst>
       <p:ext uri="{BB962C8B-B14F-4D97-AF65-F5344CB8AC3E}">
-        <p14:creationId xmlns:p14="http://schemas.microsoft.com/office/powerpoint/2010/main" val="4117643888"/>
+        <p14:creationId xmlns:p14="http://schemas.microsoft.com/office/powerpoint/2010/main" xmlns="" val="4117643888"/>
       </p:ext>
     </p:extLst>
   </p:cSld>
@@ -3980,7 +4066,7 @@
     </p:spTree>
     <p:extLst>
       <p:ext uri="{BB962C8B-B14F-4D97-AF65-F5344CB8AC3E}">
-        <p14:creationId xmlns:p14="http://schemas.microsoft.com/office/powerpoint/2010/main" val="3305394207"/>
+        <p14:creationId xmlns:p14="http://schemas.microsoft.com/office/powerpoint/2010/main" xmlns="" val="3305394207"/>
       </p:ext>
     </p:extLst>
   </p:cSld>
@@ -4151,7 +4237,7 @@
     </p:spTree>
     <p:extLst>
       <p:ext uri="{BB962C8B-B14F-4D97-AF65-F5344CB8AC3E}">
-        <p14:creationId xmlns:p14="http://schemas.microsoft.com/office/powerpoint/2010/main" val="2564282291"/>
+        <p14:creationId xmlns:p14="http://schemas.microsoft.com/office/powerpoint/2010/main" xmlns="" val="2564282291"/>
       </p:ext>
     </p:extLst>
   </p:cSld>
@@ -4291,7 +4377,7 @@
     </p:spTree>
     <p:extLst>
       <p:ext uri="{BB962C8B-B14F-4D97-AF65-F5344CB8AC3E}">
-        <p14:creationId xmlns:p14="http://schemas.microsoft.com/office/powerpoint/2010/main" val="2633152322"/>
+        <p14:creationId xmlns:p14="http://schemas.microsoft.com/office/powerpoint/2010/main" xmlns="" val="2633152322"/>
       </p:ext>
     </p:extLst>
   </p:cSld>
@@ -4613,7 +4699,7 @@
     </p:spTree>
     <p:extLst>
       <p:ext uri="{BB962C8B-B14F-4D97-AF65-F5344CB8AC3E}">
-        <p14:creationId xmlns:p14="http://schemas.microsoft.com/office/powerpoint/2010/main" val="4283600683"/>
+        <p14:creationId xmlns:p14="http://schemas.microsoft.com/office/powerpoint/2010/main" xmlns="" val="4283600683"/>
       </p:ext>
     </p:extLst>
   </p:cSld>
@@ -4915,7 +5001,7 @@
     </p:spTree>
     <p:extLst>
       <p:ext uri="{BB962C8B-B14F-4D97-AF65-F5344CB8AC3E}">
-        <p14:creationId xmlns:p14="http://schemas.microsoft.com/office/powerpoint/2010/main" val="3406240267"/>
+        <p14:creationId xmlns:p14="http://schemas.microsoft.com/office/powerpoint/2010/main" xmlns="" val="3406240267"/>
       </p:ext>
     </p:extLst>
   </p:cSld>
@@ -5209,7 +5295,7 @@
     </p:spTree>
     <p:extLst>
       <p:ext uri="{BB962C8B-B14F-4D97-AF65-F5344CB8AC3E}">
-        <p14:creationId xmlns:p14="http://schemas.microsoft.com/office/powerpoint/2010/main" val="1652920772"/>
+        <p14:creationId xmlns:p14="http://schemas.microsoft.com/office/powerpoint/2010/main" xmlns="" val="1652920772"/>
       </p:ext>
     </p:extLst>
   </p:cSld>
@@ -5539,7 +5625,7 @@
           <a:blip r:embed="rId3" cstate="print">
             <a:extLst>
               <a:ext uri="{28A0092B-C50C-407E-A947-70E740481C1C}">
-                <a14:useLocalDpi xmlns:a14="http://schemas.microsoft.com/office/drawing/2010/main" val="0"/>
+                <a14:useLocalDpi xmlns:a14="http://schemas.microsoft.com/office/drawing/2010/main" xmlns="" val="0"/>
               </a:ext>
             </a:extLst>
           </a:blip>
@@ -5702,7 +5788,7 @@
     </p:spTree>
     <p:extLst>
       <p:ext uri="{BB962C8B-B14F-4D97-AF65-F5344CB8AC3E}">
-        <p14:creationId xmlns:p14="http://schemas.microsoft.com/office/powerpoint/2010/main" val="1875680063"/>
+        <p14:creationId xmlns:p14="http://schemas.microsoft.com/office/powerpoint/2010/main" xmlns="" val="1875680063"/>
       </p:ext>
     </p:extLst>
   </p:cSld>
@@ -5746,14 +5832,19 @@
             <p:ph type="title"/>
           </p:nvPr>
         </p:nvSpPr>
-        <p:spPr/>
+        <p:spPr>
+          <a:xfrm>
+            <a:off x="838200" y="147417"/>
+            <a:ext cx="7783286" cy="1325563"/>
+          </a:xfrm>
+        </p:spPr>
         <p:txBody>
           <a:bodyPr/>
           <a:lstStyle/>
           <a:p>
             <a:r>
               <a:rPr lang="en-US" dirty="0" smtClean="0"/>
-              <a:t>Another Way of Seeing</a:t>
+              <a:t>On Data</a:t>
             </a:r>
             <a:endParaRPr lang="en-US" dirty="0"/>
           </a:p>
@@ -5766,34 +5857,1540 @@
             <a:spLocks noGrp="1"/>
           </p:cNvSpPr>
           <p:nvPr>
-            <p:ph sz="half" idx="1"/>
+            <p:ph idx="1"/>
           </p:nvPr>
         </p:nvSpPr>
-        <p:spPr/>
+        <p:spPr>
+          <a:xfrm>
+            <a:off x="921327" y="1662141"/>
+            <a:ext cx="3816927" cy="501939"/>
+          </a:xfrm>
+        </p:spPr>
         <p:txBody>
           <a:bodyPr/>
           <a:lstStyle/>
           <a:p>
-            <a:endParaRPr lang="en-US"/>
-          </a:p>
-        </p:txBody>
-      </p:sp>
-      <p:sp>
-        <p:nvSpPr>
-          <p:cNvPr id="4" name="Content Placeholder 3"/>
-          <p:cNvSpPr>
-            <a:spLocks noGrp="1"/>
+            <a:pPr>
+              <a:buNone/>
+            </a:pPr>
+            <a:r>
+              <a:rPr lang="en-US" b="1" dirty="0" smtClean="0"/>
+              <a:t>Qualitative - Quantitative</a:t>
+            </a:r>
+            <a:endParaRPr lang="en-US" b="1" dirty="0"/>
+          </a:p>
+        </p:txBody>
+      </p:sp>
+      <p:sp>
+        <p:nvSpPr>
+          <p:cNvPr id="4" name="Content Placeholder 2"/>
+          <p:cNvSpPr txBox="1">
+            <a:spLocks/>
           </p:cNvSpPr>
-          <p:nvPr>
-            <p:ph sz="half" idx="2"/>
-          </p:nvPr>
-        </p:nvSpPr>
-        <p:spPr/>
-        <p:txBody>
-          <a:bodyPr/>
+          <p:nvPr/>
+        </p:nvSpPr>
+        <p:spPr>
+          <a:xfrm>
+            <a:off x="6199909" y="1402671"/>
+            <a:ext cx="5992091" cy="682047"/>
+          </a:xfrm>
+          <a:prstGeom prst="rect">
+            <a:avLst/>
+          </a:prstGeom>
+        </p:spPr>
+        <p:txBody>
+          <a:bodyPr vert="horz" lIns="91440" tIns="45720" rIns="91440" bIns="45720" rtlCol="0">
+            <a:normAutofit/>
+          </a:bodyPr>
           <a:lstStyle/>
           <a:p>
-            <a:endParaRPr lang="en-US"/>
+            <a:pPr marL="228600" marR="0" lvl="0" indent="-228600" algn="l" defTabSz="914400" rtl="0" eaLnBrk="1" fontAlgn="auto" latinLnBrk="0" hangingPunct="1">
+              <a:lnSpc>
+                <a:spcPct val="90000"/>
+              </a:lnSpc>
+              <a:spcBef>
+                <a:spcPts val="1000"/>
+              </a:spcBef>
+              <a:spcAft>
+                <a:spcPts val="0"/>
+              </a:spcAft>
+              <a:buClrTx/>
+              <a:buSzTx/>
+              <a:buFont typeface="Arial" panose="020B0604020202020204" pitchFamily="34" charset="0"/>
+              <a:buNone/>
+              <a:tabLst/>
+              <a:defRPr/>
+            </a:pPr>
+            <a:r>
+              <a:rPr lang="en-US" sz="2400" b="1" dirty="0" smtClean="0"/>
+              <a:t>Structured, Semi-structured, Unstructured</a:t>
+            </a:r>
+            <a:endParaRPr kumimoji="0" lang="en-US" sz="2400" b="1" i="0" u="none" strike="noStrike" kern="1200" cap="none" spc="0" normalizeH="0" baseline="0" noProof="0" dirty="0">
+              <a:ln>
+                <a:noFill/>
+              </a:ln>
+              <a:solidFill>
+                <a:schemeClr val="tx1"/>
+              </a:solidFill>
+              <a:effectLst/>
+              <a:uLnTx/>
+              <a:uFillTx/>
+              <a:latin typeface="+mn-lt"/>
+              <a:ea typeface="+mn-ea"/>
+              <a:cs typeface="+mn-cs"/>
+            </a:endParaRPr>
+          </a:p>
+        </p:txBody>
+      </p:sp>
+      <p:sp>
+        <p:nvSpPr>
+          <p:cNvPr id="5" name="Content Placeholder 2"/>
+          <p:cNvSpPr txBox="1">
+            <a:spLocks/>
+          </p:cNvSpPr>
+          <p:nvPr/>
+        </p:nvSpPr>
+        <p:spPr>
+          <a:xfrm>
+            <a:off x="2798619" y="2059968"/>
+            <a:ext cx="3816927" cy="993773"/>
+          </a:xfrm>
+          <a:prstGeom prst="rect">
+            <a:avLst/>
+          </a:prstGeom>
+        </p:spPr>
+        <p:txBody>
+          <a:bodyPr vert="horz" lIns="91440" tIns="45720" rIns="91440" bIns="45720" rtlCol="0">
+            <a:normAutofit/>
+          </a:bodyPr>
+          <a:lstStyle/>
+          <a:p>
+            <a:pPr marL="228600" marR="0" lvl="0" indent="-228600" algn="l" defTabSz="914400" rtl="0" eaLnBrk="1" fontAlgn="auto" latinLnBrk="0" hangingPunct="1">
+              <a:lnSpc>
+                <a:spcPct val="90000"/>
+              </a:lnSpc>
+              <a:spcBef>
+                <a:spcPts val="1000"/>
+              </a:spcBef>
+              <a:spcAft>
+                <a:spcPts val="0"/>
+              </a:spcAft>
+              <a:buClrTx/>
+              <a:buSzTx/>
+              <a:buFont typeface="Arial" panose="020B0604020202020204" pitchFamily="34" charset="0"/>
+              <a:buNone/>
+              <a:tabLst/>
+              <a:defRPr/>
+            </a:pPr>
+            <a:r>
+              <a:rPr kumimoji="0" lang="en-US" sz="2000" b="0" i="0" u="none" strike="noStrike" kern="1200" cap="none" spc="0" normalizeH="0" baseline="0" noProof="0" dirty="0" smtClean="0">
+                <a:ln>
+                  <a:noFill/>
+                </a:ln>
+                <a:solidFill>
+                  <a:schemeClr val="tx1"/>
+                </a:solidFill>
+                <a:effectLst/>
+                <a:uLnTx/>
+                <a:uFillTx/>
+                <a:latin typeface="+mn-lt"/>
+                <a:ea typeface="+mn-ea"/>
+                <a:cs typeface="+mn-cs"/>
+              </a:rPr>
+              <a:t>Nominal,</a:t>
+            </a:r>
+            <a:r>
+              <a:rPr kumimoji="0" lang="en-US" sz="2000" b="0" i="0" u="none" strike="noStrike" kern="1200" cap="none" spc="0" normalizeH="0" noProof="0" dirty="0" smtClean="0">
+                <a:ln>
+                  <a:noFill/>
+                </a:ln>
+                <a:solidFill>
+                  <a:schemeClr val="tx1"/>
+                </a:solidFill>
+                <a:effectLst/>
+                <a:uLnTx/>
+                <a:uFillTx/>
+                <a:latin typeface="+mn-lt"/>
+                <a:ea typeface="+mn-ea"/>
+                <a:cs typeface="+mn-cs"/>
+              </a:rPr>
+              <a:t> Ordinal</a:t>
+            </a:r>
+          </a:p>
+          <a:p>
+            <a:pPr marL="228600" marR="0" lvl="0" indent="-228600" algn="l" defTabSz="914400" rtl="0" eaLnBrk="1" fontAlgn="auto" latinLnBrk="0" hangingPunct="1">
+              <a:lnSpc>
+                <a:spcPct val="90000"/>
+              </a:lnSpc>
+              <a:spcBef>
+                <a:spcPts val="1000"/>
+              </a:spcBef>
+              <a:spcAft>
+                <a:spcPts val="0"/>
+              </a:spcAft>
+              <a:buClrTx/>
+              <a:buSzTx/>
+              <a:buFont typeface="Arial" panose="020B0604020202020204" pitchFamily="34" charset="0"/>
+              <a:buNone/>
+              <a:tabLst/>
+              <a:defRPr/>
+            </a:pPr>
+            <a:r>
+              <a:rPr kumimoji="0" lang="en-US" sz="2000" b="0" i="0" u="none" strike="noStrike" kern="1200" cap="none" spc="0" normalizeH="0" noProof="0" dirty="0" smtClean="0">
+                <a:ln>
+                  <a:noFill/>
+                </a:ln>
+                <a:solidFill>
+                  <a:schemeClr val="tx1"/>
+                </a:solidFill>
+                <a:effectLst/>
+                <a:uLnTx/>
+                <a:uFillTx/>
+                <a:latin typeface="+mn-lt"/>
+                <a:ea typeface="+mn-ea"/>
+                <a:cs typeface="+mn-cs"/>
+              </a:rPr>
+              <a:t>Interval, Ratio</a:t>
+            </a:r>
+            <a:endParaRPr kumimoji="0" lang="en-US" sz="2000" b="0" i="0" u="none" strike="noStrike" kern="1200" cap="none" spc="0" normalizeH="0" baseline="0" noProof="0" dirty="0">
+              <a:ln>
+                <a:noFill/>
+              </a:ln>
+              <a:solidFill>
+                <a:schemeClr val="tx1"/>
+              </a:solidFill>
+              <a:effectLst/>
+              <a:uLnTx/>
+              <a:uFillTx/>
+              <a:latin typeface="+mn-lt"/>
+              <a:ea typeface="+mn-ea"/>
+              <a:cs typeface="+mn-cs"/>
+            </a:endParaRPr>
+          </a:p>
+        </p:txBody>
+      </p:sp>
+      <p:sp>
+        <p:nvSpPr>
+          <p:cNvPr id="7" name="Content Placeholder 2"/>
+          <p:cNvSpPr txBox="1">
+            <a:spLocks/>
+          </p:cNvSpPr>
+          <p:nvPr/>
+        </p:nvSpPr>
+        <p:spPr>
+          <a:xfrm>
+            <a:off x="498765" y="886288"/>
+            <a:ext cx="2618508" cy="924501"/>
+          </a:xfrm>
+          <a:prstGeom prst="rect">
+            <a:avLst/>
+          </a:prstGeom>
+        </p:spPr>
+        <p:txBody>
+          <a:bodyPr vert="horz" lIns="91440" tIns="45720" rIns="91440" bIns="45720" rtlCol="0">
+            <a:normAutofit/>
+          </a:bodyPr>
+          <a:lstStyle/>
+          <a:p>
+            <a:pPr marL="228600" marR="0" lvl="0" indent="-228600" algn="l" defTabSz="914400" rtl="0" eaLnBrk="1" fontAlgn="auto" latinLnBrk="0" hangingPunct="1">
+              <a:lnSpc>
+                <a:spcPct val="90000"/>
+              </a:lnSpc>
+              <a:spcBef>
+                <a:spcPts val="1000"/>
+              </a:spcBef>
+              <a:spcAft>
+                <a:spcPts val="0"/>
+              </a:spcAft>
+              <a:buClrTx/>
+              <a:buSzTx/>
+              <a:buFont typeface="Arial" panose="020B0604020202020204" pitchFamily="34" charset="0"/>
+              <a:buNone/>
+              <a:tabLst/>
+              <a:defRPr/>
+            </a:pPr>
+            <a:r>
+              <a:rPr kumimoji="0" lang="en-US" sz="2000" b="0" i="0" u="none" strike="noStrike" kern="1200" cap="none" spc="0" normalizeH="0" baseline="0" noProof="0" dirty="0" smtClean="0">
+                <a:ln>
+                  <a:noFill/>
+                </a:ln>
+                <a:solidFill>
+                  <a:schemeClr val="tx1"/>
+                </a:solidFill>
+                <a:effectLst/>
+                <a:uLnTx/>
+                <a:uFillTx/>
+                <a:latin typeface="+mn-lt"/>
+                <a:ea typeface="+mn-ea"/>
+                <a:cs typeface="+mn-cs"/>
+              </a:rPr>
+              <a:t>Non-numeric</a:t>
+            </a:r>
+          </a:p>
+          <a:p>
+            <a:pPr marL="228600" marR="0" lvl="0" indent="-228600" algn="l" defTabSz="914400" rtl="0" eaLnBrk="1" fontAlgn="auto" latinLnBrk="0" hangingPunct="1">
+              <a:lnSpc>
+                <a:spcPct val="90000"/>
+              </a:lnSpc>
+              <a:spcBef>
+                <a:spcPts val="1000"/>
+              </a:spcBef>
+              <a:spcAft>
+                <a:spcPts val="0"/>
+              </a:spcAft>
+              <a:buClrTx/>
+              <a:buSzTx/>
+              <a:buFont typeface="Arial" panose="020B0604020202020204" pitchFamily="34" charset="0"/>
+              <a:buNone/>
+              <a:tabLst/>
+              <a:defRPr/>
+            </a:pPr>
+            <a:r>
+              <a:rPr lang="en-US" sz="2000" dirty="0" smtClean="0"/>
+              <a:t>T</a:t>
+            </a:r>
+            <a:r>
+              <a:rPr kumimoji="0" lang="en-US" sz="2000" b="0" i="0" u="none" strike="noStrike" kern="1200" cap="none" spc="0" normalizeH="0" baseline="0" noProof="0" dirty="0" smtClean="0">
+                <a:ln>
+                  <a:noFill/>
+                </a:ln>
+                <a:solidFill>
+                  <a:schemeClr val="tx1"/>
+                </a:solidFill>
+                <a:effectLst/>
+                <a:uLnTx/>
+                <a:uFillTx/>
+                <a:latin typeface="+mn-lt"/>
+                <a:ea typeface="+mn-ea"/>
+                <a:cs typeface="+mn-cs"/>
+              </a:rPr>
+              <a:t>ext, Image, Sound</a:t>
+            </a:r>
+            <a:endParaRPr kumimoji="0" lang="en-US" sz="2000" b="0" i="0" u="none" strike="noStrike" kern="1200" cap="none" spc="0" normalizeH="0" baseline="0" noProof="0" dirty="0">
+              <a:ln>
+                <a:noFill/>
+              </a:ln>
+              <a:solidFill>
+                <a:schemeClr val="tx1"/>
+              </a:solidFill>
+              <a:effectLst/>
+              <a:uLnTx/>
+              <a:uFillTx/>
+              <a:latin typeface="+mn-lt"/>
+              <a:ea typeface="+mn-ea"/>
+              <a:cs typeface="+mn-cs"/>
+            </a:endParaRPr>
+          </a:p>
+        </p:txBody>
+      </p:sp>
+      <p:sp>
+        <p:nvSpPr>
+          <p:cNvPr id="8" name="Content Placeholder 2"/>
+          <p:cNvSpPr txBox="1">
+            <a:spLocks/>
+          </p:cNvSpPr>
+          <p:nvPr/>
+        </p:nvSpPr>
+        <p:spPr>
+          <a:xfrm>
+            <a:off x="5569529" y="1836319"/>
+            <a:ext cx="3906981" cy="1360919"/>
+          </a:xfrm>
+          <a:prstGeom prst="rect">
+            <a:avLst/>
+          </a:prstGeom>
+        </p:spPr>
+        <p:txBody>
+          <a:bodyPr vert="horz" lIns="91440" tIns="45720" rIns="91440" bIns="45720" rtlCol="0">
+            <a:normAutofit/>
+          </a:bodyPr>
+          <a:lstStyle/>
+          <a:p>
+            <a:pPr marL="228600" marR="0" lvl="0" indent="-228600" algn="l" defTabSz="914400" rtl="0" eaLnBrk="1" fontAlgn="auto" latinLnBrk="0" hangingPunct="1">
+              <a:lnSpc>
+                <a:spcPct val="90000"/>
+              </a:lnSpc>
+              <a:spcBef>
+                <a:spcPts val="1000"/>
+              </a:spcBef>
+              <a:spcAft>
+                <a:spcPts val="0"/>
+              </a:spcAft>
+              <a:buClrTx/>
+              <a:buSzTx/>
+              <a:buFont typeface="Arial" panose="020B0604020202020204" pitchFamily="34" charset="0"/>
+              <a:buNone/>
+              <a:tabLst/>
+              <a:defRPr/>
+            </a:pPr>
+            <a:r>
+              <a:rPr kumimoji="0" lang="en-US" sz="2000" b="0" i="0" u="none" strike="noStrike" kern="1200" cap="none" spc="0" normalizeH="0" baseline="0" noProof="0" dirty="0" smtClean="0">
+                <a:ln>
+                  <a:noFill/>
+                </a:ln>
+                <a:solidFill>
+                  <a:schemeClr val="tx1"/>
+                </a:solidFill>
+                <a:effectLst/>
+                <a:uLnTx/>
+                <a:uFillTx/>
+                <a:latin typeface="+mn-lt"/>
+                <a:ea typeface="+mn-ea"/>
+                <a:cs typeface="+mn-cs"/>
+              </a:rPr>
+              <a:t>Data model, Schema,</a:t>
+            </a:r>
+          </a:p>
+          <a:p>
+            <a:pPr marL="228600" marR="0" lvl="0" indent="-228600" algn="l" defTabSz="914400" rtl="0" eaLnBrk="1" fontAlgn="auto" latinLnBrk="0" hangingPunct="1">
+              <a:lnSpc>
+                <a:spcPct val="90000"/>
+              </a:lnSpc>
+              <a:spcBef>
+                <a:spcPts val="1000"/>
+              </a:spcBef>
+              <a:spcAft>
+                <a:spcPts val="0"/>
+              </a:spcAft>
+              <a:buClrTx/>
+              <a:buSzTx/>
+              <a:buFont typeface="Arial" panose="020B0604020202020204" pitchFamily="34" charset="0"/>
+              <a:buNone/>
+              <a:tabLst/>
+              <a:defRPr/>
+            </a:pPr>
+            <a:r>
+              <a:rPr kumimoji="0" lang="en-US" sz="2000" b="0" i="0" u="none" strike="noStrike" kern="1200" cap="none" spc="0" normalizeH="0" baseline="0" noProof="0" dirty="0" smtClean="0">
+                <a:ln>
+                  <a:noFill/>
+                </a:ln>
+                <a:solidFill>
+                  <a:schemeClr val="tx1"/>
+                </a:solidFill>
+                <a:effectLst/>
+                <a:uLnTx/>
+                <a:uFillTx/>
+                <a:latin typeface="+mn-lt"/>
+                <a:ea typeface="+mn-ea"/>
+                <a:cs typeface="+mn-cs"/>
+              </a:rPr>
+              <a:t>Relational Database</a:t>
+            </a:r>
+            <a:endParaRPr kumimoji="0" lang="en-US" sz="2000" b="0" i="0" u="none" strike="noStrike" kern="1200" cap="none" spc="0" normalizeH="0" baseline="0" noProof="0" dirty="0">
+              <a:ln>
+                <a:noFill/>
+              </a:ln>
+              <a:solidFill>
+                <a:schemeClr val="tx1"/>
+              </a:solidFill>
+              <a:effectLst/>
+              <a:uLnTx/>
+              <a:uFillTx/>
+              <a:latin typeface="+mn-lt"/>
+              <a:ea typeface="+mn-ea"/>
+              <a:cs typeface="+mn-cs"/>
+            </a:endParaRPr>
+          </a:p>
+        </p:txBody>
+      </p:sp>
+      <p:sp>
+        <p:nvSpPr>
+          <p:cNvPr id="9" name="Content Placeholder 2"/>
+          <p:cNvSpPr txBox="1">
+            <a:spLocks/>
+          </p:cNvSpPr>
+          <p:nvPr/>
+        </p:nvSpPr>
+        <p:spPr>
+          <a:xfrm>
+            <a:off x="7966366" y="599305"/>
+            <a:ext cx="3906981" cy="1360919"/>
+          </a:xfrm>
+          <a:prstGeom prst="rect">
+            <a:avLst/>
+          </a:prstGeom>
+        </p:spPr>
+        <p:txBody>
+          <a:bodyPr vert="horz" lIns="91440" tIns="45720" rIns="91440" bIns="45720" rtlCol="0">
+            <a:normAutofit/>
+          </a:bodyPr>
+          <a:lstStyle/>
+          <a:p>
+            <a:pPr marL="228600" marR="0" lvl="0" indent="-228600" algn="l" defTabSz="914400" rtl="0" eaLnBrk="1" fontAlgn="auto" latinLnBrk="0" hangingPunct="1">
+              <a:lnSpc>
+                <a:spcPct val="90000"/>
+              </a:lnSpc>
+              <a:spcBef>
+                <a:spcPts val="1000"/>
+              </a:spcBef>
+              <a:spcAft>
+                <a:spcPts val="0"/>
+              </a:spcAft>
+              <a:buClrTx/>
+              <a:buSzTx/>
+              <a:buFont typeface="Arial" panose="020B0604020202020204" pitchFamily="34" charset="0"/>
+              <a:buNone/>
+              <a:tabLst/>
+              <a:defRPr/>
+            </a:pPr>
+            <a:r>
+              <a:rPr kumimoji="0" lang="en-US" sz="2000" b="0" i="0" u="none" strike="noStrike" kern="1200" cap="none" spc="0" normalizeH="0" baseline="0" noProof="0" dirty="0" smtClean="0">
+                <a:ln>
+                  <a:noFill/>
+                </a:ln>
+                <a:solidFill>
+                  <a:schemeClr val="tx1"/>
+                </a:solidFill>
+                <a:effectLst/>
+                <a:uLnTx/>
+                <a:uFillTx/>
+                <a:latin typeface="+mn-lt"/>
+                <a:ea typeface="+mn-ea"/>
+                <a:cs typeface="+mn-cs"/>
+              </a:rPr>
+              <a:t>Irregular, Flexible</a:t>
+            </a:r>
+          </a:p>
+          <a:p>
+            <a:pPr marL="228600" marR="0" lvl="0" indent="-228600" algn="l" defTabSz="914400" rtl="0" eaLnBrk="1" fontAlgn="auto" latinLnBrk="0" hangingPunct="1">
+              <a:lnSpc>
+                <a:spcPct val="90000"/>
+              </a:lnSpc>
+              <a:spcBef>
+                <a:spcPts val="1000"/>
+              </a:spcBef>
+              <a:spcAft>
+                <a:spcPts val="0"/>
+              </a:spcAft>
+              <a:buClrTx/>
+              <a:buSzTx/>
+              <a:buFont typeface="Arial" panose="020B0604020202020204" pitchFamily="34" charset="0"/>
+              <a:buNone/>
+              <a:tabLst/>
+              <a:defRPr/>
+            </a:pPr>
+            <a:r>
+              <a:rPr lang="en-US" sz="2000" dirty="0" smtClean="0"/>
+              <a:t>Nested, Trees, Tagged</a:t>
+            </a:r>
+            <a:endParaRPr kumimoji="0" lang="en-US" sz="2000" b="0" i="0" u="none" strike="noStrike" kern="1200" cap="none" spc="0" normalizeH="0" baseline="0" noProof="0" dirty="0">
+              <a:ln>
+                <a:noFill/>
+              </a:ln>
+              <a:solidFill>
+                <a:schemeClr val="tx1"/>
+              </a:solidFill>
+              <a:effectLst/>
+              <a:uLnTx/>
+              <a:uFillTx/>
+              <a:latin typeface="+mn-lt"/>
+              <a:ea typeface="+mn-ea"/>
+              <a:cs typeface="+mn-cs"/>
+            </a:endParaRPr>
+          </a:p>
+        </p:txBody>
+      </p:sp>
+      <p:sp>
+        <p:nvSpPr>
+          <p:cNvPr id="11" name="Content Placeholder 2"/>
+          <p:cNvSpPr txBox="1">
+            <a:spLocks/>
+          </p:cNvSpPr>
+          <p:nvPr/>
+        </p:nvSpPr>
+        <p:spPr>
+          <a:xfrm>
+            <a:off x="1053950" y="4689359"/>
+            <a:ext cx="5417128" cy="633557"/>
+          </a:xfrm>
+          <a:prstGeom prst="rect">
+            <a:avLst/>
+          </a:prstGeom>
+        </p:spPr>
+        <p:txBody>
+          <a:bodyPr vert="horz" lIns="91440" tIns="45720" rIns="91440" bIns="45720" rtlCol="0">
+            <a:normAutofit/>
+          </a:bodyPr>
+          <a:lstStyle/>
+          <a:p>
+            <a:pPr marL="228600" marR="0" lvl="0" indent="-228600" algn="l" defTabSz="914400" rtl="0" eaLnBrk="1" fontAlgn="auto" latinLnBrk="0" hangingPunct="1">
+              <a:lnSpc>
+                <a:spcPct val="90000"/>
+              </a:lnSpc>
+              <a:spcBef>
+                <a:spcPts val="1000"/>
+              </a:spcBef>
+              <a:spcAft>
+                <a:spcPts val="0"/>
+              </a:spcAft>
+              <a:buClrTx/>
+              <a:buSzTx/>
+              <a:buFont typeface="Arial" panose="020B0604020202020204" pitchFamily="34" charset="0"/>
+              <a:buNone/>
+              <a:tabLst/>
+              <a:defRPr/>
+            </a:pPr>
+            <a:r>
+              <a:rPr lang="en-US" sz="2400" b="1" dirty="0" smtClean="0"/>
+              <a:t>Captured, Exhaust, Transient, Derived</a:t>
+            </a:r>
+            <a:endParaRPr kumimoji="0" lang="en-US" sz="2400" b="1" i="0" u="none" strike="noStrike" kern="1200" cap="none" spc="0" normalizeH="0" baseline="0" noProof="0" dirty="0">
+              <a:ln>
+                <a:noFill/>
+              </a:ln>
+              <a:solidFill>
+                <a:schemeClr val="tx1"/>
+              </a:solidFill>
+              <a:effectLst/>
+              <a:uLnTx/>
+              <a:uFillTx/>
+              <a:latin typeface="+mn-lt"/>
+              <a:ea typeface="+mn-ea"/>
+              <a:cs typeface="+mn-cs"/>
+            </a:endParaRPr>
+          </a:p>
+        </p:txBody>
+      </p:sp>
+      <p:sp>
+        <p:nvSpPr>
+          <p:cNvPr id="12" name="Content Placeholder 2"/>
+          <p:cNvSpPr txBox="1">
+            <a:spLocks/>
+          </p:cNvSpPr>
+          <p:nvPr/>
+        </p:nvSpPr>
+        <p:spPr>
+          <a:xfrm>
+            <a:off x="492841" y="3538443"/>
+            <a:ext cx="3906981" cy="1360919"/>
+          </a:xfrm>
+          <a:prstGeom prst="rect">
+            <a:avLst/>
+          </a:prstGeom>
+        </p:spPr>
+        <p:txBody>
+          <a:bodyPr vert="horz" lIns="91440" tIns="45720" rIns="91440" bIns="45720" rtlCol="0">
+            <a:normAutofit/>
+          </a:bodyPr>
+          <a:lstStyle/>
+          <a:p>
+            <a:pPr marL="228600" marR="0" lvl="0" indent="-228600" algn="l" defTabSz="914400" rtl="0" eaLnBrk="1" fontAlgn="auto" latinLnBrk="0" hangingPunct="1">
+              <a:lnSpc>
+                <a:spcPct val="90000"/>
+              </a:lnSpc>
+              <a:spcBef>
+                <a:spcPts val="1000"/>
+              </a:spcBef>
+              <a:spcAft>
+                <a:spcPts val="0"/>
+              </a:spcAft>
+              <a:buClrTx/>
+              <a:buSzTx/>
+              <a:buFont typeface="Arial" panose="020B0604020202020204" pitchFamily="34" charset="0"/>
+              <a:buNone/>
+              <a:tabLst/>
+              <a:defRPr/>
+            </a:pPr>
+            <a:r>
+              <a:rPr kumimoji="0" lang="en-US" sz="2000" b="0" i="0" u="none" strike="noStrike" kern="1200" cap="none" spc="0" normalizeH="0" baseline="0" noProof="0" dirty="0" smtClean="0">
+                <a:ln>
+                  <a:noFill/>
+                </a:ln>
+                <a:solidFill>
+                  <a:schemeClr val="tx1"/>
+                </a:solidFill>
+                <a:effectLst/>
+                <a:uLnTx/>
+                <a:uFillTx/>
+                <a:latin typeface="+mn-lt"/>
+                <a:ea typeface="+mn-ea"/>
+                <a:cs typeface="+mn-cs"/>
+              </a:rPr>
+              <a:t>Observed </a:t>
+            </a:r>
+          </a:p>
+          <a:p>
+            <a:pPr marL="228600" marR="0" lvl="0" indent="-228600" algn="l" defTabSz="914400" rtl="0" eaLnBrk="1" fontAlgn="auto" latinLnBrk="0" hangingPunct="1">
+              <a:lnSpc>
+                <a:spcPct val="90000"/>
+              </a:lnSpc>
+              <a:spcBef>
+                <a:spcPts val="1000"/>
+              </a:spcBef>
+              <a:spcAft>
+                <a:spcPts val="0"/>
+              </a:spcAft>
+              <a:buClrTx/>
+              <a:buSzTx/>
+              <a:buFont typeface="Arial" panose="020B0604020202020204" pitchFamily="34" charset="0"/>
+              <a:buNone/>
+              <a:tabLst/>
+              <a:defRPr/>
+            </a:pPr>
+            <a:r>
+              <a:rPr kumimoji="0" lang="en-US" sz="2000" b="0" i="0" u="none" strike="noStrike" kern="1200" cap="none" spc="0" normalizeH="0" baseline="0" noProof="0" dirty="0" smtClean="0">
+                <a:ln>
+                  <a:noFill/>
+                </a:ln>
+                <a:solidFill>
+                  <a:schemeClr val="tx1"/>
+                </a:solidFill>
+                <a:effectLst/>
+                <a:uLnTx/>
+                <a:uFillTx/>
+                <a:latin typeface="+mn-lt"/>
+                <a:ea typeface="+mn-ea"/>
+                <a:cs typeface="+mn-cs"/>
+              </a:rPr>
+              <a:t>Experimental</a:t>
+            </a:r>
+          </a:p>
+          <a:p>
+            <a:pPr marL="228600" marR="0" lvl="0" indent="-228600" algn="l" defTabSz="914400" rtl="0" eaLnBrk="1" fontAlgn="auto" latinLnBrk="0" hangingPunct="1">
+              <a:lnSpc>
+                <a:spcPct val="90000"/>
+              </a:lnSpc>
+              <a:spcBef>
+                <a:spcPts val="1000"/>
+              </a:spcBef>
+              <a:spcAft>
+                <a:spcPts val="0"/>
+              </a:spcAft>
+              <a:buClrTx/>
+              <a:buSzTx/>
+              <a:buFont typeface="Arial" panose="020B0604020202020204" pitchFamily="34" charset="0"/>
+              <a:buNone/>
+              <a:tabLst/>
+              <a:defRPr/>
+            </a:pPr>
+            <a:r>
+              <a:rPr lang="en-US" sz="2000" dirty="0" smtClean="0"/>
+              <a:t>Modeled</a:t>
+            </a:r>
+            <a:endParaRPr kumimoji="0" lang="en-US" sz="2000" b="0" i="0" u="none" strike="noStrike" kern="1200" cap="none" spc="0" normalizeH="0" baseline="0" noProof="0" dirty="0">
+              <a:ln>
+                <a:noFill/>
+              </a:ln>
+              <a:solidFill>
+                <a:schemeClr val="tx1"/>
+              </a:solidFill>
+              <a:effectLst/>
+              <a:uLnTx/>
+              <a:uFillTx/>
+              <a:latin typeface="+mn-lt"/>
+              <a:ea typeface="+mn-ea"/>
+              <a:cs typeface="+mn-cs"/>
+            </a:endParaRPr>
+          </a:p>
+        </p:txBody>
+      </p:sp>
+      <p:sp>
+        <p:nvSpPr>
+          <p:cNvPr id="13" name="Content Placeholder 2"/>
+          <p:cNvSpPr txBox="1">
+            <a:spLocks/>
+          </p:cNvSpPr>
+          <p:nvPr/>
+        </p:nvSpPr>
+        <p:spPr>
+          <a:xfrm>
+            <a:off x="2266223" y="5104997"/>
+            <a:ext cx="3906981" cy="1360919"/>
+          </a:xfrm>
+          <a:prstGeom prst="rect">
+            <a:avLst/>
+          </a:prstGeom>
+        </p:spPr>
+        <p:txBody>
+          <a:bodyPr vert="horz" lIns="91440" tIns="45720" rIns="91440" bIns="45720" rtlCol="0">
+            <a:normAutofit/>
+          </a:bodyPr>
+          <a:lstStyle/>
+          <a:p>
+            <a:pPr marL="228600" marR="0" lvl="0" indent="-228600" algn="l" defTabSz="914400" rtl="0" eaLnBrk="1" fontAlgn="auto" latinLnBrk="0" hangingPunct="1">
+              <a:lnSpc>
+                <a:spcPct val="90000"/>
+              </a:lnSpc>
+              <a:spcBef>
+                <a:spcPts val="1000"/>
+              </a:spcBef>
+              <a:spcAft>
+                <a:spcPts val="0"/>
+              </a:spcAft>
+              <a:buClrTx/>
+              <a:buSzTx/>
+              <a:buFont typeface="Arial" panose="020B0604020202020204" pitchFamily="34" charset="0"/>
+              <a:buNone/>
+              <a:tabLst/>
+              <a:defRPr/>
+            </a:pPr>
+            <a:r>
+              <a:rPr kumimoji="0" lang="en-US" sz="2000" b="0" i="0" u="none" strike="noStrike" kern="1200" cap="none" spc="0" normalizeH="0" baseline="0" noProof="0" dirty="0" smtClean="0">
+                <a:ln>
+                  <a:noFill/>
+                </a:ln>
+                <a:solidFill>
+                  <a:schemeClr val="tx1"/>
+                </a:solidFill>
+                <a:effectLst/>
+                <a:uLnTx/>
+                <a:uFillTx/>
+                <a:latin typeface="+mn-lt"/>
+                <a:ea typeface="+mn-ea"/>
+                <a:cs typeface="+mn-cs"/>
+              </a:rPr>
+              <a:t>Modeled, </a:t>
+            </a:r>
+          </a:p>
+          <a:p>
+            <a:pPr marL="228600" marR="0" lvl="0" indent="-228600" algn="l" defTabSz="914400" rtl="0" eaLnBrk="1" fontAlgn="auto" latinLnBrk="0" hangingPunct="1">
+              <a:lnSpc>
+                <a:spcPct val="90000"/>
+              </a:lnSpc>
+              <a:spcBef>
+                <a:spcPts val="1000"/>
+              </a:spcBef>
+              <a:spcAft>
+                <a:spcPts val="0"/>
+              </a:spcAft>
+              <a:buClrTx/>
+              <a:buSzTx/>
+              <a:buFont typeface="Arial" panose="020B0604020202020204" pitchFamily="34" charset="0"/>
+              <a:buNone/>
+              <a:tabLst/>
+              <a:defRPr/>
+            </a:pPr>
+            <a:r>
+              <a:rPr lang="en-US" sz="2000" dirty="0" smtClean="0"/>
+              <a:t>Technical Metadata</a:t>
+            </a:r>
+            <a:endParaRPr kumimoji="0" lang="en-US" sz="2000" b="0" i="0" u="none" strike="noStrike" kern="1200" cap="none" spc="0" normalizeH="0" baseline="0" noProof="0" dirty="0">
+              <a:ln>
+                <a:noFill/>
+              </a:ln>
+              <a:solidFill>
+                <a:schemeClr val="tx1"/>
+              </a:solidFill>
+              <a:effectLst/>
+              <a:uLnTx/>
+              <a:uFillTx/>
+              <a:latin typeface="+mn-lt"/>
+              <a:ea typeface="+mn-ea"/>
+              <a:cs typeface="+mn-cs"/>
+            </a:endParaRPr>
+          </a:p>
+        </p:txBody>
+      </p:sp>
+      <p:sp>
+        <p:nvSpPr>
+          <p:cNvPr id="14" name="Rectangle 13"/>
+          <p:cNvSpPr/>
+          <p:nvPr/>
+        </p:nvSpPr>
+        <p:spPr>
+          <a:xfrm>
+            <a:off x="3160781" y="4286196"/>
+            <a:ext cx="1762214" cy="400110"/>
+          </a:xfrm>
+          <a:prstGeom prst="rect">
+            <a:avLst/>
+          </a:prstGeom>
+        </p:spPr>
+        <p:txBody>
+          <a:bodyPr wrap="none">
+            <a:spAutoFit/>
+          </a:bodyPr>
+          <a:lstStyle/>
+          <a:p>
+            <a:r>
+              <a:rPr lang="en-US" sz="2000" dirty="0" smtClean="0"/>
+              <a:t>Non-Observed</a:t>
+            </a:r>
+            <a:endParaRPr lang="en-US" sz="2000" dirty="0"/>
+          </a:p>
+        </p:txBody>
+      </p:sp>
+      <p:sp>
+        <p:nvSpPr>
+          <p:cNvPr id="15" name="Content Placeholder 2"/>
+          <p:cNvSpPr txBox="1">
+            <a:spLocks/>
+          </p:cNvSpPr>
+          <p:nvPr/>
+        </p:nvSpPr>
+        <p:spPr>
+          <a:xfrm>
+            <a:off x="5078695" y="5065416"/>
+            <a:ext cx="3906981" cy="1360919"/>
+          </a:xfrm>
+          <a:prstGeom prst="rect">
+            <a:avLst/>
+          </a:prstGeom>
+        </p:spPr>
+        <p:txBody>
+          <a:bodyPr vert="horz" lIns="91440" tIns="45720" rIns="91440" bIns="45720" rtlCol="0">
+            <a:normAutofit/>
+          </a:bodyPr>
+          <a:lstStyle/>
+          <a:p>
+            <a:pPr marL="228600" marR="0" lvl="0" indent="-228600" algn="l" defTabSz="914400" rtl="0" eaLnBrk="1" fontAlgn="auto" latinLnBrk="0" hangingPunct="1">
+              <a:lnSpc>
+                <a:spcPct val="90000"/>
+              </a:lnSpc>
+              <a:spcBef>
+                <a:spcPts val="1000"/>
+              </a:spcBef>
+              <a:spcAft>
+                <a:spcPts val="0"/>
+              </a:spcAft>
+              <a:buClrTx/>
+              <a:buSzTx/>
+              <a:buFont typeface="Arial" panose="020B0604020202020204" pitchFamily="34" charset="0"/>
+              <a:buNone/>
+              <a:tabLst/>
+              <a:defRPr/>
+            </a:pPr>
+            <a:r>
+              <a:rPr kumimoji="0" lang="en-US" sz="2000" b="0" i="0" u="none" strike="noStrike" kern="1200" cap="none" spc="0" normalizeH="0" baseline="0" noProof="0" dirty="0" smtClean="0">
+                <a:ln>
+                  <a:noFill/>
+                </a:ln>
+                <a:solidFill>
+                  <a:schemeClr val="tx1"/>
+                </a:solidFill>
+                <a:effectLst/>
+                <a:uLnTx/>
+                <a:uFillTx/>
+                <a:latin typeface="+mn-lt"/>
+                <a:ea typeface="+mn-ea"/>
+                <a:cs typeface="+mn-cs"/>
+              </a:rPr>
+              <a:t>Not “Raw”</a:t>
+            </a:r>
+          </a:p>
+          <a:p>
+            <a:pPr marL="228600" marR="0" lvl="0" indent="-228600" algn="l" defTabSz="914400" rtl="0" eaLnBrk="1" fontAlgn="auto" latinLnBrk="0" hangingPunct="1">
+              <a:lnSpc>
+                <a:spcPct val="90000"/>
+              </a:lnSpc>
+              <a:spcBef>
+                <a:spcPts val="1000"/>
+              </a:spcBef>
+              <a:spcAft>
+                <a:spcPts val="0"/>
+              </a:spcAft>
+              <a:buClrTx/>
+              <a:buSzTx/>
+              <a:buFont typeface="Arial" panose="020B0604020202020204" pitchFamily="34" charset="0"/>
+              <a:buNone/>
+              <a:tabLst/>
+              <a:defRPr/>
+            </a:pPr>
+            <a:r>
+              <a:rPr lang="en-US" sz="2000" dirty="0" smtClean="0"/>
+              <a:t>Levels (more on this in a moment)</a:t>
+            </a:r>
+            <a:endParaRPr kumimoji="0" lang="en-US" sz="2000" b="0" i="0" u="none" strike="noStrike" kern="1200" cap="none" spc="0" normalizeH="0" baseline="0" noProof="0" dirty="0">
+              <a:ln>
+                <a:noFill/>
+              </a:ln>
+              <a:solidFill>
+                <a:schemeClr val="tx1"/>
+              </a:solidFill>
+              <a:effectLst/>
+              <a:uLnTx/>
+              <a:uFillTx/>
+              <a:latin typeface="+mn-lt"/>
+              <a:ea typeface="+mn-ea"/>
+              <a:cs typeface="+mn-cs"/>
+            </a:endParaRPr>
+          </a:p>
+        </p:txBody>
+      </p:sp>
+      <p:sp>
+        <p:nvSpPr>
+          <p:cNvPr id="16" name="Content Placeholder 2"/>
+          <p:cNvSpPr txBox="1">
+            <a:spLocks/>
+          </p:cNvSpPr>
+          <p:nvPr/>
+        </p:nvSpPr>
+        <p:spPr>
+          <a:xfrm>
+            <a:off x="7680364" y="4235111"/>
+            <a:ext cx="4211782" cy="682047"/>
+          </a:xfrm>
+          <a:prstGeom prst="rect">
+            <a:avLst/>
+          </a:prstGeom>
+        </p:spPr>
+        <p:txBody>
+          <a:bodyPr vert="horz" lIns="91440" tIns="45720" rIns="91440" bIns="45720" rtlCol="0">
+            <a:normAutofit/>
+          </a:bodyPr>
+          <a:lstStyle/>
+          <a:p>
+            <a:pPr marL="228600" marR="0" lvl="0" indent="-228600" algn="l" defTabSz="914400" rtl="0" eaLnBrk="1" fontAlgn="auto" latinLnBrk="0" hangingPunct="1">
+              <a:lnSpc>
+                <a:spcPct val="90000"/>
+              </a:lnSpc>
+              <a:spcBef>
+                <a:spcPts val="1000"/>
+              </a:spcBef>
+              <a:spcAft>
+                <a:spcPts val="0"/>
+              </a:spcAft>
+              <a:buClrTx/>
+              <a:buSzTx/>
+              <a:buFont typeface="Arial" panose="020B0604020202020204" pitchFamily="34" charset="0"/>
+              <a:buNone/>
+              <a:tabLst/>
+              <a:defRPr/>
+            </a:pPr>
+            <a:r>
+              <a:rPr lang="en-US" sz="2400" b="1" dirty="0" smtClean="0"/>
+              <a:t>Primary, Secondary, Tertiary</a:t>
+            </a:r>
+            <a:endParaRPr kumimoji="0" lang="en-US" sz="2400" b="1" i="0" u="none" strike="noStrike" kern="1200" cap="none" spc="0" normalizeH="0" baseline="0" noProof="0" dirty="0">
+              <a:ln>
+                <a:noFill/>
+              </a:ln>
+              <a:solidFill>
+                <a:schemeClr val="tx1"/>
+              </a:solidFill>
+              <a:effectLst/>
+              <a:uLnTx/>
+              <a:uFillTx/>
+              <a:latin typeface="+mn-lt"/>
+              <a:ea typeface="+mn-ea"/>
+              <a:cs typeface="+mn-cs"/>
+            </a:endParaRPr>
+          </a:p>
+        </p:txBody>
+      </p:sp>
+      <p:sp>
+        <p:nvSpPr>
+          <p:cNvPr id="17" name="Content Placeholder 2"/>
+          <p:cNvSpPr txBox="1">
+            <a:spLocks/>
+          </p:cNvSpPr>
+          <p:nvPr/>
+        </p:nvSpPr>
+        <p:spPr>
+          <a:xfrm>
+            <a:off x="7056909" y="4640862"/>
+            <a:ext cx="2299855" cy="931427"/>
+          </a:xfrm>
+          <a:prstGeom prst="rect">
+            <a:avLst/>
+          </a:prstGeom>
+        </p:spPr>
+        <p:txBody>
+          <a:bodyPr vert="horz" lIns="91440" tIns="45720" rIns="91440" bIns="45720" rtlCol="0">
+            <a:normAutofit/>
+          </a:bodyPr>
+          <a:lstStyle/>
+          <a:p>
+            <a:pPr marL="228600" marR="0" lvl="0" indent="-228600" algn="l" defTabSz="914400" rtl="0" eaLnBrk="1" fontAlgn="auto" latinLnBrk="0" hangingPunct="1">
+              <a:lnSpc>
+                <a:spcPct val="90000"/>
+              </a:lnSpc>
+              <a:spcBef>
+                <a:spcPts val="1000"/>
+              </a:spcBef>
+              <a:spcAft>
+                <a:spcPts val="0"/>
+              </a:spcAft>
+              <a:buClrTx/>
+              <a:buSzTx/>
+              <a:buFont typeface="Arial" panose="020B0604020202020204" pitchFamily="34" charset="0"/>
+              <a:buNone/>
+              <a:tabLst/>
+              <a:defRPr/>
+            </a:pPr>
+            <a:r>
+              <a:rPr kumimoji="0" lang="en-US" sz="2000" b="0" i="0" u="none" strike="noStrike" kern="1200" cap="none" spc="0" normalizeH="0" baseline="0" noProof="0" dirty="0" smtClean="0">
+                <a:ln>
+                  <a:noFill/>
+                </a:ln>
+                <a:solidFill>
+                  <a:schemeClr val="tx1"/>
+                </a:solidFill>
+                <a:effectLst/>
+                <a:uLnTx/>
+                <a:uFillTx/>
+                <a:latin typeface="+mn-lt"/>
+                <a:ea typeface="+mn-ea"/>
+                <a:cs typeface="+mn-cs"/>
+              </a:rPr>
+              <a:t>Created, Collected</a:t>
+            </a:r>
+            <a:endParaRPr kumimoji="0" lang="en-US" sz="2000" b="0" i="0" u="none" strike="noStrike" kern="1200" cap="none" spc="0" normalizeH="0" baseline="0" noProof="0" dirty="0">
+              <a:ln>
+                <a:noFill/>
+              </a:ln>
+              <a:solidFill>
+                <a:schemeClr val="tx1"/>
+              </a:solidFill>
+              <a:effectLst/>
+              <a:uLnTx/>
+              <a:uFillTx/>
+              <a:latin typeface="+mn-lt"/>
+              <a:ea typeface="+mn-ea"/>
+              <a:cs typeface="+mn-cs"/>
+            </a:endParaRPr>
+          </a:p>
+        </p:txBody>
+      </p:sp>
+      <p:sp>
+        <p:nvSpPr>
+          <p:cNvPr id="18" name="Content Placeholder 2"/>
+          <p:cNvSpPr txBox="1">
+            <a:spLocks/>
+          </p:cNvSpPr>
+          <p:nvPr/>
+        </p:nvSpPr>
+        <p:spPr>
+          <a:xfrm>
+            <a:off x="8913418" y="3486974"/>
+            <a:ext cx="2299855" cy="931427"/>
+          </a:xfrm>
+          <a:prstGeom prst="rect">
+            <a:avLst/>
+          </a:prstGeom>
+        </p:spPr>
+        <p:txBody>
+          <a:bodyPr vert="horz" lIns="91440" tIns="45720" rIns="91440" bIns="45720" rtlCol="0">
+            <a:normAutofit/>
+          </a:bodyPr>
+          <a:lstStyle/>
+          <a:p>
+            <a:pPr marL="228600" marR="0" lvl="0" indent="-228600" algn="l" defTabSz="914400" rtl="0" eaLnBrk="1" fontAlgn="auto" latinLnBrk="0" hangingPunct="1">
+              <a:lnSpc>
+                <a:spcPct val="90000"/>
+              </a:lnSpc>
+              <a:spcBef>
+                <a:spcPts val="1000"/>
+              </a:spcBef>
+              <a:spcAft>
+                <a:spcPts val="0"/>
+              </a:spcAft>
+              <a:buClrTx/>
+              <a:buSzTx/>
+              <a:buFont typeface="Arial" panose="020B0604020202020204" pitchFamily="34" charset="0"/>
+              <a:buNone/>
+              <a:tabLst/>
+              <a:defRPr/>
+            </a:pPr>
+            <a:r>
+              <a:rPr kumimoji="0" lang="en-US" sz="2000" b="0" i="0" u="none" strike="noStrike" kern="1200" cap="none" spc="0" normalizeH="0" baseline="0" noProof="0" dirty="0" smtClean="0">
+                <a:ln>
+                  <a:noFill/>
+                </a:ln>
+                <a:solidFill>
+                  <a:schemeClr val="tx1"/>
+                </a:solidFill>
+                <a:effectLst/>
+                <a:uLnTx/>
+                <a:uFillTx/>
+                <a:latin typeface="+mn-lt"/>
+                <a:ea typeface="+mn-ea"/>
+                <a:cs typeface="+mn-cs"/>
+              </a:rPr>
+              <a:t>Incorporated</a:t>
+            </a:r>
+          </a:p>
+          <a:p>
+            <a:pPr marL="228600" marR="0" lvl="0" indent="-228600" algn="l" defTabSz="914400" rtl="0" eaLnBrk="1" fontAlgn="auto" latinLnBrk="0" hangingPunct="1">
+              <a:lnSpc>
+                <a:spcPct val="90000"/>
+              </a:lnSpc>
+              <a:spcBef>
+                <a:spcPts val="1000"/>
+              </a:spcBef>
+              <a:spcAft>
+                <a:spcPts val="0"/>
+              </a:spcAft>
+              <a:buClrTx/>
+              <a:buSzTx/>
+              <a:buFont typeface="Arial" panose="020B0604020202020204" pitchFamily="34" charset="0"/>
+              <a:buNone/>
+              <a:tabLst/>
+              <a:defRPr/>
+            </a:pPr>
+            <a:r>
+              <a:rPr lang="en-US" sz="2000" dirty="0" smtClean="0"/>
+              <a:t>Re-used</a:t>
+            </a:r>
+            <a:endParaRPr kumimoji="0" lang="en-US" sz="2000" b="0" i="0" u="none" strike="noStrike" kern="1200" cap="none" spc="0" normalizeH="0" baseline="0" noProof="0" dirty="0">
+              <a:ln>
+                <a:noFill/>
+              </a:ln>
+              <a:solidFill>
+                <a:schemeClr val="tx1"/>
+              </a:solidFill>
+              <a:effectLst/>
+              <a:uLnTx/>
+              <a:uFillTx/>
+              <a:latin typeface="+mn-lt"/>
+              <a:ea typeface="+mn-ea"/>
+              <a:cs typeface="+mn-cs"/>
+            </a:endParaRPr>
+          </a:p>
+        </p:txBody>
+      </p:sp>
+      <p:sp>
+        <p:nvSpPr>
+          <p:cNvPr id="19" name="Content Placeholder 2"/>
+          <p:cNvSpPr txBox="1">
+            <a:spLocks/>
+          </p:cNvSpPr>
+          <p:nvPr/>
+        </p:nvSpPr>
+        <p:spPr>
+          <a:xfrm>
+            <a:off x="10458199" y="4675498"/>
+            <a:ext cx="1558637" cy="931427"/>
+          </a:xfrm>
+          <a:prstGeom prst="rect">
+            <a:avLst/>
+          </a:prstGeom>
+        </p:spPr>
+        <p:txBody>
+          <a:bodyPr vert="horz" lIns="91440" tIns="45720" rIns="91440" bIns="45720" rtlCol="0">
+            <a:normAutofit/>
+          </a:bodyPr>
+          <a:lstStyle/>
+          <a:p>
+            <a:pPr marL="228600" marR="0" lvl="0" indent="-228600" algn="l" defTabSz="914400" rtl="0" eaLnBrk="1" fontAlgn="auto" latinLnBrk="0" hangingPunct="1">
+              <a:lnSpc>
+                <a:spcPct val="90000"/>
+              </a:lnSpc>
+              <a:spcBef>
+                <a:spcPts val="1000"/>
+              </a:spcBef>
+              <a:spcAft>
+                <a:spcPts val="0"/>
+              </a:spcAft>
+              <a:buClrTx/>
+              <a:buSzTx/>
+              <a:buFont typeface="Arial" panose="020B0604020202020204" pitchFamily="34" charset="0"/>
+              <a:buNone/>
+              <a:tabLst/>
+              <a:defRPr/>
+            </a:pPr>
+            <a:r>
+              <a:rPr kumimoji="0" lang="en-US" sz="2000" b="0" i="0" u="none" strike="noStrike" kern="1200" cap="none" spc="0" normalizeH="0" baseline="0" noProof="0" dirty="0" smtClean="0">
+                <a:ln>
+                  <a:noFill/>
+                </a:ln>
+                <a:solidFill>
+                  <a:schemeClr val="tx1"/>
+                </a:solidFill>
+                <a:effectLst/>
+                <a:uLnTx/>
+                <a:uFillTx/>
+                <a:latin typeface="+mn-lt"/>
+                <a:ea typeface="+mn-ea"/>
+                <a:cs typeface="+mn-cs"/>
+              </a:rPr>
+              <a:t>Released</a:t>
+            </a:r>
+          </a:p>
+          <a:p>
+            <a:pPr marL="228600" marR="0" lvl="0" indent="-228600" algn="l" defTabSz="914400" rtl="0" eaLnBrk="1" fontAlgn="auto" latinLnBrk="0" hangingPunct="1">
+              <a:lnSpc>
+                <a:spcPct val="90000"/>
+              </a:lnSpc>
+              <a:spcBef>
+                <a:spcPts val="1000"/>
+              </a:spcBef>
+              <a:spcAft>
+                <a:spcPts val="0"/>
+              </a:spcAft>
+              <a:buClrTx/>
+              <a:buSzTx/>
+              <a:buFont typeface="Arial" panose="020B0604020202020204" pitchFamily="34" charset="0"/>
+              <a:buNone/>
+              <a:tabLst/>
+              <a:defRPr/>
+            </a:pPr>
+            <a:r>
+              <a:rPr lang="en-US" sz="2000" dirty="0" smtClean="0"/>
+              <a:t>Truncated</a:t>
+            </a:r>
+            <a:endParaRPr kumimoji="0" lang="en-US" sz="2000" b="0" i="0" u="none" strike="noStrike" kern="1200" cap="none" spc="0" normalizeH="0" baseline="0" noProof="0" dirty="0">
+              <a:ln>
+                <a:noFill/>
+              </a:ln>
+              <a:solidFill>
+                <a:schemeClr val="tx1"/>
+              </a:solidFill>
+              <a:effectLst/>
+              <a:uLnTx/>
+              <a:uFillTx/>
+              <a:latin typeface="+mn-lt"/>
+              <a:ea typeface="+mn-ea"/>
+              <a:cs typeface="+mn-cs"/>
+            </a:endParaRPr>
+          </a:p>
+        </p:txBody>
+      </p:sp>
+      <p:sp>
+        <p:nvSpPr>
+          <p:cNvPr id="20" name="Rectangle 19"/>
+          <p:cNvSpPr/>
+          <p:nvPr/>
+        </p:nvSpPr>
+        <p:spPr>
+          <a:xfrm>
+            <a:off x="2453640" y="6228100"/>
+            <a:ext cx="8610600" cy="523220"/>
+          </a:xfrm>
+          <a:prstGeom prst="rect">
+            <a:avLst/>
+          </a:prstGeom>
+        </p:spPr>
+        <p:txBody>
+          <a:bodyPr wrap="square">
+            <a:spAutoFit/>
+          </a:bodyPr>
+          <a:lstStyle/>
+          <a:p>
+            <a:r>
+              <a:rPr lang="en-US" sz="1400" dirty="0" err="1" smtClean="0">
+                <a:solidFill>
+                  <a:schemeClr val="tx1">
+                    <a:lumMod val="65000"/>
+                    <a:lumOff val="35000"/>
+                  </a:schemeClr>
+                </a:solidFill>
+              </a:rPr>
+              <a:t>Kitchin</a:t>
+            </a:r>
+            <a:r>
+              <a:rPr lang="en-US" sz="1400" dirty="0" smtClean="0">
+                <a:solidFill>
+                  <a:schemeClr val="tx1">
+                    <a:lumMod val="65000"/>
+                    <a:lumOff val="35000"/>
+                  </a:schemeClr>
+                </a:solidFill>
+              </a:rPr>
+              <a:t>, R (2014). “Conceptualizing Data” in </a:t>
+            </a:r>
+            <a:r>
+              <a:rPr lang="en-US" sz="1400" dirty="0" err="1" smtClean="0">
+                <a:solidFill>
+                  <a:schemeClr val="tx1">
+                    <a:lumMod val="65000"/>
+                    <a:lumOff val="35000"/>
+                  </a:schemeClr>
+                </a:solidFill>
+              </a:rPr>
+              <a:t>Kitchin</a:t>
+            </a:r>
+            <a:r>
+              <a:rPr lang="en-US" sz="1400" dirty="0" smtClean="0">
+                <a:solidFill>
+                  <a:schemeClr val="tx1">
+                    <a:lumMod val="65000"/>
+                    <a:lumOff val="35000"/>
+                  </a:schemeClr>
+                </a:solidFill>
+              </a:rPr>
+              <a:t>, R </a:t>
+            </a:r>
+            <a:r>
+              <a:rPr lang="en-US" sz="1400" i="1" dirty="0" smtClean="0">
+                <a:solidFill>
+                  <a:schemeClr val="tx1">
+                    <a:lumMod val="65000"/>
+                    <a:lumOff val="35000"/>
+                  </a:schemeClr>
+                </a:solidFill>
+              </a:rPr>
+              <a:t>The Data Revolution.</a:t>
+            </a:r>
+            <a:r>
+              <a:rPr lang="en-US" sz="1400" dirty="0" smtClean="0">
+                <a:solidFill>
+                  <a:schemeClr val="tx1">
+                    <a:lumMod val="65000"/>
+                    <a:lumOff val="35000"/>
+                  </a:schemeClr>
+                </a:solidFill>
+              </a:rPr>
+              <a:t> Washington DC: Sage. </a:t>
+            </a:r>
+            <a:r>
+              <a:rPr lang="en-US" sz="1400" i="1" dirty="0" smtClean="0">
+                <a:solidFill>
+                  <a:schemeClr val="tx1">
+                    <a:lumMod val="65000"/>
+                    <a:lumOff val="35000"/>
+                  </a:schemeClr>
+                </a:solidFill>
+                <a:hlinkClick r:id="rId3"/>
+              </a:rPr>
+              <a:t>http://uk.sagepub.com/sites/default/files/upm-binaries/63923_Kitchin_CH1.pdf</a:t>
+            </a:r>
+            <a:endParaRPr lang="en-US" sz="1400" i="1" dirty="0" smtClean="0">
+              <a:solidFill>
+                <a:schemeClr val="tx1">
+                  <a:lumMod val="65000"/>
+                  <a:lumOff val="35000"/>
+                </a:schemeClr>
+              </a:solidFill>
+            </a:endParaRPr>
+          </a:p>
+        </p:txBody>
+      </p:sp>
+      <p:sp>
+        <p:nvSpPr>
+          <p:cNvPr id="21" name="Content Placeholder 2"/>
+          <p:cNvSpPr txBox="1">
+            <a:spLocks/>
+          </p:cNvSpPr>
+          <p:nvPr/>
+        </p:nvSpPr>
+        <p:spPr>
+          <a:xfrm>
+            <a:off x="3848590" y="3514498"/>
+            <a:ext cx="4468091" cy="682047"/>
+          </a:xfrm>
+          <a:prstGeom prst="rect">
+            <a:avLst/>
+          </a:prstGeom>
+        </p:spPr>
+        <p:txBody>
+          <a:bodyPr vert="horz" lIns="91440" tIns="45720" rIns="91440" bIns="45720" rtlCol="0">
+            <a:normAutofit/>
+          </a:bodyPr>
+          <a:lstStyle/>
+          <a:p>
+            <a:pPr marL="228600" marR="0" lvl="0" indent="-228600" algn="l" defTabSz="914400" rtl="0" eaLnBrk="1" fontAlgn="auto" latinLnBrk="0" hangingPunct="1">
+              <a:lnSpc>
+                <a:spcPct val="90000"/>
+              </a:lnSpc>
+              <a:spcBef>
+                <a:spcPts val="1000"/>
+              </a:spcBef>
+              <a:spcAft>
+                <a:spcPts val="0"/>
+              </a:spcAft>
+              <a:buClrTx/>
+              <a:buSzTx/>
+              <a:buFont typeface="Arial" panose="020B0604020202020204" pitchFamily="34" charset="0"/>
+              <a:buNone/>
+              <a:tabLst/>
+              <a:defRPr/>
+            </a:pPr>
+            <a:r>
+              <a:rPr lang="en-US" sz="2400" b="1" dirty="0" smtClean="0"/>
+              <a:t>Indexical, Attribute, Metadata</a:t>
+            </a:r>
+            <a:endParaRPr kumimoji="0" lang="en-US" sz="2400" b="1" i="0" u="none" strike="noStrike" kern="1200" cap="none" spc="0" normalizeH="0" baseline="0" noProof="0" dirty="0">
+              <a:ln>
+                <a:noFill/>
+              </a:ln>
+              <a:solidFill>
+                <a:schemeClr val="tx1"/>
+              </a:solidFill>
+              <a:effectLst/>
+              <a:uLnTx/>
+              <a:uFillTx/>
+              <a:latin typeface="+mn-lt"/>
+              <a:ea typeface="+mn-ea"/>
+              <a:cs typeface="+mn-cs"/>
+            </a:endParaRPr>
+          </a:p>
+        </p:txBody>
+      </p:sp>
+      <p:sp>
+        <p:nvSpPr>
+          <p:cNvPr id="22" name="Rectangle 21"/>
+          <p:cNvSpPr/>
+          <p:nvPr/>
+        </p:nvSpPr>
+        <p:spPr>
+          <a:xfrm>
+            <a:off x="3008377" y="3197621"/>
+            <a:ext cx="1242328" cy="400110"/>
+          </a:xfrm>
+          <a:prstGeom prst="rect">
+            <a:avLst/>
+          </a:prstGeom>
+        </p:spPr>
+        <p:txBody>
+          <a:bodyPr wrap="none">
+            <a:spAutoFit/>
+          </a:bodyPr>
+          <a:lstStyle/>
+          <a:p>
+            <a:r>
+              <a:rPr lang="en-US" sz="2000" dirty="0" smtClean="0"/>
+              <a:t>Identifiers</a:t>
+            </a:r>
+            <a:endParaRPr lang="en-US" sz="2000" dirty="0"/>
+          </a:p>
+        </p:txBody>
+      </p:sp>
+      <p:sp>
+        <p:nvSpPr>
+          <p:cNvPr id="23" name="Rectangle 22"/>
+          <p:cNvSpPr/>
+          <p:nvPr/>
+        </p:nvSpPr>
+        <p:spPr>
+          <a:xfrm>
+            <a:off x="5272605" y="3872536"/>
+            <a:ext cx="1711046" cy="400110"/>
+          </a:xfrm>
+          <a:prstGeom prst="rect">
+            <a:avLst/>
+          </a:prstGeom>
+        </p:spPr>
+        <p:txBody>
+          <a:bodyPr wrap="none">
+            <a:spAutoFit/>
+          </a:bodyPr>
+          <a:lstStyle/>
+          <a:p>
+            <a:r>
+              <a:rPr lang="en-US" sz="2000" dirty="0" smtClean="0"/>
+              <a:t>Characteristics</a:t>
+            </a:r>
+            <a:endParaRPr lang="en-US" sz="2000" dirty="0"/>
+          </a:p>
+        </p:txBody>
+      </p:sp>
+      <p:sp>
+        <p:nvSpPr>
+          <p:cNvPr id="24" name="Rectangle 23"/>
+          <p:cNvSpPr/>
+          <p:nvPr/>
+        </p:nvSpPr>
+        <p:spPr>
+          <a:xfrm>
+            <a:off x="6665976" y="3132307"/>
+            <a:ext cx="1478738" cy="400110"/>
+          </a:xfrm>
+          <a:prstGeom prst="rect">
+            <a:avLst/>
+          </a:prstGeom>
+        </p:spPr>
+        <p:txBody>
+          <a:bodyPr wrap="none">
+            <a:spAutoFit/>
+          </a:bodyPr>
+          <a:lstStyle/>
+          <a:p>
+            <a:r>
+              <a:rPr lang="en-US" sz="2000" dirty="0" smtClean="0"/>
+              <a:t>Descriptions</a:t>
+            </a:r>
+            <a:endParaRPr lang="en-US" sz="2000" dirty="0"/>
           </a:p>
         </p:txBody>
       </p:sp>
@@ -5805,9 +7402,214 @@
   <p:timing>
     <p:tnLst>
       <p:par>
-        <p:cTn id="1" dur="indefinite" restart="never" nodeType="tmRoot"/>
+        <p:cTn id="1" dur="indefinite" restart="never" nodeType="tmRoot">
+          <p:childTnLst>
+            <p:seq concurrent="1" nextAc="seek">
+              <p:cTn id="2" dur="indefinite" nodeType="mainSeq">
+                <p:childTnLst>
+                  <p:par>
+                    <p:cTn id="3" fill="hold">
+                      <p:stCondLst>
+                        <p:cond delay="indefinite"/>
+                      </p:stCondLst>
+                      <p:childTnLst>
+                        <p:par>
+                          <p:cTn id="4" fill="hold">
+                            <p:stCondLst>
+                              <p:cond delay="0"/>
+                            </p:stCondLst>
+                            <p:childTnLst>
+                              <p:par>
+                                <p:cTn id="5" presetID="10" presetClass="entr" presetSubtype="0" fill="hold" grpId="0" nodeType="clickEffect">
+                                  <p:stCondLst>
+                                    <p:cond delay="0"/>
+                                  </p:stCondLst>
+                                  <p:childTnLst>
+                                    <p:set>
+                                      <p:cBhvr>
+                                        <p:cTn id="6" dur="1" fill="hold">
+                                          <p:stCondLst>
+                                            <p:cond delay="0"/>
+                                          </p:stCondLst>
+                                        </p:cTn>
+                                        <p:tgtEl>
+                                          <p:spTgt spid="21"/>
+                                        </p:tgtEl>
+                                        <p:attrNameLst>
+                                          <p:attrName>style.visibility</p:attrName>
+                                        </p:attrNameLst>
+                                      </p:cBhvr>
+                                      <p:to>
+                                        <p:strVal val="visible"/>
+                                      </p:to>
+                                    </p:set>
+                                    <p:animEffect transition="in" filter="fade">
+                                      <p:cBhvr>
+                                        <p:cTn id="7" dur="500"/>
+                                        <p:tgtEl>
+                                          <p:spTgt spid="21"/>
+                                        </p:tgtEl>
+                                      </p:cBhvr>
+                                    </p:animEffect>
+                                  </p:childTnLst>
+                                </p:cTn>
+                              </p:par>
+                            </p:childTnLst>
+                          </p:cTn>
+                        </p:par>
+                      </p:childTnLst>
+                    </p:cTn>
+                  </p:par>
+                  <p:par>
+                    <p:cTn id="8" fill="hold">
+                      <p:stCondLst>
+                        <p:cond delay="indefinite"/>
+                      </p:stCondLst>
+                      <p:childTnLst>
+                        <p:par>
+                          <p:cTn id="9" fill="hold">
+                            <p:stCondLst>
+                              <p:cond delay="0"/>
+                            </p:stCondLst>
+                            <p:childTnLst>
+                              <p:par>
+                                <p:cTn id="10" presetID="10" presetClass="entr" presetSubtype="0" fill="hold" grpId="0" nodeType="clickEffect">
+                                  <p:stCondLst>
+                                    <p:cond delay="0"/>
+                                  </p:stCondLst>
+                                  <p:childTnLst>
+                                    <p:set>
+                                      <p:cBhvr>
+                                        <p:cTn id="11" dur="1" fill="hold">
+                                          <p:stCondLst>
+                                            <p:cond delay="0"/>
+                                          </p:stCondLst>
+                                        </p:cTn>
+                                        <p:tgtEl>
+                                          <p:spTgt spid="23"/>
+                                        </p:tgtEl>
+                                        <p:attrNameLst>
+                                          <p:attrName>style.visibility</p:attrName>
+                                        </p:attrNameLst>
+                                      </p:cBhvr>
+                                      <p:to>
+                                        <p:strVal val="visible"/>
+                                      </p:to>
+                                    </p:set>
+                                    <p:animEffect transition="in" filter="fade">
+                                      <p:cBhvr>
+                                        <p:cTn id="12" dur="500"/>
+                                        <p:tgtEl>
+                                          <p:spTgt spid="23"/>
+                                        </p:tgtEl>
+                                      </p:cBhvr>
+                                    </p:animEffect>
+                                  </p:childTnLst>
+                                </p:cTn>
+                              </p:par>
+                              <p:par>
+                                <p:cTn id="13" presetID="10" presetClass="entr" presetSubtype="0" fill="hold" grpId="0" nodeType="withEffect">
+                                  <p:stCondLst>
+                                    <p:cond delay="0"/>
+                                  </p:stCondLst>
+                                  <p:childTnLst>
+                                    <p:set>
+                                      <p:cBhvr>
+                                        <p:cTn id="14" dur="1" fill="hold">
+                                          <p:stCondLst>
+                                            <p:cond delay="0"/>
+                                          </p:stCondLst>
+                                        </p:cTn>
+                                        <p:tgtEl>
+                                          <p:spTgt spid="24"/>
+                                        </p:tgtEl>
+                                        <p:attrNameLst>
+                                          <p:attrName>style.visibility</p:attrName>
+                                        </p:attrNameLst>
+                                      </p:cBhvr>
+                                      <p:to>
+                                        <p:strVal val="visible"/>
+                                      </p:to>
+                                    </p:set>
+                                    <p:animEffect transition="in" filter="fade">
+                                      <p:cBhvr>
+                                        <p:cTn id="15" dur="500"/>
+                                        <p:tgtEl>
+                                          <p:spTgt spid="24"/>
+                                        </p:tgtEl>
+                                      </p:cBhvr>
+                                    </p:animEffect>
+                                  </p:childTnLst>
+                                </p:cTn>
+                              </p:par>
+                              <p:par>
+                                <p:cTn id="16" presetID="10" presetClass="entr" presetSubtype="0" fill="hold" grpId="0" nodeType="withEffect">
+                                  <p:stCondLst>
+                                    <p:cond delay="0"/>
+                                  </p:stCondLst>
+                                  <p:childTnLst>
+                                    <p:set>
+                                      <p:cBhvr>
+                                        <p:cTn id="17" dur="1" fill="hold">
+                                          <p:stCondLst>
+                                            <p:cond delay="0"/>
+                                          </p:stCondLst>
+                                        </p:cTn>
+                                        <p:tgtEl>
+                                          <p:spTgt spid="22"/>
+                                        </p:tgtEl>
+                                        <p:attrNameLst>
+                                          <p:attrName>style.visibility</p:attrName>
+                                        </p:attrNameLst>
+                                      </p:cBhvr>
+                                      <p:to>
+                                        <p:strVal val="visible"/>
+                                      </p:to>
+                                    </p:set>
+                                    <p:animEffect transition="in" filter="fade">
+                                      <p:cBhvr>
+                                        <p:cTn id="18" dur="500"/>
+                                        <p:tgtEl>
+                                          <p:spTgt spid="22"/>
+                                        </p:tgtEl>
+                                      </p:cBhvr>
+                                    </p:animEffect>
+                                  </p:childTnLst>
+                                </p:cTn>
+                              </p:par>
+                            </p:childTnLst>
+                          </p:cTn>
+                        </p:par>
+                      </p:childTnLst>
+                    </p:cTn>
+                  </p:par>
+                </p:childTnLst>
+              </p:cTn>
+              <p:prevCondLst>
+                <p:cond evt="onPrev" delay="0">
+                  <p:tgtEl>
+                    <p:sldTgt/>
+                  </p:tgtEl>
+                </p:cond>
+              </p:prevCondLst>
+              <p:nextCondLst>
+                <p:cond evt="onNext" delay="0">
+                  <p:tgtEl>
+                    <p:sldTgt/>
+                  </p:tgtEl>
+                </p:cond>
+              </p:nextCondLst>
+            </p:seq>
+          </p:childTnLst>
+        </p:cTn>
       </p:par>
     </p:tnLst>
+    <p:bldLst>
+      <p:bldP spid="21" grpId="0"/>
+      <p:bldP spid="22" grpId="0"/>
+      <p:bldP spid="23" grpId="0"/>
+      <p:bldP spid="24" grpId="0"/>
+    </p:bldLst>
   </p:timing>
 </p:sld>
 </file>
@@ -5831,6 +7633,1112 @@
       </p:grpSpPr>
       <p:sp>
         <p:nvSpPr>
+          <p:cNvPr id="2" name="Title 1"/>
+          <p:cNvSpPr>
+            <a:spLocks noGrp="1"/>
+          </p:cNvSpPr>
+          <p:nvPr>
+            <p:ph type="title"/>
+          </p:nvPr>
+        </p:nvSpPr>
+        <p:spPr/>
+        <p:txBody>
+          <a:bodyPr/>
+          <a:lstStyle/>
+          <a:p>
+            <a:r>
+              <a:rPr lang="en-US" dirty="0" smtClean="0"/>
+              <a:t>On Metadata</a:t>
+            </a:r>
+            <a:endParaRPr lang="en-US" dirty="0"/>
+          </a:p>
+        </p:txBody>
+      </p:sp>
+      <p:sp>
+        <p:nvSpPr>
+          <p:cNvPr id="3" name="Content Placeholder 2"/>
+          <p:cNvSpPr>
+            <a:spLocks noGrp="1"/>
+          </p:cNvSpPr>
+          <p:nvPr>
+            <p:ph idx="1"/>
+          </p:nvPr>
+        </p:nvSpPr>
+        <p:spPr/>
+        <p:txBody>
+          <a:bodyPr/>
+          <a:lstStyle/>
+          <a:p>
+            <a:pPr algn="ctr">
+              <a:buNone/>
+            </a:pPr>
+            <a:r>
+              <a:rPr lang="en-US" dirty="0" smtClean="0"/>
+              <a:t>One persons data is another persons metadata</a:t>
+            </a:r>
+          </a:p>
+          <a:p>
+            <a:endParaRPr lang="en-US" dirty="0"/>
+          </a:p>
+        </p:txBody>
+      </p:sp>
+    </p:spTree>
+  </p:cSld>
+  <p:clrMapOvr>
+    <a:masterClrMapping/>
+  </p:clrMapOvr>
+  <p:timing>
+    <p:tnLst>
+      <p:par>
+        <p:cTn id="1" dur="indefinite" restart="never" nodeType="tmRoot"/>
+      </p:par>
+    </p:tnLst>
+  </p:timing>
+</p:sld>
+</file>
+
+<file path=ppt/slides/slide12.xml><?xml version="1.0" encoding="utf-8"?>
+<p:sld xmlns:a="http://schemas.openxmlformats.org/drawingml/2006/main" xmlns:r="http://schemas.openxmlformats.org/officeDocument/2006/relationships" xmlns:p="http://schemas.openxmlformats.org/presentationml/2006/main">
+  <p:cSld>
+    <p:spTree>
+      <p:nvGrpSpPr>
+        <p:cNvPr id="1" name=""/>
+        <p:cNvGrpSpPr/>
+        <p:nvPr/>
+      </p:nvGrpSpPr>
+      <p:grpSpPr>
+        <a:xfrm>
+          <a:off x="0" y="0"/>
+          <a:ext cx="0" cy="0"/>
+          <a:chOff x="0" y="0"/>
+          <a:chExt cx="0" cy="0"/>
+        </a:xfrm>
+      </p:grpSpPr>
+      <p:sp>
+        <p:nvSpPr>
+          <p:cNvPr id="3" name="Content Placeholder 2"/>
+          <p:cNvSpPr>
+            <a:spLocks noGrp="1"/>
+          </p:cNvSpPr>
+          <p:nvPr>
+            <p:ph idx="1"/>
+          </p:nvPr>
+        </p:nvSpPr>
+        <p:spPr>
+          <a:xfrm>
+            <a:off x="6540756" y="1820129"/>
+            <a:ext cx="4282440" cy="4351338"/>
+          </a:xfrm>
+        </p:spPr>
+        <p:txBody>
+          <a:bodyPr/>
+          <a:lstStyle/>
+          <a:p>
+            <a:pPr algn="r">
+              <a:buNone/>
+            </a:pPr>
+            <a:r>
+              <a:rPr lang="en-US" dirty="0" smtClean="0"/>
+              <a:t>“Information is not knowledge.</a:t>
+            </a:r>
+          </a:p>
+          <a:p>
+            <a:pPr algn="r">
+              <a:buNone/>
+            </a:pPr>
+            <a:r>
+              <a:rPr lang="en-US" dirty="0" smtClean="0"/>
+              <a:t>Knowledge is not wisdom.</a:t>
+            </a:r>
+          </a:p>
+          <a:p>
+            <a:pPr algn="r">
+              <a:buNone/>
+            </a:pPr>
+            <a:r>
+              <a:rPr lang="en-US" dirty="0" smtClean="0"/>
+              <a:t>Wisdom is not truth.</a:t>
+            </a:r>
+          </a:p>
+          <a:p>
+            <a:pPr algn="r">
+              <a:buNone/>
+            </a:pPr>
+            <a:r>
+              <a:rPr lang="en-US" dirty="0" smtClean="0"/>
+              <a:t>Truth is not beauty.</a:t>
+            </a:r>
+          </a:p>
+          <a:p>
+            <a:pPr algn="r">
+              <a:buNone/>
+            </a:pPr>
+            <a:r>
+              <a:rPr lang="en-US" dirty="0" smtClean="0"/>
+              <a:t>Beauty is not love.</a:t>
+            </a:r>
+          </a:p>
+          <a:p>
+            <a:pPr algn="r">
+              <a:buNone/>
+            </a:pPr>
+            <a:r>
+              <a:rPr lang="en-US" dirty="0" smtClean="0"/>
+              <a:t>Love is not music.</a:t>
+            </a:r>
+          </a:p>
+          <a:p>
+            <a:pPr algn="r">
+              <a:buNone/>
+            </a:pPr>
+            <a:r>
+              <a:rPr lang="en-US" dirty="0" smtClean="0"/>
+              <a:t>Music is THE BEST.”</a:t>
+            </a:r>
+          </a:p>
+          <a:p>
+            <a:pPr algn="r">
+              <a:buNone/>
+            </a:pPr>
+            <a:r>
+              <a:rPr lang="en-US" dirty="0" smtClean="0"/>
+              <a:t>― Frank Zappa</a:t>
+            </a:r>
+            <a:endParaRPr lang="en-US" dirty="0"/>
+          </a:p>
+        </p:txBody>
+      </p:sp>
+      <p:sp>
+        <p:nvSpPr>
+          <p:cNvPr id="5" name="Isosceles Triangle 4"/>
+          <p:cNvSpPr/>
+          <p:nvPr/>
+        </p:nvSpPr>
+        <p:spPr>
+          <a:xfrm>
+            <a:off x="731520" y="868680"/>
+            <a:ext cx="6614160" cy="5097438"/>
+          </a:xfrm>
+          <a:prstGeom prst="triangle">
+            <a:avLst/>
+          </a:prstGeom>
+          <a:ln w="28575"/>
+        </p:spPr>
+        <p:style>
+          <a:lnRef idx="2">
+            <a:schemeClr val="accent1">
+              <a:shade val="50000"/>
+            </a:schemeClr>
+          </a:lnRef>
+          <a:fillRef idx="1">
+            <a:schemeClr val="accent1"/>
+          </a:fillRef>
+          <a:effectRef idx="0">
+            <a:schemeClr val="accent1"/>
+          </a:effectRef>
+          <a:fontRef idx="minor">
+            <a:schemeClr val="lt1"/>
+          </a:fontRef>
+        </p:style>
+        <p:txBody>
+          <a:bodyPr rtlCol="0" anchor="ctr"/>
+          <a:lstStyle/>
+          <a:p>
+            <a:pPr algn="ctr"/>
+            <a:endParaRPr lang="en-US"/>
+          </a:p>
+        </p:txBody>
+      </p:sp>
+      <p:sp>
+        <p:nvSpPr>
+          <p:cNvPr id="6" name="Isosceles Triangle 5"/>
+          <p:cNvSpPr/>
+          <p:nvPr/>
+        </p:nvSpPr>
+        <p:spPr>
+          <a:xfrm>
+            <a:off x="1225319" y="874394"/>
+            <a:ext cx="5625481" cy="4332088"/>
+          </a:xfrm>
+          <a:prstGeom prst="triangle">
+            <a:avLst/>
+          </a:prstGeom>
+          <a:ln w="28575"/>
+        </p:spPr>
+        <p:style>
+          <a:lnRef idx="2">
+            <a:schemeClr val="accent1">
+              <a:shade val="50000"/>
+            </a:schemeClr>
+          </a:lnRef>
+          <a:fillRef idx="1">
+            <a:schemeClr val="accent1"/>
+          </a:fillRef>
+          <a:effectRef idx="0">
+            <a:schemeClr val="accent1"/>
+          </a:effectRef>
+          <a:fontRef idx="minor">
+            <a:schemeClr val="lt1"/>
+          </a:fontRef>
+        </p:style>
+        <p:txBody>
+          <a:bodyPr rtlCol="0" anchor="ctr"/>
+          <a:lstStyle/>
+          <a:p>
+            <a:pPr algn="ctr"/>
+            <a:endParaRPr lang="en-US"/>
+          </a:p>
+        </p:txBody>
+      </p:sp>
+      <p:sp>
+        <p:nvSpPr>
+          <p:cNvPr id="7" name="Isosceles Triangle 6"/>
+          <p:cNvSpPr/>
+          <p:nvPr/>
+        </p:nvSpPr>
+        <p:spPr>
+          <a:xfrm>
+            <a:off x="1758168" y="868680"/>
+            <a:ext cx="4550983" cy="3507377"/>
+          </a:xfrm>
+          <a:prstGeom prst="triangle">
+            <a:avLst/>
+          </a:prstGeom>
+          <a:ln w="28575"/>
+        </p:spPr>
+        <p:style>
+          <a:lnRef idx="2">
+            <a:schemeClr val="accent1">
+              <a:shade val="50000"/>
+            </a:schemeClr>
+          </a:lnRef>
+          <a:fillRef idx="1">
+            <a:schemeClr val="accent1"/>
+          </a:fillRef>
+          <a:effectRef idx="0">
+            <a:schemeClr val="accent1"/>
+          </a:effectRef>
+          <a:fontRef idx="minor">
+            <a:schemeClr val="lt1"/>
+          </a:fontRef>
+        </p:style>
+        <p:txBody>
+          <a:bodyPr rtlCol="0" anchor="ctr"/>
+          <a:lstStyle/>
+          <a:p>
+            <a:pPr algn="ctr"/>
+            <a:endParaRPr lang="en-US"/>
+          </a:p>
+        </p:txBody>
+      </p:sp>
+      <p:sp>
+        <p:nvSpPr>
+          <p:cNvPr id="8" name="Isosceles Triangle 7"/>
+          <p:cNvSpPr/>
+          <p:nvPr/>
+        </p:nvSpPr>
+        <p:spPr>
+          <a:xfrm>
+            <a:off x="2334099" y="864869"/>
+            <a:ext cx="3405773" cy="2624780"/>
+          </a:xfrm>
+          <a:prstGeom prst="triangle">
+            <a:avLst/>
+          </a:prstGeom>
+          <a:ln w="28575"/>
+        </p:spPr>
+        <p:style>
+          <a:lnRef idx="2">
+            <a:schemeClr val="accent1">
+              <a:shade val="50000"/>
+            </a:schemeClr>
+          </a:lnRef>
+          <a:fillRef idx="1">
+            <a:schemeClr val="accent1"/>
+          </a:fillRef>
+          <a:effectRef idx="0">
+            <a:schemeClr val="accent1"/>
+          </a:effectRef>
+          <a:fontRef idx="minor">
+            <a:schemeClr val="lt1"/>
+          </a:fontRef>
+        </p:style>
+        <p:txBody>
+          <a:bodyPr rtlCol="0" anchor="ctr"/>
+          <a:lstStyle/>
+          <a:p>
+            <a:pPr algn="ctr"/>
+            <a:endParaRPr lang="en-US"/>
+          </a:p>
+        </p:txBody>
+      </p:sp>
+      <p:sp>
+        <p:nvSpPr>
+          <p:cNvPr id="9" name="Isosceles Triangle 8"/>
+          <p:cNvSpPr/>
+          <p:nvPr/>
+        </p:nvSpPr>
+        <p:spPr>
+          <a:xfrm>
+            <a:off x="2867353" y="863917"/>
+            <a:ext cx="2341602" cy="1804638"/>
+          </a:xfrm>
+          <a:prstGeom prst="triangle">
+            <a:avLst/>
+          </a:prstGeom>
+          <a:ln w="28575"/>
+        </p:spPr>
+        <p:style>
+          <a:lnRef idx="2">
+            <a:schemeClr val="accent1">
+              <a:shade val="50000"/>
+            </a:schemeClr>
+          </a:lnRef>
+          <a:fillRef idx="1">
+            <a:schemeClr val="accent1"/>
+          </a:fillRef>
+          <a:effectRef idx="0">
+            <a:schemeClr val="accent1"/>
+          </a:effectRef>
+          <a:fontRef idx="minor">
+            <a:schemeClr val="lt1"/>
+          </a:fontRef>
+        </p:style>
+        <p:txBody>
+          <a:bodyPr rtlCol="0" anchor="ctr"/>
+          <a:lstStyle/>
+          <a:p>
+            <a:pPr algn="ctr"/>
+            <a:endParaRPr lang="en-US"/>
+          </a:p>
+        </p:txBody>
+      </p:sp>
+      <p:sp>
+        <p:nvSpPr>
+          <p:cNvPr id="10" name="TextBox 9"/>
+          <p:cNvSpPr txBox="1"/>
+          <p:nvPr/>
+        </p:nvSpPr>
+        <p:spPr>
+          <a:xfrm>
+            <a:off x="3349688" y="5366038"/>
+            <a:ext cx="1390262" cy="461665"/>
+          </a:xfrm>
+          <a:prstGeom prst="rect">
+            <a:avLst/>
+          </a:prstGeom>
+          <a:noFill/>
+        </p:spPr>
+        <p:txBody>
+          <a:bodyPr wrap="square" rtlCol="0">
+            <a:spAutoFit/>
+          </a:bodyPr>
+          <a:lstStyle/>
+          <a:p>
+            <a:pPr algn="ctr"/>
+            <a:r>
+              <a:rPr lang="en-US" sz="2400" dirty="0" smtClean="0"/>
+              <a:t>WORLD</a:t>
+            </a:r>
+            <a:endParaRPr lang="en-US" sz="2400" dirty="0"/>
+          </a:p>
+        </p:txBody>
+      </p:sp>
+      <p:sp>
+        <p:nvSpPr>
+          <p:cNvPr id="11" name="TextBox 10"/>
+          <p:cNvSpPr txBox="1"/>
+          <p:nvPr/>
+        </p:nvSpPr>
+        <p:spPr>
+          <a:xfrm>
+            <a:off x="2425959" y="4417420"/>
+            <a:ext cx="3237721" cy="738664"/>
+          </a:xfrm>
+          <a:prstGeom prst="rect">
+            <a:avLst/>
+          </a:prstGeom>
+          <a:noFill/>
+        </p:spPr>
+        <p:txBody>
+          <a:bodyPr wrap="square" rtlCol="0">
+            <a:spAutoFit/>
+          </a:bodyPr>
+          <a:lstStyle/>
+          <a:p>
+            <a:pPr algn="ctr"/>
+            <a:r>
+              <a:rPr lang="en-US" sz="2400" dirty="0" smtClean="0"/>
+              <a:t>DATA</a:t>
+            </a:r>
+          </a:p>
+          <a:p>
+            <a:pPr algn="ctr"/>
+            <a:r>
+              <a:rPr lang="en-US" dirty="0" smtClean="0"/>
+              <a:t>abstracted elements</a:t>
+            </a:r>
+            <a:endParaRPr lang="en-US" dirty="0"/>
+          </a:p>
+        </p:txBody>
+      </p:sp>
+      <p:sp>
+        <p:nvSpPr>
+          <p:cNvPr id="12" name="TextBox 11"/>
+          <p:cNvSpPr txBox="1"/>
+          <p:nvPr/>
+        </p:nvSpPr>
+        <p:spPr>
+          <a:xfrm>
+            <a:off x="2855166" y="3559004"/>
+            <a:ext cx="2379306" cy="738664"/>
+          </a:xfrm>
+          <a:prstGeom prst="rect">
+            <a:avLst/>
+          </a:prstGeom>
+          <a:noFill/>
+        </p:spPr>
+        <p:txBody>
+          <a:bodyPr wrap="square" rtlCol="0">
+            <a:spAutoFit/>
+          </a:bodyPr>
+          <a:lstStyle/>
+          <a:p>
+            <a:pPr algn="ctr"/>
+            <a:r>
+              <a:rPr lang="en-US" sz="2400" dirty="0" smtClean="0"/>
+              <a:t>INFORMATION</a:t>
+            </a:r>
+          </a:p>
+          <a:p>
+            <a:pPr algn="ctr"/>
+            <a:r>
+              <a:rPr lang="en-US" dirty="0" smtClean="0"/>
+              <a:t>linked elements</a:t>
+            </a:r>
+            <a:endParaRPr lang="en-US" dirty="0"/>
+          </a:p>
+        </p:txBody>
+      </p:sp>
+      <p:sp>
+        <p:nvSpPr>
+          <p:cNvPr id="13" name="TextBox 12"/>
+          <p:cNvSpPr txBox="1"/>
+          <p:nvPr/>
+        </p:nvSpPr>
+        <p:spPr>
+          <a:xfrm>
+            <a:off x="2855166" y="2694363"/>
+            <a:ext cx="2379306" cy="738664"/>
+          </a:xfrm>
+          <a:prstGeom prst="rect">
+            <a:avLst/>
+          </a:prstGeom>
+          <a:noFill/>
+        </p:spPr>
+        <p:txBody>
+          <a:bodyPr wrap="square" rtlCol="0">
+            <a:spAutoFit/>
+          </a:bodyPr>
+          <a:lstStyle/>
+          <a:p>
+            <a:pPr algn="ctr"/>
+            <a:r>
+              <a:rPr lang="en-US" sz="2400" dirty="0" smtClean="0"/>
+              <a:t>KNOWLEDGE</a:t>
+            </a:r>
+          </a:p>
+          <a:p>
+            <a:pPr algn="ctr"/>
+            <a:r>
+              <a:rPr lang="en-US" dirty="0" smtClean="0"/>
+              <a:t>organized information</a:t>
+            </a:r>
+            <a:endParaRPr lang="en-US" dirty="0"/>
+          </a:p>
+        </p:txBody>
+      </p:sp>
+      <p:sp>
+        <p:nvSpPr>
+          <p:cNvPr id="14" name="TextBox 13"/>
+          <p:cNvSpPr txBox="1"/>
+          <p:nvPr/>
+        </p:nvSpPr>
+        <p:spPr>
+          <a:xfrm>
+            <a:off x="2855166" y="1873283"/>
+            <a:ext cx="2379306" cy="738664"/>
+          </a:xfrm>
+          <a:prstGeom prst="rect">
+            <a:avLst/>
+          </a:prstGeom>
+          <a:noFill/>
+        </p:spPr>
+        <p:txBody>
+          <a:bodyPr wrap="square" rtlCol="0">
+            <a:spAutoFit/>
+          </a:bodyPr>
+          <a:lstStyle/>
+          <a:p>
+            <a:pPr algn="ctr"/>
+            <a:r>
+              <a:rPr lang="en-US" sz="2400" dirty="0" smtClean="0"/>
+              <a:t>WISDOM</a:t>
+            </a:r>
+          </a:p>
+          <a:p>
+            <a:pPr algn="ctr"/>
+            <a:r>
+              <a:rPr lang="en-US" dirty="0" smtClean="0"/>
+              <a:t>applied knowledge</a:t>
+            </a:r>
+            <a:endParaRPr lang="en-US" dirty="0"/>
+          </a:p>
+        </p:txBody>
+      </p:sp>
+      <p:sp>
+        <p:nvSpPr>
+          <p:cNvPr id="15" name="Title 1"/>
+          <p:cNvSpPr>
+            <a:spLocks noGrp="1"/>
+          </p:cNvSpPr>
+          <p:nvPr>
+            <p:ph type="title"/>
+          </p:nvPr>
+        </p:nvSpPr>
+        <p:spPr>
+          <a:xfrm>
+            <a:off x="4406630" y="365127"/>
+            <a:ext cx="5987050" cy="1325563"/>
+          </a:xfrm>
+        </p:spPr>
+        <p:txBody>
+          <a:bodyPr/>
+          <a:lstStyle/>
+          <a:p>
+            <a:r>
+              <a:rPr lang="en-US" dirty="0" smtClean="0"/>
+              <a:t>Useful generalizations</a:t>
+            </a:r>
+            <a:endParaRPr lang="en-US" dirty="0"/>
+          </a:p>
+        </p:txBody>
+      </p:sp>
+    </p:spTree>
+  </p:cSld>
+  <p:clrMapOvr>
+    <a:masterClrMapping/>
+  </p:clrMapOvr>
+  <p:timing>
+    <p:tnLst>
+      <p:par>
+        <p:cTn id="1" dur="indefinite" restart="never" nodeType="tmRoot">
+          <p:childTnLst>
+            <p:seq concurrent="1" nextAc="seek">
+              <p:cTn id="2" dur="indefinite" nodeType="mainSeq">
+                <p:childTnLst>
+                  <p:par>
+                    <p:cTn id="3" fill="hold">
+                      <p:stCondLst>
+                        <p:cond delay="indefinite"/>
+                      </p:stCondLst>
+                      <p:childTnLst>
+                        <p:par>
+                          <p:cTn id="4" fill="hold">
+                            <p:stCondLst>
+                              <p:cond delay="0"/>
+                            </p:stCondLst>
+                            <p:childTnLst>
+                              <p:par>
+                                <p:cTn id="5" presetID="10" presetClass="entr" presetSubtype="0" fill="hold" grpId="0" nodeType="clickEffect">
+                                  <p:stCondLst>
+                                    <p:cond delay="0"/>
+                                  </p:stCondLst>
+                                  <p:childTnLst>
+                                    <p:set>
+                                      <p:cBhvr>
+                                        <p:cTn id="6" dur="1" fill="hold">
+                                          <p:stCondLst>
+                                            <p:cond delay="0"/>
+                                          </p:stCondLst>
+                                        </p:cTn>
+                                        <p:tgtEl>
+                                          <p:spTgt spid="3">
+                                            <p:txEl>
+                                              <p:pRg st="0" end="0"/>
+                                            </p:txEl>
+                                          </p:spTgt>
+                                        </p:tgtEl>
+                                        <p:attrNameLst>
+                                          <p:attrName>style.visibility</p:attrName>
+                                        </p:attrNameLst>
+                                      </p:cBhvr>
+                                      <p:to>
+                                        <p:strVal val="visible"/>
+                                      </p:to>
+                                    </p:set>
+                                    <p:animEffect transition="in" filter="fade">
+                                      <p:cBhvr>
+                                        <p:cTn id="7" dur="500"/>
+                                        <p:tgtEl>
+                                          <p:spTgt spid="3">
+                                            <p:txEl>
+                                              <p:pRg st="0" end="0"/>
+                                            </p:txEl>
+                                          </p:spTgt>
+                                        </p:tgtEl>
+                                      </p:cBhvr>
+                                    </p:animEffect>
+                                  </p:childTnLst>
+                                </p:cTn>
+                              </p:par>
+                              <p:par>
+                                <p:cTn id="8" presetID="10" presetClass="entr" presetSubtype="0" fill="hold" grpId="0" nodeType="withEffect">
+                                  <p:stCondLst>
+                                    <p:cond delay="0"/>
+                                  </p:stCondLst>
+                                  <p:childTnLst>
+                                    <p:set>
+                                      <p:cBhvr>
+                                        <p:cTn id="9" dur="1" fill="hold">
+                                          <p:stCondLst>
+                                            <p:cond delay="0"/>
+                                          </p:stCondLst>
+                                        </p:cTn>
+                                        <p:tgtEl>
+                                          <p:spTgt spid="3">
+                                            <p:txEl>
+                                              <p:pRg st="1" end="1"/>
+                                            </p:txEl>
+                                          </p:spTgt>
+                                        </p:tgtEl>
+                                        <p:attrNameLst>
+                                          <p:attrName>style.visibility</p:attrName>
+                                        </p:attrNameLst>
+                                      </p:cBhvr>
+                                      <p:to>
+                                        <p:strVal val="visible"/>
+                                      </p:to>
+                                    </p:set>
+                                    <p:animEffect transition="in" filter="fade">
+                                      <p:cBhvr>
+                                        <p:cTn id="10" dur="500"/>
+                                        <p:tgtEl>
+                                          <p:spTgt spid="3">
+                                            <p:txEl>
+                                              <p:pRg st="1" end="1"/>
+                                            </p:txEl>
+                                          </p:spTgt>
+                                        </p:tgtEl>
+                                      </p:cBhvr>
+                                    </p:animEffect>
+                                  </p:childTnLst>
+                                </p:cTn>
+                              </p:par>
+                              <p:par>
+                                <p:cTn id="11" presetID="10" presetClass="entr" presetSubtype="0" fill="hold" grpId="0" nodeType="withEffect">
+                                  <p:stCondLst>
+                                    <p:cond delay="0"/>
+                                  </p:stCondLst>
+                                  <p:childTnLst>
+                                    <p:set>
+                                      <p:cBhvr>
+                                        <p:cTn id="12" dur="1" fill="hold">
+                                          <p:stCondLst>
+                                            <p:cond delay="0"/>
+                                          </p:stCondLst>
+                                        </p:cTn>
+                                        <p:tgtEl>
+                                          <p:spTgt spid="3">
+                                            <p:txEl>
+                                              <p:pRg st="2" end="2"/>
+                                            </p:txEl>
+                                          </p:spTgt>
+                                        </p:tgtEl>
+                                        <p:attrNameLst>
+                                          <p:attrName>style.visibility</p:attrName>
+                                        </p:attrNameLst>
+                                      </p:cBhvr>
+                                      <p:to>
+                                        <p:strVal val="visible"/>
+                                      </p:to>
+                                    </p:set>
+                                    <p:animEffect transition="in" filter="fade">
+                                      <p:cBhvr>
+                                        <p:cTn id="13" dur="500"/>
+                                        <p:tgtEl>
+                                          <p:spTgt spid="3">
+                                            <p:txEl>
+                                              <p:pRg st="2" end="2"/>
+                                            </p:txEl>
+                                          </p:spTgt>
+                                        </p:tgtEl>
+                                      </p:cBhvr>
+                                    </p:animEffect>
+                                  </p:childTnLst>
+                                </p:cTn>
+                              </p:par>
+                              <p:par>
+                                <p:cTn id="14" presetID="10" presetClass="entr" presetSubtype="0" fill="hold" grpId="0" nodeType="withEffect">
+                                  <p:stCondLst>
+                                    <p:cond delay="0"/>
+                                  </p:stCondLst>
+                                  <p:childTnLst>
+                                    <p:set>
+                                      <p:cBhvr>
+                                        <p:cTn id="15" dur="1" fill="hold">
+                                          <p:stCondLst>
+                                            <p:cond delay="0"/>
+                                          </p:stCondLst>
+                                        </p:cTn>
+                                        <p:tgtEl>
+                                          <p:spTgt spid="3">
+                                            <p:txEl>
+                                              <p:pRg st="3" end="3"/>
+                                            </p:txEl>
+                                          </p:spTgt>
+                                        </p:tgtEl>
+                                        <p:attrNameLst>
+                                          <p:attrName>style.visibility</p:attrName>
+                                        </p:attrNameLst>
+                                      </p:cBhvr>
+                                      <p:to>
+                                        <p:strVal val="visible"/>
+                                      </p:to>
+                                    </p:set>
+                                    <p:animEffect transition="in" filter="fade">
+                                      <p:cBhvr>
+                                        <p:cTn id="16" dur="500"/>
+                                        <p:tgtEl>
+                                          <p:spTgt spid="3">
+                                            <p:txEl>
+                                              <p:pRg st="3" end="3"/>
+                                            </p:txEl>
+                                          </p:spTgt>
+                                        </p:tgtEl>
+                                      </p:cBhvr>
+                                    </p:animEffect>
+                                  </p:childTnLst>
+                                </p:cTn>
+                              </p:par>
+                              <p:par>
+                                <p:cTn id="17" presetID="10" presetClass="entr" presetSubtype="0" fill="hold" grpId="0" nodeType="withEffect">
+                                  <p:stCondLst>
+                                    <p:cond delay="0"/>
+                                  </p:stCondLst>
+                                  <p:childTnLst>
+                                    <p:set>
+                                      <p:cBhvr>
+                                        <p:cTn id="18" dur="1" fill="hold">
+                                          <p:stCondLst>
+                                            <p:cond delay="0"/>
+                                          </p:stCondLst>
+                                        </p:cTn>
+                                        <p:tgtEl>
+                                          <p:spTgt spid="3">
+                                            <p:txEl>
+                                              <p:pRg st="4" end="4"/>
+                                            </p:txEl>
+                                          </p:spTgt>
+                                        </p:tgtEl>
+                                        <p:attrNameLst>
+                                          <p:attrName>style.visibility</p:attrName>
+                                        </p:attrNameLst>
+                                      </p:cBhvr>
+                                      <p:to>
+                                        <p:strVal val="visible"/>
+                                      </p:to>
+                                    </p:set>
+                                    <p:animEffect transition="in" filter="fade">
+                                      <p:cBhvr>
+                                        <p:cTn id="19" dur="500"/>
+                                        <p:tgtEl>
+                                          <p:spTgt spid="3">
+                                            <p:txEl>
+                                              <p:pRg st="4" end="4"/>
+                                            </p:txEl>
+                                          </p:spTgt>
+                                        </p:tgtEl>
+                                      </p:cBhvr>
+                                    </p:animEffect>
+                                  </p:childTnLst>
+                                </p:cTn>
+                              </p:par>
+                              <p:par>
+                                <p:cTn id="20" presetID="10" presetClass="entr" presetSubtype="0" fill="hold" grpId="0" nodeType="withEffect">
+                                  <p:stCondLst>
+                                    <p:cond delay="0"/>
+                                  </p:stCondLst>
+                                  <p:childTnLst>
+                                    <p:set>
+                                      <p:cBhvr>
+                                        <p:cTn id="21" dur="1" fill="hold">
+                                          <p:stCondLst>
+                                            <p:cond delay="0"/>
+                                          </p:stCondLst>
+                                        </p:cTn>
+                                        <p:tgtEl>
+                                          <p:spTgt spid="3">
+                                            <p:txEl>
+                                              <p:pRg st="5" end="5"/>
+                                            </p:txEl>
+                                          </p:spTgt>
+                                        </p:tgtEl>
+                                        <p:attrNameLst>
+                                          <p:attrName>style.visibility</p:attrName>
+                                        </p:attrNameLst>
+                                      </p:cBhvr>
+                                      <p:to>
+                                        <p:strVal val="visible"/>
+                                      </p:to>
+                                    </p:set>
+                                    <p:animEffect transition="in" filter="fade">
+                                      <p:cBhvr>
+                                        <p:cTn id="22" dur="500"/>
+                                        <p:tgtEl>
+                                          <p:spTgt spid="3">
+                                            <p:txEl>
+                                              <p:pRg st="5" end="5"/>
+                                            </p:txEl>
+                                          </p:spTgt>
+                                        </p:tgtEl>
+                                      </p:cBhvr>
+                                    </p:animEffect>
+                                  </p:childTnLst>
+                                </p:cTn>
+                              </p:par>
+                              <p:par>
+                                <p:cTn id="23" presetID="10" presetClass="entr" presetSubtype="0" fill="hold" grpId="0" nodeType="withEffect">
+                                  <p:stCondLst>
+                                    <p:cond delay="0"/>
+                                  </p:stCondLst>
+                                  <p:childTnLst>
+                                    <p:set>
+                                      <p:cBhvr>
+                                        <p:cTn id="24" dur="1" fill="hold">
+                                          <p:stCondLst>
+                                            <p:cond delay="0"/>
+                                          </p:stCondLst>
+                                        </p:cTn>
+                                        <p:tgtEl>
+                                          <p:spTgt spid="3">
+                                            <p:txEl>
+                                              <p:pRg st="6" end="6"/>
+                                            </p:txEl>
+                                          </p:spTgt>
+                                        </p:tgtEl>
+                                        <p:attrNameLst>
+                                          <p:attrName>style.visibility</p:attrName>
+                                        </p:attrNameLst>
+                                      </p:cBhvr>
+                                      <p:to>
+                                        <p:strVal val="visible"/>
+                                      </p:to>
+                                    </p:set>
+                                    <p:animEffect transition="in" filter="fade">
+                                      <p:cBhvr>
+                                        <p:cTn id="25" dur="500"/>
+                                        <p:tgtEl>
+                                          <p:spTgt spid="3">
+                                            <p:txEl>
+                                              <p:pRg st="6" end="6"/>
+                                            </p:txEl>
+                                          </p:spTgt>
+                                        </p:tgtEl>
+                                      </p:cBhvr>
+                                    </p:animEffect>
+                                  </p:childTnLst>
+                                </p:cTn>
+                              </p:par>
+                              <p:par>
+                                <p:cTn id="26" presetID="10" presetClass="entr" presetSubtype="0" fill="hold" grpId="0" nodeType="withEffect">
+                                  <p:stCondLst>
+                                    <p:cond delay="0"/>
+                                  </p:stCondLst>
+                                  <p:childTnLst>
+                                    <p:set>
+                                      <p:cBhvr>
+                                        <p:cTn id="27" dur="1" fill="hold">
+                                          <p:stCondLst>
+                                            <p:cond delay="0"/>
+                                          </p:stCondLst>
+                                        </p:cTn>
+                                        <p:tgtEl>
+                                          <p:spTgt spid="3">
+                                            <p:txEl>
+                                              <p:pRg st="7" end="7"/>
+                                            </p:txEl>
+                                          </p:spTgt>
+                                        </p:tgtEl>
+                                        <p:attrNameLst>
+                                          <p:attrName>style.visibility</p:attrName>
+                                        </p:attrNameLst>
+                                      </p:cBhvr>
+                                      <p:to>
+                                        <p:strVal val="visible"/>
+                                      </p:to>
+                                    </p:set>
+                                    <p:animEffect transition="in" filter="fade">
+                                      <p:cBhvr>
+                                        <p:cTn id="28" dur="500"/>
+                                        <p:tgtEl>
+                                          <p:spTgt spid="3">
+                                            <p:txEl>
+                                              <p:pRg st="7" end="7"/>
+                                            </p:txEl>
+                                          </p:spTgt>
+                                        </p:tgtEl>
+                                      </p:cBhvr>
+                                    </p:animEffect>
+                                  </p:childTnLst>
+                                </p:cTn>
+                              </p:par>
+                            </p:childTnLst>
+                          </p:cTn>
+                        </p:par>
+                      </p:childTnLst>
+                    </p:cTn>
+                  </p:par>
+                </p:childTnLst>
+              </p:cTn>
+              <p:prevCondLst>
+                <p:cond evt="onPrev" delay="0">
+                  <p:tgtEl>
+                    <p:sldTgt/>
+                  </p:tgtEl>
+                </p:cond>
+              </p:prevCondLst>
+              <p:nextCondLst>
+                <p:cond evt="onNext" delay="0">
+                  <p:tgtEl>
+                    <p:sldTgt/>
+                  </p:tgtEl>
+                </p:cond>
+              </p:nextCondLst>
+            </p:seq>
+          </p:childTnLst>
+        </p:cTn>
+      </p:par>
+    </p:tnLst>
+    <p:bldLst>
+      <p:bldP spid="3" grpId="0" uiExpand="1" build="p"/>
+    </p:bldLst>
+  </p:timing>
+</p:sld>
+</file>
+
+<file path=ppt/slides/slide13.xml><?xml version="1.0" encoding="utf-8"?>
+<p:sld xmlns:a="http://schemas.openxmlformats.org/drawingml/2006/main" xmlns:r="http://schemas.openxmlformats.org/officeDocument/2006/relationships" xmlns:p="http://schemas.openxmlformats.org/presentationml/2006/main">
+  <p:cSld>
+    <p:spTree>
+      <p:nvGrpSpPr>
+        <p:cNvPr id="1" name=""/>
+        <p:cNvGrpSpPr/>
+        <p:nvPr/>
+      </p:nvGrpSpPr>
+      <p:grpSpPr>
+        <a:xfrm>
+          <a:off x="0" y="0"/>
+          <a:ext cx="0" cy="0"/>
+          <a:chOff x="0" y="0"/>
+          <a:chExt cx="0" cy="0"/>
+        </a:xfrm>
+      </p:grpSpPr>
+      <p:sp>
+        <p:nvSpPr>
+          <p:cNvPr id="2" name="Title 1"/>
+          <p:cNvSpPr>
+            <a:spLocks noGrp="1"/>
+          </p:cNvSpPr>
+          <p:nvPr>
+            <p:ph type="title"/>
+          </p:nvPr>
+        </p:nvSpPr>
+        <p:spPr/>
+        <p:txBody>
+          <a:bodyPr/>
+          <a:lstStyle/>
+          <a:p>
+            <a:r>
+              <a:rPr lang="en-US" dirty="0" smtClean="0"/>
+              <a:t>Another Way of Seeing</a:t>
+            </a:r>
+            <a:endParaRPr lang="en-US" dirty="0"/>
+          </a:p>
+        </p:txBody>
+      </p:sp>
+      <p:sp>
+        <p:nvSpPr>
+          <p:cNvPr id="3" name="Content Placeholder 2"/>
+          <p:cNvSpPr>
+            <a:spLocks noGrp="1"/>
+          </p:cNvSpPr>
+          <p:nvPr>
+            <p:ph sz="half" idx="1"/>
+          </p:nvPr>
+        </p:nvSpPr>
+        <p:spPr/>
+        <p:txBody>
+          <a:bodyPr/>
+          <a:lstStyle/>
+          <a:p>
+            <a:endParaRPr lang="en-US"/>
+          </a:p>
+        </p:txBody>
+      </p:sp>
+      <p:sp>
+        <p:nvSpPr>
+          <p:cNvPr id="4" name="Content Placeholder 3"/>
+          <p:cNvSpPr>
+            <a:spLocks noGrp="1"/>
+          </p:cNvSpPr>
+          <p:nvPr>
+            <p:ph sz="half" idx="2"/>
+          </p:nvPr>
+        </p:nvSpPr>
+        <p:spPr/>
+        <p:txBody>
+          <a:bodyPr/>
+          <a:lstStyle/>
+          <a:p>
+            <a:endParaRPr lang="en-US"/>
+          </a:p>
+        </p:txBody>
+      </p:sp>
+    </p:spTree>
+  </p:cSld>
+  <p:clrMapOvr>
+    <a:masterClrMapping/>
+  </p:clrMapOvr>
+  <p:timing>
+    <p:tnLst>
+      <p:par>
+        <p:cTn id="1" dur="indefinite" restart="never" nodeType="tmRoot"/>
+      </p:par>
+    </p:tnLst>
+  </p:timing>
+</p:sld>
+</file>
+
+<file path=ppt/slides/slide14.xml><?xml version="1.0" encoding="utf-8"?>
+<p:sld xmlns:a="http://schemas.openxmlformats.org/drawingml/2006/main" xmlns:r="http://schemas.openxmlformats.org/officeDocument/2006/relationships" xmlns:p="http://schemas.openxmlformats.org/presentationml/2006/main">
+  <p:cSld>
+    <p:spTree>
+      <p:nvGrpSpPr>
+        <p:cNvPr id="1" name=""/>
+        <p:cNvGrpSpPr/>
+        <p:nvPr/>
+      </p:nvGrpSpPr>
+      <p:grpSpPr>
+        <a:xfrm>
+          <a:off x="0" y="0"/>
+          <a:ext cx="0" cy="0"/>
+          <a:chOff x="0" y="0"/>
+          <a:chExt cx="0" cy="0"/>
+        </a:xfrm>
+      </p:grpSpPr>
+      <p:sp>
+        <p:nvSpPr>
           <p:cNvPr id="5" name="Title 4"/>
           <p:cNvSpPr>
             <a:spLocks noGrp="1"/>
@@ -5929,7 +8837,7 @@
     </p:spTree>
     <p:extLst>
       <p:ext uri="{BB962C8B-B14F-4D97-AF65-F5344CB8AC3E}">
-        <p14:creationId xmlns:p14="http://schemas.microsoft.com/office/powerpoint/2010/main" val="2733525432"/>
+        <p14:creationId xmlns:p14="http://schemas.microsoft.com/office/powerpoint/2010/main" xmlns="" val="2733525432"/>
       </p:ext>
     </p:extLst>
   </p:cSld>
@@ -6220,7 +9128,7 @@
 </p:sld>
 </file>
 
-<file path=ppt/slides/slide12.xml><?xml version="1.0" encoding="utf-8"?>
+<file path=ppt/slides/slide15.xml><?xml version="1.0" encoding="utf-8"?>
 <p:sld xmlns:a="http://schemas.openxmlformats.org/drawingml/2006/main" xmlns:r="http://schemas.openxmlformats.org/officeDocument/2006/relationships" xmlns:p="http://schemas.openxmlformats.org/presentationml/2006/main">
   <p:cSld>
     <p:spTree>
@@ -6319,7 +9227,7 @@
     </p:spTree>
     <p:extLst>
       <p:ext uri="{BB962C8B-B14F-4D97-AF65-F5344CB8AC3E}">
-        <p14:creationId xmlns:p14="http://schemas.microsoft.com/office/powerpoint/2010/main" val="2733525432"/>
+        <p14:creationId xmlns:p14="http://schemas.microsoft.com/office/powerpoint/2010/main" xmlns="" val="2733525432"/>
       </p:ext>
     </p:extLst>
   </p:cSld>
@@ -6506,7 +9414,7 @@
 </p:sld>
 </file>
 
-<file path=ppt/slides/slide13.xml><?xml version="1.0" encoding="utf-8"?>
+<file path=ppt/slides/slide16.xml><?xml version="1.0" encoding="utf-8"?>
 <p:sld xmlns:a="http://schemas.openxmlformats.org/drawingml/2006/main" xmlns:r="http://schemas.openxmlformats.org/officeDocument/2006/relationships" xmlns:p="http://schemas.openxmlformats.org/presentationml/2006/main">
   <p:cSld>
     <p:spTree>
@@ -6608,7 +9516,7 @@
     </p:spTree>
     <p:extLst>
       <p:ext uri="{BB962C8B-B14F-4D97-AF65-F5344CB8AC3E}">
-        <p14:creationId xmlns:p14="http://schemas.microsoft.com/office/powerpoint/2010/main" val="2733525432"/>
+        <p14:creationId xmlns:p14="http://schemas.microsoft.com/office/powerpoint/2010/main" xmlns="" val="2733525432"/>
       </p:ext>
     </p:extLst>
   </p:cSld>
@@ -6838,7 +9746,7 @@
 </p:sld>
 </file>
 
-<file path=ppt/slides/slide14.xml><?xml version="1.0" encoding="utf-8"?>
+<file path=ppt/slides/slide17.xml><?xml version="1.0" encoding="utf-8"?>
 <p:sld xmlns:a="http://schemas.openxmlformats.org/drawingml/2006/main" xmlns:r="http://schemas.openxmlformats.org/officeDocument/2006/relationships" xmlns:p="http://schemas.openxmlformats.org/presentationml/2006/main">
   <p:cSld>
     <p:spTree>
@@ -6940,7 +9848,7 @@
     </p:spTree>
     <p:extLst>
       <p:ext uri="{BB962C8B-B14F-4D97-AF65-F5344CB8AC3E}">
-        <p14:creationId xmlns:p14="http://schemas.microsoft.com/office/powerpoint/2010/main" val="2733525432"/>
+        <p14:creationId xmlns:p14="http://schemas.microsoft.com/office/powerpoint/2010/main" xmlns="" val="2733525432"/>
       </p:ext>
     </p:extLst>
   </p:cSld>
@@ -7170,7 +10078,7 @@
 </p:sld>
 </file>
 
-<file path=ppt/slides/slide15.xml><?xml version="1.0" encoding="utf-8"?>
+<file path=ppt/slides/slide18.xml><?xml version="1.0" encoding="utf-8"?>
 <p:sld xmlns:a="http://schemas.openxmlformats.org/drawingml/2006/main" xmlns:r="http://schemas.openxmlformats.org/officeDocument/2006/relationships" xmlns:p="http://schemas.openxmlformats.org/presentationml/2006/main">
   <p:cSld>
     <p:spTree>
@@ -7275,7 +10183,7 @@
     </p:spTree>
     <p:extLst>
       <p:ext uri="{BB962C8B-B14F-4D97-AF65-F5344CB8AC3E}">
-        <p14:creationId xmlns:p14="http://schemas.microsoft.com/office/powerpoint/2010/main" val="2733525432"/>
+        <p14:creationId xmlns:p14="http://schemas.microsoft.com/office/powerpoint/2010/main" xmlns="" val="2733525432"/>
       </p:ext>
     </p:extLst>
   </p:cSld>
@@ -7523,7 +10431,7 @@
 </p:sld>
 </file>
 
-<file path=ppt/slides/slide16.xml><?xml version="1.0" encoding="utf-8"?>
+<file path=ppt/slides/slide19.xml><?xml version="1.0" encoding="utf-8"?>
 <p:sld xmlns:a="http://schemas.openxmlformats.org/drawingml/2006/main" xmlns:r="http://schemas.openxmlformats.org/officeDocument/2006/relationships" xmlns:p="http://schemas.openxmlformats.org/presentationml/2006/main">
   <p:cSld>
     <p:spTree>
@@ -9964,7 +12872,91 @@
 </p:sld>
 </file>
 
-<file path=ppt/slides/slide17.xml><?xml version="1.0" encoding="utf-8"?>
+<file path=ppt/slides/slide2.xml><?xml version="1.0" encoding="utf-8"?>
+<p:sld xmlns:a="http://schemas.openxmlformats.org/drawingml/2006/main" xmlns:r="http://schemas.openxmlformats.org/officeDocument/2006/relationships" xmlns:p="http://schemas.openxmlformats.org/presentationml/2006/main">
+  <p:cSld>
+    <p:spTree>
+      <p:nvGrpSpPr>
+        <p:cNvPr id="1" name=""/>
+        <p:cNvGrpSpPr/>
+        <p:nvPr/>
+      </p:nvGrpSpPr>
+      <p:grpSpPr>
+        <a:xfrm>
+          <a:off x="0" y="0"/>
+          <a:ext cx="0" cy="0"/>
+          <a:chOff x="0" y="0"/>
+          <a:chExt cx="0" cy="0"/>
+        </a:xfrm>
+      </p:grpSpPr>
+      <p:sp>
+        <p:nvSpPr>
+          <p:cNvPr id="2" name="Title 1"/>
+          <p:cNvSpPr>
+            <a:spLocks noGrp="1"/>
+          </p:cNvSpPr>
+          <p:nvPr>
+            <p:ph type="title"/>
+          </p:nvPr>
+        </p:nvSpPr>
+        <p:spPr/>
+        <p:txBody>
+          <a:bodyPr/>
+          <a:lstStyle/>
+          <a:p>
+            <a:r>
+              <a:rPr lang="en-US" dirty="0" smtClean="0"/>
+              <a:t>Class Outline</a:t>
+            </a:r>
+            <a:endParaRPr lang="en-US" dirty="0"/>
+          </a:p>
+        </p:txBody>
+      </p:sp>
+      <p:sp>
+        <p:nvSpPr>
+          <p:cNvPr id="3" name="Content Placeholder 2"/>
+          <p:cNvSpPr>
+            <a:spLocks noGrp="1"/>
+          </p:cNvSpPr>
+          <p:nvPr>
+            <p:ph idx="1"/>
+          </p:nvPr>
+        </p:nvSpPr>
+        <p:spPr>
+          <a:xfrm>
+            <a:off x="4196862" y="2719753"/>
+            <a:ext cx="4572000" cy="3457209"/>
+          </a:xfrm>
+        </p:spPr>
+        <p:txBody>
+          <a:bodyPr/>
+          <a:lstStyle/>
+          <a:p>
+            <a:r>
+              <a:rPr lang="en-US" dirty="0" smtClean="0"/>
+              <a:t>Categorizing  Data</a:t>
+            </a:r>
+          </a:p>
+          <a:p>
+            <a:r>
+              <a:rPr lang="en-US" dirty="0" smtClean="0"/>
+              <a:t>Data in the Research Lifecycle</a:t>
+            </a:r>
+          </a:p>
+          <a:p>
+            <a:endParaRPr lang="en-US" dirty="0"/>
+          </a:p>
+        </p:txBody>
+      </p:sp>
+    </p:spTree>
+  </p:cSld>
+  <p:clrMapOvr>
+    <a:masterClrMapping/>
+  </p:clrMapOvr>
+</p:sld>
+</file>
+
+<file path=ppt/slides/slide20.xml><?xml version="1.0" encoding="utf-8"?>
 <p:sld xmlns:a="http://schemas.openxmlformats.org/drawingml/2006/main" xmlns:r="http://schemas.openxmlformats.org/officeDocument/2006/relationships" xmlns:p="http://schemas.openxmlformats.org/presentationml/2006/main">
   <p:cSld>
     <p:spTree>
@@ -12310,7 +15302,7 @@
 </p:sld>
 </file>
 
-<file path=ppt/slides/slide18.xml><?xml version="1.0" encoding="utf-8"?>
+<file path=ppt/slides/slide21.xml><?xml version="1.0" encoding="utf-8"?>
 <p:sld xmlns:a="http://schemas.openxmlformats.org/drawingml/2006/main" xmlns:r="http://schemas.openxmlformats.org/officeDocument/2006/relationships" xmlns:p="http://schemas.openxmlformats.org/presentationml/2006/main">
   <p:cSld>
     <p:spTree>
@@ -12453,7 +15445,7 @@
 </p:sld>
 </file>
 
-<file path=ppt/slides/slide19.xml><?xml version="1.0" encoding="utf-8"?>
+<file path=ppt/slides/slide22.xml><?xml version="1.0" encoding="utf-8"?>
 <p:sld xmlns:a="http://schemas.openxmlformats.org/drawingml/2006/main" xmlns:r="http://schemas.openxmlformats.org/officeDocument/2006/relationships" xmlns:p="http://schemas.openxmlformats.org/presentationml/2006/main">
   <p:cSld>
     <p:spTree>
@@ -12833,7 +15825,7 @@
     </p:spTree>
     <p:extLst>
       <p:ext uri="{BB962C8B-B14F-4D97-AF65-F5344CB8AC3E}">
-        <p14:creationId xmlns:p14="http://schemas.microsoft.com/office/powerpoint/2010/main" val="2596930147"/>
+        <p14:creationId xmlns:p14="http://schemas.microsoft.com/office/powerpoint/2010/main" xmlns="" val="2596930147"/>
       </p:ext>
     </p:extLst>
   </p:cSld>
@@ -12850,7 +15842,7 @@
 </p:sld>
 </file>
 
-<file path=ppt/slides/slide2.xml><?xml version="1.0" encoding="utf-8"?>
+<file path=ppt/slides/slide23.xml><?xml version="1.0" encoding="utf-8"?>
 <p:sld xmlns:a="http://schemas.openxmlformats.org/drawingml/2006/main" xmlns:r="http://schemas.openxmlformats.org/officeDocument/2006/relationships" xmlns:p="http://schemas.openxmlformats.org/presentationml/2006/main">
   <p:cSld>
     <p:spTree>
@@ -12880,7 +15872,7 @@
         <p:spPr>
           <a:xfrm>
             <a:off x="838200" y="365127"/>
-            <a:ext cx="9555480" cy="1325563"/>
+            <a:ext cx="10515600" cy="660485"/>
           </a:xfrm>
         </p:spPr>
         <p:txBody>
@@ -12889,9 +15881,158 @@
           <a:p>
             <a:r>
               <a:rPr lang="en-US" dirty="0" smtClean="0"/>
-              <a:t>On Data</a:t>
+              <a:t>File Formats</a:t>
             </a:r>
             <a:endParaRPr lang="en-US" dirty="0"/>
+          </a:p>
+        </p:txBody>
+      </p:sp>
+      <p:sp>
+        <p:nvSpPr>
+          <p:cNvPr id="5" name="Rectangle 4"/>
+          <p:cNvSpPr/>
+          <p:nvPr/>
+        </p:nvSpPr>
+        <p:spPr>
+          <a:xfrm>
+            <a:off x="5502877" y="6469791"/>
+            <a:ext cx="6507892" cy="276999"/>
+          </a:xfrm>
+          <a:prstGeom prst="rect">
+            <a:avLst/>
+          </a:prstGeom>
+        </p:spPr>
+        <p:txBody>
+          <a:bodyPr wrap="square">
+            <a:spAutoFit/>
+          </a:bodyPr>
+          <a:lstStyle/>
+          <a:p>
+            <a:r>
+              <a:rPr lang="en-US" sz="1200" dirty="0">
+                <a:solidFill>
+                  <a:schemeClr val="tx1">
+                    <a:lumMod val="65000"/>
+                    <a:lumOff val="35000"/>
+                  </a:schemeClr>
+                </a:solidFill>
+              </a:rPr>
+              <a:t>http://</a:t>
+            </a:r>
+            <a:r>
+              <a:rPr lang="en-US" sz="1200" dirty="0" smtClean="0">
+                <a:solidFill>
+                  <a:schemeClr val="tx1">
+                    <a:lumMod val="65000"/>
+                    <a:lumOff val="35000"/>
+                  </a:schemeClr>
+                </a:solidFill>
+              </a:rPr>
+              <a:t>en.wikipedia.org/wiki/List_of_file_formats - accessed Jan 30 2015</a:t>
+            </a:r>
+            <a:endParaRPr lang="en-US" sz="1200" dirty="0">
+              <a:solidFill>
+                <a:schemeClr val="tx1">
+                  <a:lumMod val="65000"/>
+                  <a:lumOff val="35000"/>
+                </a:schemeClr>
+              </a:solidFill>
+            </a:endParaRPr>
+          </a:p>
+        </p:txBody>
+      </p:sp>
+      <p:pic>
+        <p:nvPicPr>
+          <p:cNvPr id="6" name="Picture 5" descr="formats.jpg"/>
+          <p:cNvPicPr>
+            <a:picLocks noChangeAspect="1"/>
+          </p:cNvPicPr>
+          <p:nvPr/>
+        </p:nvPicPr>
+        <p:blipFill>
+          <a:blip r:embed="rId3" cstate="print">
+            <a:extLst>
+              <a:ext uri="{28A0092B-C50C-407E-A947-70E740481C1C}">
+                <a14:useLocalDpi xmlns:a14="http://schemas.microsoft.com/office/drawing/2010/main" xmlns="" val="0"/>
+              </a:ext>
+            </a:extLst>
+          </a:blip>
+          <a:stretch>
+            <a:fillRect/>
+          </a:stretch>
+        </p:blipFill>
+        <p:spPr>
+          <a:xfrm>
+            <a:off x="415635" y="1306512"/>
+            <a:ext cx="11545455" cy="4651705"/>
+          </a:xfrm>
+          <a:prstGeom prst="rect">
+            <a:avLst/>
+          </a:prstGeom>
+        </p:spPr>
+      </p:pic>
+    </p:spTree>
+    <p:extLst>
+      <p:ext uri="{BB962C8B-B14F-4D97-AF65-F5344CB8AC3E}">
+        <p14:creationId xmlns:p14="http://schemas.microsoft.com/office/powerpoint/2010/main" xmlns="" val="3920839538"/>
+      </p:ext>
+    </p:extLst>
+  </p:cSld>
+  <p:clrMapOvr>
+    <a:masterClrMapping/>
+  </p:clrMapOvr>
+  <p:timing>
+    <p:tnLst>
+      <p:par>
+        <p:cTn id="1" dur="indefinite" restart="never" nodeType="tmRoot"/>
+      </p:par>
+    </p:tnLst>
+  </p:timing>
+</p:sld>
+</file>
+
+<file path=ppt/slides/slide24.xml><?xml version="1.0" encoding="utf-8"?>
+<p:sld xmlns:a="http://schemas.openxmlformats.org/drawingml/2006/main" xmlns:r="http://schemas.openxmlformats.org/officeDocument/2006/relationships" xmlns:p="http://schemas.openxmlformats.org/presentationml/2006/main">
+  <p:cSld>
+    <p:spTree>
+      <p:nvGrpSpPr>
+        <p:cNvPr id="1" name=""/>
+        <p:cNvGrpSpPr/>
+        <p:nvPr/>
+      </p:nvGrpSpPr>
+      <p:grpSpPr>
+        <a:xfrm>
+          <a:off x="0" y="0"/>
+          <a:ext cx="0" cy="0"/>
+          <a:chOff x="0" y="0"/>
+          <a:chExt cx="0" cy="0"/>
+        </a:xfrm>
+      </p:grpSpPr>
+      <p:sp>
+        <p:nvSpPr>
+          <p:cNvPr id="2" name="Title 1"/>
+          <p:cNvSpPr>
+            <a:spLocks noGrp="1"/>
+          </p:cNvSpPr>
+          <p:nvPr>
+            <p:ph type="title"/>
+          </p:nvPr>
+        </p:nvSpPr>
+        <p:spPr/>
+        <p:txBody>
+          <a:bodyPr>
+            <a:normAutofit/>
+          </a:bodyPr>
+          <a:lstStyle/>
+          <a:p>
+            <a:r>
+              <a:rPr lang="en-US" dirty="0" smtClean="0"/>
+              <a:t>Readings for Wednesday</a:t>
+            </a:r>
+            <a:br>
+              <a:rPr lang="en-US" dirty="0" smtClean="0"/>
+            </a:br>
+            <a:endParaRPr lang="en-US" sz="1800" dirty="0"/>
           </a:p>
         </p:txBody>
       </p:sp>
@@ -12905,6 +16046,122 @@
             <p:ph idx="1"/>
           </p:nvPr>
         </p:nvSpPr>
+        <p:spPr/>
+        <p:txBody>
+          <a:bodyPr/>
+          <a:lstStyle/>
+          <a:p>
+            <a:endParaRPr lang="en-US" dirty="0"/>
+          </a:p>
+          <a:p>
+            <a:r>
+              <a:rPr lang="en-US" dirty="0"/>
+              <a:t>UK Data Archive (2015). Create and Manage Data: formatting Your Data: File Formats and Software. </a:t>
+            </a:r>
+            <a:r>
+              <a:rPr lang="en-US" i="1" dirty="0">
+                <a:hlinkClick r:id="rId2"/>
+              </a:rPr>
+              <a:t>http://www.data-archive.ac.uk/create-manage/format/formats</a:t>
+            </a:r>
+            <a:r>
+              <a:rPr lang="en-US" dirty="0"/>
+              <a:t>. (follow “Recommended File Formats” link as well).</a:t>
+            </a:r>
+          </a:p>
+          <a:p>
+            <a:r>
+              <a:rPr lang="en-US" dirty="0"/>
+              <a:t>Library of Congress (2015). Recommended Formats Statement 2015-2016. </a:t>
+            </a:r>
+            <a:r>
+              <a:rPr lang="en-US" i="1" dirty="0">
+                <a:hlinkClick r:id="rId3"/>
+              </a:rPr>
+              <a:t>https://www.loc.gov/preservation/resources/rfs/RFS%202015-2016.pdf</a:t>
+            </a:r>
+            <a:r>
+              <a:rPr lang="en-US" dirty="0"/>
+              <a:t>.</a:t>
+            </a:r>
+          </a:p>
+        </p:txBody>
+      </p:sp>
+    </p:spTree>
+    <p:extLst>
+      <p:ext uri="{BB962C8B-B14F-4D97-AF65-F5344CB8AC3E}">
+        <p14:creationId xmlns:p14="http://schemas.microsoft.com/office/powerpoint/2010/main" xmlns="" val="2920495728"/>
+      </p:ext>
+    </p:extLst>
+  </p:cSld>
+  <p:clrMapOvr>
+    <a:masterClrMapping/>
+  </p:clrMapOvr>
+  <p:timing>
+    <p:tnLst>
+      <p:par>
+        <p:cTn id="1" dur="indefinite" restart="never" nodeType="tmRoot"/>
+      </p:par>
+    </p:tnLst>
+  </p:timing>
+</p:sld>
+</file>
+
+<file path=ppt/slides/slide3.xml><?xml version="1.0" encoding="utf-8"?>
+<p:sld xmlns:a="http://schemas.openxmlformats.org/drawingml/2006/main" xmlns:r="http://schemas.openxmlformats.org/officeDocument/2006/relationships" xmlns:p="http://schemas.openxmlformats.org/presentationml/2006/main">
+  <p:cSld>
+    <p:spTree>
+      <p:nvGrpSpPr>
+        <p:cNvPr id="1" name=""/>
+        <p:cNvGrpSpPr/>
+        <p:nvPr/>
+      </p:nvGrpSpPr>
+      <p:grpSpPr>
+        <a:xfrm>
+          <a:off x="0" y="0"/>
+          <a:ext cx="0" cy="0"/>
+          <a:chOff x="0" y="0"/>
+          <a:chExt cx="0" cy="0"/>
+        </a:xfrm>
+      </p:grpSpPr>
+      <p:sp>
+        <p:nvSpPr>
+          <p:cNvPr id="2" name="Title 1"/>
+          <p:cNvSpPr>
+            <a:spLocks noGrp="1"/>
+          </p:cNvSpPr>
+          <p:nvPr>
+            <p:ph type="title"/>
+          </p:nvPr>
+        </p:nvSpPr>
+        <p:spPr>
+          <a:xfrm>
+            <a:off x="838200" y="147417"/>
+            <a:ext cx="7783286" cy="1325563"/>
+          </a:xfrm>
+        </p:spPr>
+        <p:txBody>
+          <a:bodyPr/>
+          <a:lstStyle/>
+          <a:p>
+            <a:r>
+              <a:rPr lang="en-US" dirty="0" smtClean="0"/>
+              <a:t>On Data</a:t>
+            </a:r>
+            <a:endParaRPr lang="en-US" dirty="0"/>
+          </a:p>
+        </p:txBody>
+      </p:sp>
+      <p:sp>
+        <p:nvSpPr>
+          <p:cNvPr id="3" name="Content Placeholder 2"/>
+          <p:cNvSpPr>
+            <a:spLocks noGrp="1"/>
+          </p:cNvSpPr>
+          <p:nvPr>
+            <p:ph idx="1"/>
+          </p:nvPr>
+        </p:nvSpPr>
         <p:spPr>
           <a:xfrm>
             <a:off x="921327" y="1662141"/>
@@ -12936,7 +16193,7 @@
         </p:nvSpPr>
         <p:spPr>
           <a:xfrm>
-            <a:off x="2798619" y="2147052"/>
+            <a:off x="2798619" y="2059968"/>
             <a:ext cx="3816927" cy="993773"/>
           </a:xfrm>
           <a:prstGeom prst="rect">
@@ -13523,7 +16780,7 @@
 </p:sld>
 </file>
 
-<file path=ppt/slides/slide20.xml><?xml version="1.0" encoding="utf-8"?>
+<file path=ppt/slides/slide4.xml><?xml version="1.0" encoding="utf-8"?>
 <p:sld xmlns:a="http://schemas.openxmlformats.org/drawingml/2006/main" xmlns:r="http://schemas.openxmlformats.org/officeDocument/2006/relationships" xmlns:p="http://schemas.openxmlformats.org/presentationml/2006/main">
   <p:cSld>
     <p:spTree>
@@ -13550,271 +16807,6 @@
             <p:ph type="title"/>
           </p:nvPr>
         </p:nvSpPr>
-        <p:spPr>
-          <a:xfrm>
-            <a:off x="838200" y="365127"/>
-            <a:ext cx="10515600" cy="660485"/>
-          </a:xfrm>
-        </p:spPr>
-        <p:txBody>
-          <a:bodyPr/>
-          <a:lstStyle/>
-          <a:p>
-            <a:r>
-              <a:rPr lang="en-US" dirty="0" smtClean="0"/>
-              <a:t>File Formats</a:t>
-            </a:r>
-            <a:endParaRPr lang="en-US" dirty="0"/>
-          </a:p>
-        </p:txBody>
-      </p:sp>
-      <p:sp>
-        <p:nvSpPr>
-          <p:cNvPr id="5" name="Rectangle 4"/>
-          <p:cNvSpPr/>
-          <p:nvPr/>
-        </p:nvSpPr>
-        <p:spPr>
-          <a:xfrm>
-            <a:off x="5502877" y="6469791"/>
-            <a:ext cx="6507892" cy="276999"/>
-          </a:xfrm>
-          <a:prstGeom prst="rect">
-            <a:avLst/>
-          </a:prstGeom>
-        </p:spPr>
-        <p:txBody>
-          <a:bodyPr wrap="square">
-            <a:spAutoFit/>
-          </a:bodyPr>
-          <a:lstStyle/>
-          <a:p>
-            <a:r>
-              <a:rPr lang="en-US" sz="1200" dirty="0">
-                <a:solidFill>
-                  <a:schemeClr val="tx1">
-                    <a:lumMod val="65000"/>
-                    <a:lumOff val="35000"/>
-                  </a:schemeClr>
-                </a:solidFill>
-              </a:rPr>
-              <a:t>http://</a:t>
-            </a:r>
-            <a:r>
-              <a:rPr lang="en-US" sz="1200" dirty="0" smtClean="0">
-                <a:solidFill>
-                  <a:schemeClr val="tx1">
-                    <a:lumMod val="65000"/>
-                    <a:lumOff val="35000"/>
-                  </a:schemeClr>
-                </a:solidFill>
-              </a:rPr>
-              <a:t>en.wikipedia.org/wiki/List_of_file_formats - accessed Jan 30 2015</a:t>
-            </a:r>
-            <a:endParaRPr lang="en-US" sz="1200" dirty="0">
-              <a:solidFill>
-                <a:schemeClr val="tx1">
-                  <a:lumMod val="65000"/>
-                  <a:lumOff val="35000"/>
-                </a:schemeClr>
-              </a:solidFill>
-            </a:endParaRPr>
-          </a:p>
-        </p:txBody>
-      </p:sp>
-      <p:pic>
-        <p:nvPicPr>
-          <p:cNvPr id="6" name="Picture 5" descr="formats.jpg"/>
-          <p:cNvPicPr>
-            <a:picLocks noChangeAspect="1"/>
-          </p:cNvPicPr>
-          <p:nvPr/>
-        </p:nvPicPr>
-        <p:blipFill>
-          <a:blip r:embed="rId3" cstate="print">
-            <a:extLst>
-              <a:ext uri="{28A0092B-C50C-407E-A947-70E740481C1C}">
-                <a14:useLocalDpi xmlns:a14="http://schemas.microsoft.com/office/drawing/2010/main" val="0"/>
-              </a:ext>
-            </a:extLst>
-          </a:blip>
-          <a:stretch>
-            <a:fillRect/>
-          </a:stretch>
-        </p:blipFill>
-        <p:spPr>
-          <a:xfrm>
-            <a:off x="415635" y="1306512"/>
-            <a:ext cx="11545455" cy="4651705"/>
-          </a:xfrm>
-          <a:prstGeom prst="rect">
-            <a:avLst/>
-          </a:prstGeom>
-        </p:spPr>
-      </p:pic>
-    </p:spTree>
-    <p:extLst>
-      <p:ext uri="{BB962C8B-B14F-4D97-AF65-F5344CB8AC3E}">
-        <p14:creationId xmlns:p14="http://schemas.microsoft.com/office/powerpoint/2010/main" val="3920839538"/>
-      </p:ext>
-    </p:extLst>
-  </p:cSld>
-  <p:clrMapOvr>
-    <a:masterClrMapping/>
-  </p:clrMapOvr>
-  <p:timing>
-    <p:tnLst>
-      <p:par>
-        <p:cTn id="1" dur="indefinite" restart="never" nodeType="tmRoot"/>
-      </p:par>
-    </p:tnLst>
-  </p:timing>
-</p:sld>
-</file>
-
-<file path=ppt/slides/slide21.xml><?xml version="1.0" encoding="utf-8"?>
-<p:sld xmlns:a="http://schemas.openxmlformats.org/drawingml/2006/main" xmlns:r="http://schemas.openxmlformats.org/officeDocument/2006/relationships" xmlns:p="http://schemas.openxmlformats.org/presentationml/2006/main">
-  <p:cSld>
-    <p:spTree>
-      <p:nvGrpSpPr>
-        <p:cNvPr id="1" name=""/>
-        <p:cNvGrpSpPr/>
-        <p:nvPr/>
-      </p:nvGrpSpPr>
-      <p:grpSpPr>
-        <a:xfrm>
-          <a:off x="0" y="0"/>
-          <a:ext cx="0" cy="0"/>
-          <a:chOff x="0" y="0"/>
-          <a:chExt cx="0" cy="0"/>
-        </a:xfrm>
-      </p:grpSpPr>
-      <p:sp>
-        <p:nvSpPr>
-          <p:cNvPr id="2" name="Title 1"/>
-          <p:cNvSpPr>
-            <a:spLocks noGrp="1"/>
-          </p:cNvSpPr>
-          <p:nvPr>
-            <p:ph type="title"/>
-          </p:nvPr>
-        </p:nvSpPr>
-        <p:spPr/>
-        <p:txBody>
-          <a:bodyPr>
-            <a:normAutofit/>
-          </a:bodyPr>
-          <a:lstStyle/>
-          <a:p>
-            <a:r>
-              <a:rPr lang="en-US" dirty="0" smtClean="0"/>
-              <a:t>Readings for Wednesday</a:t>
-            </a:r>
-            <a:br>
-              <a:rPr lang="en-US" dirty="0" smtClean="0"/>
-            </a:br>
-            <a:endParaRPr lang="en-US" sz="1800" dirty="0"/>
-          </a:p>
-        </p:txBody>
-      </p:sp>
-      <p:sp>
-        <p:nvSpPr>
-          <p:cNvPr id="3" name="Content Placeholder 2"/>
-          <p:cNvSpPr>
-            <a:spLocks noGrp="1"/>
-          </p:cNvSpPr>
-          <p:nvPr>
-            <p:ph idx="1"/>
-          </p:nvPr>
-        </p:nvSpPr>
-        <p:spPr/>
-        <p:txBody>
-          <a:bodyPr/>
-          <a:lstStyle/>
-          <a:p>
-            <a:endParaRPr lang="en-US" dirty="0"/>
-          </a:p>
-          <a:p>
-            <a:r>
-              <a:rPr lang="en-US" dirty="0"/>
-              <a:t>UK Data Archive (2015). Create and Manage Data: formatting Your Data: File Formats and Software. </a:t>
-            </a:r>
-            <a:r>
-              <a:rPr lang="en-US" i="1" dirty="0">
-                <a:hlinkClick r:id="rId2"/>
-              </a:rPr>
-              <a:t>http://www.data-archive.ac.uk/create-manage/format/formats</a:t>
-            </a:r>
-            <a:r>
-              <a:rPr lang="en-US" dirty="0"/>
-              <a:t>. (follow “Recommended File Formats” link as well).</a:t>
-            </a:r>
-          </a:p>
-          <a:p>
-            <a:r>
-              <a:rPr lang="en-US" dirty="0"/>
-              <a:t>Library of Congress (2015). Recommended Formats Statement 2015-2016. </a:t>
-            </a:r>
-            <a:r>
-              <a:rPr lang="en-US" i="1" dirty="0">
-                <a:hlinkClick r:id="rId3"/>
-              </a:rPr>
-              <a:t>https://www.loc.gov/preservation/resources/rfs/RFS%202015-2016.pdf</a:t>
-            </a:r>
-            <a:r>
-              <a:rPr lang="en-US" dirty="0"/>
-              <a:t>.</a:t>
-            </a:r>
-          </a:p>
-        </p:txBody>
-      </p:sp>
-    </p:spTree>
-    <p:extLst>
-      <p:ext uri="{BB962C8B-B14F-4D97-AF65-F5344CB8AC3E}">
-        <p14:creationId xmlns:p14="http://schemas.microsoft.com/office/powerpoint/2010/main" val="2920495728"/>
-      </p:ext>
-    </p:extLst>
-  </p:cSld>
-  <p:clrMapOvr>
-    <a:masterClrMapping/>
-  </p:clrMapOvr>
-  <p:timing>
-    <p:tnLst>
-      <p:par>
-        <p:cTn id="1" dur="indefinite" restart="never" nodeType="tmRoot"/>
-      </p:par>
-    </p:tnLst>
-  </p:timing>
-</p:sld>
-</file>
-
-<file path=ppt/slides/slide3.xml><?xml version="1.0" encoding="utf-8"?>
-<p:sld xmlns:a="http://schemas.openxmlformats.org/drawingml/2006/main" xmlns:r="http://schemas.openxmlformats.org/officeDocument/2006/relationships" xmlns:p="http://schemas.openxmlformats.org/presentationml/2006/main">
-  <p:cSld>
-    <p:spTree>
-      <p:nvGrpSpPr>
-        <p:cNvPr id="1" name=""/>
-        <p:cNvGrpSpPr/>
-        <p:nvPr/>
-      </p:nvGrpSpPr>
-      <p:grpSpPr>
-        <a:xfrm>
-          <a:off x="0" y="0"/>
-          <a:ext cx="0" cy="0"/>
-          <a:chOff x="0" y="0"/>
-          <a:chExt cx="0" cy="0"/>
-        </a:xfrm>
-      </p:grpSpPr>
-      <p:sp>
-        <p:nvSpPr>
-          <p:cNvPr id="2" name="Title 1"/>
-          <p:cNvSpPr>
-            <a:spLocks noGrp="1"/>
-          </p:cNvSpPr>
-          <p:nvPr>
-            <p:ph type="title"/>
-          </p:nvPr>
-        </p:nvSpPr>
         <p:spPr/>
         <p:txBody>
           <a:bodyPr/>
@@ -13856,7 +16848,7 @@
           <p:nvPr>
             <p:extLst>
               <p:ext uri="{D42A27DB-BD31-4B8C-83A1-F6EECF244321}">
-                <p14:modId xmlns:p14="http://schemas.microsoft.com/office/powerpoint/2010/main" val="3368793629"/>
+                <p14:modId xmlns:p14="http://schemas.microsoft.com/office/powerpoint/2010/main" xmlns="" val="3368793629"/>
               </p:ext>
             </p:extLst>
           </p:nvPr>
@@ -14349,20 +17341,20 @@
     </p:spTree>
     <p:extLst>
       <p:ext uri="{BB962C8B-B14F-4D97-AF65-F5344CB8AC3E}">
-        <p14:creationId xmlns:p14="http://schemas.microsoft.com/office/powerpoint/2010/main" val="3755349535"/>
+        <p14:creationId xmlns:p14="http://schemas.microsoft.com/office/powerpoint/2010/main" xmlns="" val="3755349535"/>
       </p:ext>
     </p:extLst>
   </p:cSld>
   <p:clrMapOvr>
     <a:masterClrMapping/>
   </p:clrMapOvr>
-  <mc:AlternateContent xmlns:mc="http://schemas.openxmlformats.org/markup-compatibility/2006" xmlns:p14="http://schemas.microsoft.com/office/powerpoint/2010/main">
-    <mc:Choice Requires="p14">
+  <mc:AlternateContent xmlns:mc="http://schemas.openxmlformats.org/markup-compatibility/2006">
+    <mc:Choice xmlns:p14="http://schemas.microsoft.com/office/powerpoint/2010/main" xmlns="" Requires="p14">
       <p:transition spd="med" p14:dur="700">
         <p:fade/>
       </p:transition>
     </mc:Choice>
-    <mc:Fallback xmlns="">
+    <mc:Fallback>
       <p:transition spd="med">
         <p:fade/>
       </p:transition>
@@ -14378,7 +17370,7 @@
 </p:sld>
 </file>
 
-<file path=ppt/slides/slide4.xml><?xml version="1.0" encoding="utf-8"?>
+<file path=ppt/slides/slide5.xml><?xml version="1.0" encoding="utf-8"?>
 <p:sld xmlns:a="http://schemas.openxmlformats.org/drawingml/2006/main" xmlns:r="http://schemas.openxmlformats.org/officeDocument/2006/relationships" xmlns:p="http://schemas.openxmlformats.org/presentationml/2006/main">
   <p:cSld>
     <p:spTree>
@@ -14407,8 +17399,8 @@
         </p:nvSpPr>
         <p:spPr>
           <a:xfrm>
-            <a:off x="838200" y="365127"/>
-            <a:ext cx="9555480" cy="1325563"/>
+            <a:off x="838200" y="147417"/>
+            <a:ext cx="7783286" cy="1325563"/>
           </a:xfrm>
         </p:spPr>
         <p:txBody>
@@ -14464,7 +17456,7 @@
         </p:nvSpPr>
         <p:spPr>
           <a:xfrm>
-            <a:off x="2798619" y="2147052"/>
+            <a:off x="2798619" y="2059968"/>
             <a:ext cx="3816927" cy="993773"/>
           </a:xfrm>
           <a:prstGeom prst="rect">
@@ -14705,7 +17697,7 @@
         </p:nvSpPr>
         <p:spPr>
           <a:xfrm>
-            <a:off x="1794164" y="4689359"/>
+            <a:off x="1053950" y="4689359"/>
             <a:ext cx="5417128" cy="633557"/>
           </a:xfrm>
           <a:prstGeom prst="rect">
@@ -14766,7 +17758,7 @@
         </p:nvSpPr>
         <p:spPr>
           <a:xfrm>
-            <a:off x="1233055" y="3407817"/>
+            <a:off x="492841" y="3538443"/>
             <a:ext cx="3906981" cy="1360919"/>
           </a:xfrm>
           <a:prstGeom prst="rect">
@@ -14899,7 +17891,7 @@
         </p:nvSpPr>
         <p:spPr>
           <a:xfrm>
-            <a:off x="3006437" y="5104997"/>
+            <a:off x="2266223" y="5104997"/>
             <a:ext cx="3906981" cy="1360919"/>
           </a:xfrm>
           <a:prstGeom prst="rect">
@@ -14994,7 +17986,7 @@
         </p:nvSpPr>
         <p:spPr>
           <a:xfrm>
-            <a:off x="3900995" y="4286196"/>
+            <a:off x="3160781" y="4286196"/>
             <a:ext cx="1762214" cy="400110"/>
           </a:xfrm>
           <a:prstGeom prst="rect">
@@ -15025,7 +18017,7 @@
         </p:nvSpPr>
         <p:spPr>
           <a:xfrm>
-            <a:off x="5818909" y="5174271"/>
+            <a:off x="5078695" y="5065416"/>
             <a:ext cx="3906981" cy="1360919"/>
           </a:xfrm>
           <a:prstGeom prst="rect">
@@ -15314,7 +18306,7 @@
                                           </p:stCondLst>
                                         </p:cTn>
                                         <p:tgtEl>
-                                          <p:spTgt spid="12"/>
+                                          <p:spTgt spid="13"/>
                                         </p:tgtEl>
                                         <p:attrNameLst>
                                           <p:attrName>style.visibility</p:attrName>
@@ -15328,7 +18320,7 @@
                                       <p:cBhvr>
                                         <p:cTn id="12" dur="500"/>
                                         <p:tgtEl>
-                                          <p:spTgt spid="12"/>
+                                          <p:spTgt spid="13"/>
                                         </p:tgtEl>
                                       </p:cBhvr>
                                     </p:animEffect>
@@ -15349,7 +18341,7 @@
                                           </p:stCondLst>
                                         </p:cTn>
                                         <p:tgtEl>
-                                          <p:spTgt spid="13"/>
+                                          <p:spTgt spid="12"/>
                                         </p:tgtEl>
                                         <p:attrNameLst>
                                           <p:attrName>style.visibility</p:attrName>
@@ -15363,7 +18355,7 @@
                                       <p:cBhvr>
                                         <p:cTn id="15" dur="500"/>
                                         <p:tgtEl>
-                                          <p:spTgt spid="13"/>
+                                          <p:spTgt spid="12"/>
                                         </p:tgtEl>
                                       </p:cBhvr>
                                     </p:animEffect>
@@ -15478,7 +18470,7 @@
 </p:sld>
 </file>
 
-<file path=ppt/slides/slide5.xml><?xml version="1.0" encoding="utf-8"?>
+<file path=ppt/slides/slide6.xml><?xml version="1.0" encoding="utf-8"?>
 <p:sld xmlns:a="http://schemas.openxmlformats.org/drawingml/2006/main" xmlns:r="http://schemas.openxmlformats.org/officeDocument/2006/relationships" xmlns:p="http://schemas.openxmlformats.org/presentationml/2006/main">
   <p:cSld>
     <p:spTree>
@@ -15546,7 +18538,7 @@
           <p:nvPr>
             <p:extLst>
               <p:ext uri="{D42A27DB-BD31-4B8C-83A1-F6EECF244321}">
-                <p14:modId xmlns:p14="http://schemas.microsoft.com/office/powerpoint/2010/main" val="1439639561"/>
+                <p14:modId xmlns:p14="http://schemas.microsoft.com/office/powerpoint/2010/main" xmlns="" val="1439639561"/>
               </p:ext>
             </p:extLst>
           </p:nvPr>
@@ -15963,20 +18955,20 @@
     </p:spTree>
     <p:extLst>
       <p:ext uri="{BB962C8B-B14F-4D97-AF65-F5344CB8AC3E}">
-        <p14:creationId xmlns:p14="http://schemas.microsoft.com/office/powerpoint/2010/main" val="2401644761"/>
+        <p14:creationId xmlns:p14="http://schemas.microsoft.com/office/powerpoint/2010/main" xmlns="" val="2401644761"/>
       </p:ext>
     </p:extLst>
   </p:cSld>
   <p:clrMapOvr>
     <a:masterClrMapping/>
   </p:clrMapOvr>
-  <mc:AlternateContent xmlns:mc="http://schemas.openxmlformats.org/markup-compatibility/2006" xmlns:p14="http://schemas.microsoft.com/office/powerpoint/2010/main">
-    <mc:Choice Requires="p14">
+  <mc:AlternateContent xmlns:mc="http://schemas.openxmlformats.org/markup-compatibility/2006">
+    <mc:Choice xmlns:p14="http://schemas.microsoft.com/office/powerpoint/2010/main" xmlns="" Requires="p14">
       <p:transition spd="med" p14:dur="700">
         <p:fade/>
       </p:transition>
     </mc:Choice>
-    <mc:Fallback xmlns="">
+    <mc:Fallback>
       <p:transition spd="med">
         <p:fade/>
       </p:transition>
@@ -16071,7 +19063,7 @@
 </p:sld>
 </file>
 
-<file path=ppt/slides/slide6.xml><?xml version="1.0" encoding="utf-8"?>
+<file path=ppt/slides/slide7.xml><?xml version="1.0" encoding="utf-8"?>
 <p:sld xmlns:a="http://schemas.openxmlformats.org/drawingml/2006/main" xmlns:r="http://schemas.openxmlformats.org/officeDocument/2006/relationships" xmlns:p="http://schemas.openxmlformats.org/presentationml/2006/main">
   <p:cSld>
     <p:spTree>
@@ -16133,7 +19125,7 @@
             <p:ph sz="half" idx="1"/>
             <p:extLst>
               <p:ext uri="{D42A27DB-BD31-4B8C-83A1-F6EECF244321}">
-                <p14:modId xmlns:p14="http://schemas.microsoft.com/office/powerpoint/2010/main" val="2731641027"/>
+                <p14:modId xmlns:p14="http://schemas.microsoft.com/office/powerpoint/2010/main" xmlns="" val="2731641027"/>
               </p:ext>
             </p:extLst>
           </p:nvPr>
@@ -17895,7 +20887,7 @@
     </p:spTree>
     <p:extLst>
       <p:ext uri="{BB962C8B-B14F-4D97-AF65-F5344CB8AC3E}">
-        <p14:creationId xmlns:p14="http://schemas.microsoft.com/office/powerpoint/2010/main" val="3848041041"/>
+        <p14:creationId xmlns:p14="http://schemas.microsoft.com/office/powerpoint/2010/main" xmlns="" val="3848041041"/>
       </p:ext>
     </p:extLst>
   </p:cSld>
@@ -17912,7 +20904,7 @@
 </p:sld>
 </file>
 
-<file path=ppt/slides/slide7.xml><?xml version="1.0" encoding="utf-8"?>
+<file path=ppt/slides/slide8.xml><?xml version="1.0" encoding="utf-8"?>
 <p:sld xmlns:a="http://schemas.openxmlformats.org/drawingml/2006/main" xmlns:r="http://schemas.openxmlformats.org/officeDocument/2006/relationships" xmlns:p="http://schemas.openxmlformats.org/presentationml/2006/main">
   <p:cSld>
     <p:spTree>
@@ -17941,8 +20933,8 @@
         </p:nvSpPr>
         <p:spPr>
           <a:xfrm>
-            <a:off x="838200" y="365127"/>
-            <a:ext cx="9555480" cy="1325563"/>
+            <a:off x="838200" y="147417"/>
+            <a:ext cx="7783286" cy="1325563"/>
           </a:xfrm>
         </p:spPr>
         <p:txBody>
@@ -17998,7 +20990,7 @@
         </p:nvSpPr>
         <p:spPr>
           <a:xfrm>
-            <a:off x="6199909" y="1990488"/>
+            <a:off x="6199909" y="1402671"/>
             <a:ext cx="5992091" cy="682047"/>
           </a:xfrm>
           <a:prstGeom prst="rect">
@@ -18059,7 +21051,7 @@
         </p:nvSpPr>
         <p:spPr>
           <a:xfrm>
-            <a:off x="2798619" y="2147052"/>
+            <a:off x="2798619" y="2059968"/>
             <a:ext cx="3816927" cy="993773"/>
           </a:xfrm>
           <a:prstGeom prst="rect">
@@ -18300,7 +21292,7 @@
         </p:nvSpPr>
         <p:spPr>
           <a:xfrm>
-            <a:off x="5569529" y="2424136"/>
+            <a:off x="5569529" y="1836319"/>
             <a:ext cx="3906981" cy="1360919"/>
           </a:xfrm>
           <a:prstGeom prst="rect">
@@ -18410,7 +21402,7 @@
         </p:nvSpPr>
         <p:spPr>
           <a:xfrm>
-            <a:off x="7966366" y="1121809"/>
+            <a:off x="7966366" y="599305"/>
             <a:ext cx="3906981" cy="1360919"/>
           </a:xfrm>
           <a:prstGeom prst="rect">
@@ -18507,7 +21499,7 @@
         </p:nvSpPr>
         <p:spPr>
           <a:xfrm>
-            <a:off x="1794164" y="4689359"/>
+            <a:off x="1053950" y="4689359"/>
             <a:ext cx="5417128" cy="633557"/>
           </a:xfrm>
           <a:prstGeom prst="rect">
@@ -18568,7 +21560,7 @@
         </p:nvSpPr>
         <p:spPr>
           <a:xfrm>
-            <a:off x="1233055" y="3407817"/>
+            <a:off x="492841" y="3538443"/>
             <a:ext cx="3906981" cy="1360919"/>
           </a:xfrm>
           <a:prstGeom prst="rect">
@@ -18701,7 +21693,7 @@
         </p:nvSpPr>
         <p:spPr>
           <a:xfrm>
-            <a:off x="3006437" y="5104997"/>
+            <a:off x="2266223" y="5104997"/>
             <a:ext cx="3906981" cy="1360919"/>
           </a:xfrm>
           <a:prstGeom prst="rect">
@@ -18796,7 +21788,7 @@
         </p:nvSpPr>
         <p:spPr>
           <a:xfrm>
-            <a:off x="3900995" y="4286196"/>
+            <a:off x="3160781" y="4286196"/>
             <a:ext cx="1762214" cy="400110"/>
           </a:xfrm>
           <a:prstGeom prst="rect">
@@ -18827,7 +21819,7 @@
         </p:nvSpPr>
         <p:spPr>
           <a:xfrm>
-            <a:off x="5818909" y="5174271"/>
+            <a:off x="5078695" y="5065416"/>
             <a:ext cx="3906981" cy="1360919"/>
           </a:xfrm>
           <a:prstGeom prst="rect">
@@ -18924,7 +21916,7 @@
         </p:nvSpPr>
         <p:spPr>
           <a:xfrm>
-            <a:off x="7571509" y="3712607"/>
+            <a:off x="7680364" y="4235111"/>
             <a:ext cx="4211782" cy="682047"/>
           </a:xfrm>
           <a:prstGeom prst="rect">
@@ -18985,7 +21977,7 @@
         </p:nvSpPr>
         <p:spPr>
           <a:xfrm>
-            <a:off x="6948054" y="4183671"/>
+            <a:off x="7056909" y="4640862"/>
             <a:ext cx="2299855" cy="931427"/>
           </a:xfrm>
           <a:prstGeom prst="rect">
@@ -19059,7 +22051,7 @@
         </p:nvSpPr>
         <p:spPr>
           <a:xfrm>
-            <a:off x="8804563" y="2964470"/>
+            <a:off x="8913418" y="3486974"/>
             <a:ext cx="2299855" cy="931427"/>
           </a:xfrm>
           <a:prstGeom prst="rect">
@@ -19156,7 +22148,7 @@
         </p:nvSpPr>
         <p:spPr>
           <a:xfrm>
-            <a:off x="10349344" y="4218307"/>
+            <a:off x="10458199" y="4675498"/>
             <a:ext cx="1558637" cy="931427"/>
           </a:xfrm>
           <a:prstGeom prst="rect">
@@ -19717,113 +22709,6 @@
 </p:sld>
 </file>
 
-<file path=ppt/slides/slide8.xml><?xml version="1.0" encoding="utf-8"?>
-<p:sld xmlns:a="http://schemas.openxmlformats.org/drawingml/2006/main" xmlns:r="http://schemas.openxmlformats.org/officeDocument/2006/relationships" xmlns:p="http://schemas.openxmlformats.org/presentationml/2006/main">
-  <p:cSld>
-    <p:spTree>
-      <p:nvGrpSpPr>
-        <p:cNvPr id="1" name=""/>
-        <p:cNvGrpSpPr/>
-        <p:nvPr/>
-      </p:nvGrpSpPr>
-      <p:grpSpPr>
-        <a:xfrm>
-          <a:off x="0" y="0"/>
-          <a:ext cx="0" cy="0"/>
-          <a:chOff x="0" y="0"/>
-          <a:chExt cx="0" cy="0"/>
-        </a:xfrm>
-      </p:grpSpPr>
-      <p:sp>
-        <p:nvSpPr>
-          <p:cNvPr id="2" name="Title 1"/>
-          <p:cNvSpPr>
-            <a:spLocks noGrp="1"/>
-          </p:cNvSpPr>
-          <p:nvPr>
-            <p:ph type="title"/>
-          </p:nvPr>
-        </p:nvSpPr>
-        <p:spPr/>
-        <p:txBody>
-          <a:bodyPr/>
-          <a:lstStyle/>
-          <a:p>
-            <a:r>
-              <a:rPr lang="en-US" dirty="0" smtClean="0"/>
-              <a:t>Data: Primary, Secondary and Tertiary</a:t>
-            </a:r>
-            <a:endParaRPr lang="en-US" dirty="0"/>
-          </a:p>
-        </p:txBody>
-      </p:sp>
-      <p:sp>
-        <p:nvSpPr>
-          <p:cNvPr id="3" name="Content Placeholder 2"/>
-          <p:cNvSpPr>
-            <a:spLocks noGrp="1"/>
-          </p:cNvSpPr>
-          <p:nvPr>
-            <p:ph idx="1"/>
-          </p:nvPr>
-        </p:nvSpPr>
-        <p:spPr/>
-        <p:txBody>
-          <a:bodyPr/>
-          <a:lstStyle/>
-          <a:p>
-            <a:r>
-              <a:rPr lang="en-US" dirty="0" smtClean="0"/>
-              <a:t>Primary: research generated (from instruments or observations)</a:t>
-            </a:r>
-          </a:p>
-          <a:p>
-            <a:r>
-              <a:rPr lang="en-US" dirty="0" smtClean="0"/>
-              <a:t>Secondary: acquired for research project from another source</a:t>
-            </a:r>
-          </a:p>
-          <a:p>
-            <a:r>
-              <a:rPr lang="en-US" dirty="0" smtClean="0"/>
-              <a:t>Tertiary: derivative of primary or secondary data (anonymized, annotated, bundled, and so on)</a:t>
-            </a:r>
-            <a:endParaRPr lang="en-US" dirty="0"/>
-          </a:p>
-        </p:txBody>
-      </p:sp>
-    </p:spTree>
-    <p:extLst>
-      <p:ext uri="{BB962C8B-B14F-4D97-AF65-F5344CB8AC3E}">
-        <p14:creationId xmlns:p14="http://schemas.microsoft.com/office/powerpoint/2010/main" val="2382807898"/>
-      </p:ext>
-    </p:extLst>
-  </p:cSld>
-  <p:clrMapOvr>
-    <a:masterClrMapping/>
-  </p:clrMapOvr>
-  <mc:AlternateContent xmlns:mc="http://schemas.openxmlformats.org/markup-compatibility/2006" xmlns:p14="http://schemas.microsoft.com/office/powerpoint/2010/main">
-    <mc:Choice Requires="p14">
-      <p:transition spd="med" p14:dur="700">
-        <p:fade/>
-      </p:transition>
-    </mc:Choice>
-    <mc:Fallback xmlns="">
-      <p:transition spd="med">
-        <p:fade/>
-      </p:transition>
-    </mc:Fallback>
-  </mc:AlternateContent>
-  <p:timing>
-    <p:tnLst>
-      <p:par>
-        <p:cTn id="1" dur="indefinite" restart="never" nodeType="tmRoot"/>
-      </p:par>
-    </p:tnLst>
-  </p:timing>
-</p:sld>
-</file>
-
 <file path=ppt/slides/slide9.xml><?xml version="1.0" encoding="utf-8"?>
 <p:sld xmlns:a="http://schemas.openxmlformats.org/drawingml/2006/main" xmlns:r="http://schemas.openxmlformats.org/officeDocument/2006/relationships" xmlns:p="http://schemas.openxmlformats.org/presentationml/2006/main">
   <p:cSld>
@@ -19843,6 +22728,29 @@
       </p:grpSpPr>
       <p:sp>
         <p:nvSpPr>
+          <p:cNvPr id="2" name="Title 1"/>
+          <p:cNvSpPr>
+            <a:spLocks noGrp="1"/>
+          </p:cNvSpPr>
+          <p:nvPr>
+            <p:ph type="title"/>
+          </p:nvPr>
+        </p:nvSpPr>
+        <p:spPr/>
+        <p:txBody>
+          <a:bodyPr/>
+          <a:lstStyle/>
+          <a:p>
+            <a:r>
+              <a:rPr lang="en-US" dirty="0" smtClean="0"/>
+              <a:t>Data: Primary, Secondary and Tertiary</a:t>
+            </a:r>
+            <a:endParaRPr lang="en-US" dirty="0"/>
+          </a:p>
+        </p:txBody>
+      </p:sp>
+      <p:sp>
+        <p:nvSpPr>
           <p:cNvPr id="3" name="Content Placeholder 2"/>
           <p:cNvSpPr>
             <a:spLocks noGrp="1"/>
@@ -19851,909 +22759,59 @@
             <p:ph idx="1"/>
           </p:nvPr>
         </p:nvSpPr>
-        <p:spPr>
-          <a:xfrm>
-            <a:off x="6540756" y="1820129"/>
-            <a:ext cx="4282440" cy="4351338"/>
-          </a:xfrm>
-        </p:spPr>
+        <p:spPr/>
         <p:txBody>
           <a:bodyPr/>
           <a:lstStyle/>
           <a:p>
-            <a:pPr algn="r">
-              <a:buNone/>
-            </a:pPr>
             <a:r>
               <a:rPr lang="en-US" dirty="0" smtClean="0"/>
-              <a:t>“Information is not knowledge.</a:t>
-            </a:r>
-          </a:p>
-          <a:p>
-            <a:pPr algn="r">
-              <a:buNone/>
-            </a:pPr>
+              <a:t>Primary: research generated (from instruments or observations)</a:t>
+            </a:r>
+          </a:p>
+          <a:p>
             <a:r>
               <a:rPr lang="en-US" dirty="0" smtClean="0"/>
-              <a:t>Knowledge is not wisdom.</a:t>
-            </a:r>
-          </a:p>
-          <a:p>
-            <a:pPr algn="r">
-              <a:buNone/>
-            </a:pPr>
+              <a:t>Secondary: acquired for research project from another source</a:t>
+            </a:r>
+          </a:p>
+          <a:p>
             <a:r>
               <a:rPr lang="en-US" dirty="0" smtClean="0"/>
-              <a:t>Wisdom is not truth.</a:t>
-            </a:r>
-          </a:p>
-          <a:p>
-            <a:pPr algn="r">
-              <a:buNone/>
-            </a:pPr>
-            <a:r>
-              <a:rPr lang="en-US" dirty="0" smtClean="0"/>
-              <a:t>Truth is not beauty.</a:t>
-            </a:r>
-          </a:p>
-          <a:p>
-            <a:pPr algn="r">
-              <a:buNone/>
-            </a:pPr>
-            <a:r>
-              <a:rPr lang="en-US" dirty="0" smtClean="0"/>
-              <a:t>Beauty is not love.</a:t>
-            </a:r>
-          </a:p>
-          <a:p>
-            <a:pPr algn="r">
-              <a:buNone/>
-            </a:pPr>
-            <a:r>
-              <a:rPr lang="en-US" dirty="0" smtClean="0"/>
-              <a:t>Love is not music.</a:t>
-            </a:r>
-          </a:p>
-          <a:p>
-            <a:pPr algn="r">
-              <a:buNone/>
-            </a:pPr>
-            <a:r>
-              <a:rPr lang="en-US" dirty="0" smtClean="0"/>
-              <a:t>Music is THE BEST.”</a:t>
-            </a:r>
-          </a:p>
-          <a:p>
-            <a:pPr algn="r">
-              <a:buNone/>
-            </a:pPr>
-            <a:r>
-              <a:rPr lang="en-US" dirty="0" smtClean="0"/>
-              <a:t>― Frank Zappa</a:t>
+              <a:t>Tertiary: derivative of primary or secondary data (anonymized, annotated, bundled, and so on)</a:t>
             </a:r>
             <a:endParaRPr lang="en-US" dirty="0"/>
           </a:p>
         </p:txBody>
       </p:sp>
-      <p:sp>
-        <p:nvSpPr>
-          <p:cNvPr id="5" name="Isosceles Triangle 4"/>
-          <p:cNvSpPr/>
-          <p:nvPr/>
-        </p:nvSpPr>
-        <p:spPr>
-          <a:xfrm>
-            <a:off x="731520" y="868680"/>
-            <a:ext cx="6614160" cy="5097438"/>
-          </a:xfrm>
-          <a:prstGeom prst="triangle">
-            <a:avLst/>
-          </a:prstGeom>
-          <a:ln w="28575"/>
-        </p:spPr>
-        <p:style>
-          <a:lnRef idx="2">
-            <a:schemeClr val="accent1">
-              <a:shade val="50000"/>
-            </a:schemeClr>
-          </a:lnRef>
-          <a:fillRef idx="1">
-            <a:schemeClr val="accent1"/>
-          </a:fillRef>
-          <a:effectRef idx="0">
-            <a:schemeClr val="accent1"/>
-          </a:effectRef>
-          <a:fontRef idx="minor">
-            <a:schemeClr val="lt1"/>
-          </a:fontRef>
-        </p:style>
-        <p:txBody>
-          <a:bodyPr rtlCol="0" anchor="ctr"/>
-          <a:lstStyle/>
-          <a:p>
-            <a:pPr algn="ctr"/>
-            <a:endParaRPr lang="en-US"/>
-          </a:p>
-        </p:txBody>
-      </p:sp>
-      <p:sp>
-        <p:nvSpPr>
-          <p:cNvPr id="6" name="Isosceles Triangle 5"/>
-          <p:cNvSpPr/>
-          <p:nvPr/>
-        </p:nvSpPr>
-        <p:spPr>
-          <a:xfrm>
-            <a:off x="1225319" y="874394"/>
-            <a:ext cx="5625481" cy="4332088"/>
-          </a:xfrm>
-          <a:prstGeom prst="triangle">
-            <a:avLst/>
-          </a:prstGeom>
-          <a:ln w="28575"/>
-        </p:spPr>
-        <p:style>
-          <a:lnRef idx="2">
-            <a:schemeClr val="accent1">
-              <a:shade val="50000"/>
-            </a:schemeClr>
-          </a:lnRef>
-          <a:fillRef idx="1">
-            <a:schemeClr val="accent1"/>
-          </a:fillRef>
-          <a:effectRef idx="0">
-            <a:schemeClr val="accent1"/>
-          </a:effectRef>
-          <a:fontRef idx="minor">
-            <a:schemeClr val="lt1"/>
-          </a:fontRef>
-        </p:style>
-        <p:txBody>
-          <a:bodyPr rtlCol="0" anchor="ctr"/>
-          <a:lstStyle/>
-          <a:p>
-            <a:pPr algn="ctr"/>
-            <a:endParaRPr lang="en-US"/>
-          </a:p>
-        </p:txBody>
-      </p:sp>
-      <p:sp>
-        <p:nvSpPr>
-          <p:cNvPr id="7" name="Isosceles Triangle 6"/>
-          <p:cNvSpPr/>
-          <p:nvPr/>
-        </p:nvSpPr>
-        <p:spPr>
-          <a:xfrm>
-            <a:off x="1758168" y="868680"/>
-            <a:ext cx="4550983" cy="3507377"/>
-          </a:xfrm>
-          <a:prstGeom prst="triangle">
-            <a:avLst/>
-          </a:prstGeom>
-          <a:ln w="28575"/>
-        </p:spPr>
-        <p:style>
-          <a:lnRef idx="2">
-            <a:schemeClr val="accent1">
-              <a:shade val="50000"/>
-            </a:schemeClr>
-          </a:lnRef>
-          <a:fillRef idx="1">
-            <a:schemeClr val="accent1"/>
-          </a:fillRef>
-          <a:effectRef idx="0">
-            <a:schemeClr val="accent1"/>
-          </a:effectRef>
-          <a:fontRef idx="minor">
-            <a:schemeClr val="lt1"/>
-          </a:fontRef>
-        </p:style>
-        <p:txBody>
-          <a:bodyPr rtlCol="0" anchor="ctr"/>
-          <a:lstStyle/>
-          <a:p>
-            <a:pPr algn="ctr"/>
-            <a:endParaRPr lang="en-US"/>
-          </a:p>
-        </p:txBody>
-      </p:sp>
-      <p:sp>
-        <p:nvSpPr>
-          <p:cNvPr id="8" name="Isosceles Triangle 7"/>
-          <p:cNvSpPr/>
-          <p:nvPr/>
-        </p:nvSpPr>
-        <p:spPr>
-          <a:xfrm>
-            <a:off x="2334099" y="864869"/>
-            <a:ext cx="3405773" cy="2624780"/>
-          </a:xfrm>
-          <a:prstGeom prst="triangle">
-            <a:avLst/>
-          </a:prstGeom>
-          <a:ln w="28575"/>
-        </p:spPr>
-        <p:style>
-          <a:lnRef idx="2">
-            <a:schemeClr val="accent1">
-              <a:shade val="50000"/>
-            </a:schemeClr>
-          </a:lnRef>
-          <a:fillRef idx="1">
-            <a:schemeClr val="accent1"/>
-          </a:fillRef>
-          <a:effectRef idx="0">
-            <a:schemeClr val="accent1"/>
-          </a:effectRef>
-          <a:fontRef idx="minor">
-            <a:schemeClr val="lt1"/>
-          </a:fontRef>
-        </p:style>
-        <p:txBody>
-          <a:bodyPr rtlCol="0" anchor="ctr"/>
-          <a:lstStyle/>
-          <a:p>
-            <a:pPr algn="ctr"/>
-            <a:endParaRPr lang="en-US"/>
-          </a:p>
-        </p:txBody>
-      </p:sp>
-      <p:sp>
-        <p:nvSpPr>
-          <p:cNvPr id="9" name="Isosceles Triangle 8"/>
-          <p:cNvSpPr/>
-          <p:nvPr/>
-        </p:nvSpPr>
-        <p:spPr>
-          <a:xfrm>
-            <a:off x="2867353" y="863917"/>
-            <a:ext cx="2341602" cy="1804638"/>
-          </a:xfrm>
-          <a:prstGeom prst="triangle">
-            <a:avLst/>
-          </a:prstGeom>
-          <a:ln w="28575"/>
-        </p:spPr>
-        <p:style>
-          <a:lnRef idx="2">
-            <a:schemeClr val="accent1">
-              <a:shade val="50000"/>
-            </a:schemeClr>
-          </a:lnRef>
-          <a:fillRef idx="1">
-            <a:schemeClr val="accent1"/>
-          </a:fillRef>
-          <a:effectRef idx="0">
-            <a:schemeClr val="accent1"/>
-          </a:effectRef>
-          <a:fontRef idx="minor">
-            <a:schemeClr val="lt1"/>
-          </a:fontRef>
-        </p:style>
-        <p:txBody>
-          <a:bodyPr rtlCol="0" anchor="ctr"/>
-          <a:lstStyle/>
-          <a:p>
-            <a:pPr algn="ctr"/>
-            <a:endParaRPr lang="en-US"/>
-          </a:p>
-        </p:txBody>
-      </p:sp>
-      <p:sp>
-        <p:nvSpPr>
-          <p:cNvPr id="10" name="TextBox 9"/>
-          <p:cNvSpPr txBox="1"/>
-          <p:nvPr/>
-        </p:nvSpPr>
-        <p:spPr>
-          <a:xfrm>
-            <a:off x="3349688" y="5366038"/>
-            <a:ext cx="1390262" cy="461665"/>
-          </a:xfrm>
-          <a:prstGeom prst="rect">
-            <a:avLst/>
-          </a:prstGeom>
-          <a:noFill/>
-        </p:spPr>
-        <p:txBody>
-          <a:bodyPr wrap="square" rtlCol="0">
-            <a:spAutoFit/>
-          </a:bodyPr>
-          <a:lstStyle/>
-          <a:p>
-            <a:pPr algn="ctr"/>
-            <a:r>
-              <a:rPr lang="en-US" sz="2400" dirty="0" smtClean="0"/>
-              <a:t>WORLD</a:t>
-            </a:r>
-            <a:endParaRPr lang="en-US" sz="2400" dirty="0"/>
-          </a:p>
-        </p:txBody>
-      </p:sp>
-      <p:sp>
-        <p:nvSpPr>
-          <p:cNvPr id="11" name="TextBox 10"/>
-          <p:cNvSpPr txBox="1"/>
-          <p:nvPr/>
-        </p:nvSpPr>
-        <p:spPr>
-          <a:xfrm>
-            <a:off x="2425959" y="4417420"/>
-            <a:ext cx="3237721" cy="738664"/>
-          </a:xfrm>
-          <a:prstGeom prst="rect">
-            <a:avLst/>
-          </a:prstGeom>
-          <a:noFill/>
-        </p:spPr>
-        <p:txBody>
-          <a:bodyPr wrap="square" rtlCol="0">
-            <a:spAutoFit/>
-          </a:bodyPr>
-          <a:lstStyle/>
-          <a:p>
-            <a:pPr algn="ctr"/>
-            <a:r>
-              <a:rPr lang="en-US" sz="2400" dirty="0" smtClean="0"/>
-              <a:t>DATA</a:t>
-            </a:r>
-          </a:p>
-          <a:p>
-            <a:pPr algn="ctr"/>
-            <a:r>
-              <a:rPr lang="en-US" dirty="0" smtClean="0"/>
-              <a:t>abstracted elements</a:t>
-            </a:r>
-            <a:endParaRPr lang="en-US" dirty="0"/>
-          </a:p>
-        </p:txBody>
-      </p:sp>
-      <p:sp>
-        <p:nvSpPr>
-          <p:cNvPr id="12" name="TextBox 11"/>
-          <p:cNvSpPr txBox="1"/>
-          <p:nvPr/>
-        </p:nvSpPr>
-        <p:spPr>
-          <a:xfrm>
-            <a:off x="2855166" y="3559004"/>
-            <a:ext cx="2379306" cy="738664"/>
-          </a:xfrm>
-          <a:prstGeom prst="rect">
-            <a:avLst/>
-          </a:prstGeom>
-          <a:noFill/>
-        </p:spPr>
-        <p:txBody>
-          <a:bodyPr wrap="square" rtlCol="0">
-            <a:spAutoFit/>
-          </a:bodyPr>
-          <a:lstStyle/>
-          <a:p>
-            <a:pPr algn="ctr"/>
-            <a:r>
-              <a:rPr lang="en-US" sz="2400" dirty="0" smtClean="0"/>
-              <a:t>INFORMATION</a:t>
-            </a:r>
-          </a:p>
-          <a:p>
-            <a:pPr algn="ctr"/>
-            <a:r>
-              <a:rPr lang="en-US" dirty="0" smtClean="0"/>
-              <a:t>linked elements</a:t>
-            </a:r>
-            <a:endParaRPr lang="en-US" dirty="0"/>
-          </a:p>
-        </p:txBody>
-      </p:sp>
-      <p:sp>
-        <p:nvSpPr>
-          <p:cNvPr id="13" name="TextBox 12"/>
-          <p:cNvSpPr txBox="1"/>
-          <p:nvPr/>
-        </p:nvSpPr>
-        <p:spPr>
-          <a:xfrm>
-            <a:off x="2855166" y="2694363"/>
-            <a:ext cx="2379306" cy="738664"/>
-          </a:xfrm>
-          <a:prstGeom prst="rect">
-            <a:avLst/>
-          </a:prstGeom>
-          <a:noFill/>
-        </p:spPr>
-        <p:txBody>
-          <a:bodyPr wrap="square" rtlCol="0">
-            <a:spAutoFit/>
-          </a:bodyPr>
-          <a:lstStyle/>
-          <a:p>
-            <a:pPr algn="ctr"/>
-            <a:r>
-              <a:rPr lang="en-US" sz="2400" dirty="0" smtClean="0"/>
-              <a:t>KNOWLEDGE</a:t>
-            </a:r>
-          </a:p>
-          <a:p>
-            <a:pPr algn="ctr"/>
-            <a:r>
-              <a:rPr lang="en-US" dirty="0" smtClean="0"/>
-              <a:t>organized </a:t>
-            </a:r>
-            <a:r>
-              <a:rPr lang="en-US" dirty="0" smtClean="0"/>
-              <a:t>information</a:t>
-            </a:r>
-            <a:endParaRPr lang="en-US" dirty="0"/>
-          </a:p>
-        </p:txBody>
-      </p:sp>
-      <p:sp>
-        <p:nvSpPr>
-          <p:cNvPr id="14" name="TextBox 13"/>
-          <p:cNvSpPr txBox="1"/>
-          <p:nvPr/>
-        </p:nvSpPr>
-        <p:spPr>
-          <a:xfrm>
-            <a:off x="2855166" y="1873283"/>
-            <a:ext cx="2379306" cy="738664"/>
-          </a:xfrm>
-          <a:prstGeom prst="rect">
-            <a:avLst/>
-          </a:prstGeom>
-          <a:noFill/>
-        </p:spPr>
-        <p:txBody>
-          <a:bodyPr wrap="square" rtlCol="0">
-            <a:spAutoFit/>
-          </a:bodyPr>
-          <a:lstStyle/>
-          <a:p>
-            <a:pPr algn="ctr"/>
-            <a:r>
-              <a:rPr lang="en-US" sz="2400" dirty="0" smtClean="0"/>
-              <a:t>WISDOM</a:t>
-            </a:r>
-          </a:p>
-          <a:p>
-            <a:pPr algn="ctr"/>
-            <a:r>
-              <a:rPr lang="en-US" dirty="0" smtClean="0"/>
-              <a:t>applied knowledge</a:t>
-            </a:r>
-            <a:endParaRPr lang="en-US" dirty="0"/>
-          </a:p>
-        </p:txBody>
-      </p:sp>
-      <p:sp>
-        <p:nvSpPr>
-          <p:cNvPr id="15" name="Title 1"/>
-          <p:cNvSpPr>
-            <a:spLocks noGrp="1"/>
-          </p:cNvSpPr>
-          <p:nvPr>
-            <p:ph type="title"/>
-          </p:nvPr>
-        </p:nvSpPr>
-        <p:spPr>
-          <a:xfrm>
-            <a:off x="4406630" y="365127"/>
-            <a:ext cx="5987050" cy="1325563"/>
-          </a:xfrm>
-        </p:spPr>
-        <p:txBody>
-          <a:bodyPr/>
-          <a:lstStyle/>
-          <a:p>
-            <a:r>
-              <a:rPr lang="en-US" dirty="0" smtClean="0"/>
-              <a:t>Useful generalizations</a:t>
-            </a:r>
-            <a:endParaRPr lang="en-US" dirty="0"/>
-          </a:p>
-        </p:txBody>
-      </p:sp>
     </p:spTree>
+    <p:extLst>
+      <p:ext uri="{BB962C8B-B14F-4D97-AF65-F5344CB8AC3E}">
+        <p14:creationId xmlns:p14="http://schemas.microsoft.com/office/powerpoint/2010/main" xmlns="" val="2382807898"/>
+      </p:ext>
+    </p:extLst>
   </p:cSld>
   <p:clrMapOvr>
     <a:masterClrMapping/>
   </p:clrMapOvr>
+  <mc:AlternateContent xmlns:mc="http://schemas.openxmlformats.org/markup-compatibility/2006">
+    <mc:Choice xmlns:p14="http://schemas.microsoft.com/office/powerpoint/2010/main" xmlns="" Requires="p14">
+      <p:transition spd="med" p14:dur="700">
+        <p:fade/>
+      </p:transition>
+    </mc:Choice>
+    <mc:Fallback>
+      <p:transition spd="med">
+        <p:fade/>
+      </p:transition>
+    </mc:Fallback>
+  </mc:AlternateContent>
   <p:timing>
     <p:tnLst>
       <p:par>
-        <p:cTn id="1" dur="indefinite" restart="never" nodeType="tmRoot">
-          <p:childTnLst>
-            <p:seq concurrent="1" nextAc="seek">
-              <p:cTn id="2" dur="indefinite" nodeType="mainSeq">
-                <p:childTnLst>
-                  <p:par>
-                    <p:cTn id="3" fill="hold">
-                      <p:stCondLst>
-                        <p:cond delay="indefinite"/>
-                      </p:stCondLst>
-                      <p:childTnLst>
-                        <p:par>
-                          <p:cTn id="4" fill="hold">
-                            <p:stCondLst>
-                              <p:cond delay="0"/>
-                            </p:stCondLst>
-                            <p:childTnLst>
-                              <p:par>
-                                <p:cTn id="5" presetID="10" presetClass="entr" presetSubtype="0" fill="hold" grpId="0" nodeType="clickEffect">
-                                  <p:stCondLst>
-                                    <p:cond delay="0"/>
-                                  </p:stCondLst>
-                                  <p:childTnLst>
-                                    <p:set>
-                                      <p:cBhvr>
-                                        <p:cTn id="6" dur="1" fill="hold">
-                                          <p:stCondLst>
-                                            <p:cond delay="0"/>
-                                          </p:stCondLst>
-                                        </p:cTn>
-                                        <p:tgtEl>
-                                          <p:spTgt spid="3">
-                                            <p:txEl>
-                                              <p:pRg st="0" end="0"/>
-                                            </p:txEl>
-                                          </p:spTgt>
-                                        </p:tgtEl>
-                                        <p:attrNameLst>
-                                          <p:attrName>style.visibility</p:attrName>
-                                        </p:attrNameLst>
-                                      </p:cBhvr>
-                                      <p:to>
-                                        <p:strVal val="visible"/>
-                                      </p:to>
-                                    </p:set>
-                                    <p:animEffect transition="in" filter="fade">
-                                      <p:cBhvr>
-                                        <p:cTn id="7" dur="500"/>
-                                        <p:tgtEl>
-                                          <p:spTgt spid="3">
-                                            <p:txEl>
-                                              <p:pRg st="0" end="0"/>
-                                            </p:txEl>
-                                          </p:spTgt>
-                                        </p:tgtEl>
-                                      </p:cBhvr>
-                                    </p:animEffect>
-                                  </p:childTnLst>
-                                </p:cTn>
-                              </p:par>
-                              <p:par>
-                                <p:cTn id="8" presetID="10" presetClass="entr" presetSubtype="0" fill="hold" grpId="0" nodeType="withEffect">
-                                  <p:stCondLst>
-                                    <p:cond delay="0"/>
-                                  </p:stCondLst>
-                                  <p:childTnLst>
-                                    <p:set>
-                                      <p:cBhvr>
-                                        <p:cTn id="9" dur="1" fill="hold">
-                                          <p:stCondLst>
-                                            <p:cond delay="0"/>
-                                          </p:stCondLst>
-                                        </p:cTn>
-                                        <p:tgtEl>
-                                          <p:spTgt spid="3">
-                                            <p:txEl>
-                                              <p:pRg st="1" end="1"/>
-                                            </p:txEl>
-                                          </p:spTgt>
-                                        </p:tgtEl>
-                                        <p:attrNameLst>
-                                          <p:attrName>style.visibility</p:attrName>
-                                        </p:attrNameLst>
-                                      </p:cBhvr>
-                                      <p:to>
-                                        <p:strVal val="visible"/>
-                                      </p:to>
-                                    </p:set>
-                                    <p:animEffect transition="in" filter="fade">
-                                      <p:cBhvr>
-                                        <p:cTn id="10" dur="500"/>
-                                        <p:tgtEl>
-                                          <p:spTgt spid="3">
-                                            <p:txEl>
-                                              <p:pRg st="1" end="1"/>
-                                            </p:txEl>
-                                          </p:spTgt>
-                                        </p:tgtEl>
-                                      </p:cBhvr>
-                                    </p:animEffect>
-                                  </p:childTnLst>
-                                </p:cTn>
-                              </p:par>
-                              <p:par>
-                                <p:cTn id="11" presetID="10" presetClass="entr" presetSubtype="0" fill="hold" grpId="0" nodeType="withEffect">
-                                  <p:stCondLst>
-                                    <p:cond delay="0"/>
-                                  </p:stCondLst>
-                                  <p:childTnLst>
-                                    <p:set>
-                                      <p:cBhvr>
-                                        <p:cTn id="12" dur="1" fill="hold">
-                                          <p:stCondLst>
-                                            <p:cond delay="0"/>
-                                          </p:stCondLst>
-                                        </p:cTn>
-                                        <p:tgtEl>
-                                          <p:spTgt spid="3">
-                                            <p:txEl>
-                                              <p:pRg st="2" end="2"/>
-                                            </p:txEl>
-                                          </p:spTgt>
-                                        </p:tgtEl>
-                                        <p:attrNameLst>
-                                          <p:attrName>style.visibility</p:attrName>
-                                        </p:attrNameLst>
-                                      </p:cBhvr>
-                                      <p:to>
-                                        <p:strVal val="visible"/>
-                                      </p:to>
-                                    </p:set>
-                                    <p:animEffect transition="in" filter="fade">
-                                      <p:cBhvr>
-                                        <p:cTn id="13" dur="500"/>
-                                        <p:tgtEl>
-                                          <p:spTgt spid="3">
-                                            <p:txEl>
-                                              <p:pRg st="2" end="2"/>
-                                            </p:txEl>
-                                          </p:spTgt>
-                                        </p:tgtEl>
-                                      </p:cBhvr>
-                                    </p:animEffect>
-                                  </p:childTnLst>
-                                </p:cTn>
-                              </p:par>
-                              <p:par>
-                                <p:cTn id="14" presetID="10" presetClass="entr" presetSubtype="0" fill="hold" grpId="0" nodeType="withEffect">
-                                  <p:stCondLst>
-                                    <p:cond delay="0"/>
-                                  </p:stCondLst>
-                                  <p:childTnLst>
-                                    <p:set>
-                                      <p:cBhvr>
-                                        <p:cTn id="15" dur="1" fill="hold">
-                                          <p:stCondLst>
-                                            <p:cond delay="0"/>
-                                          </p:stCondLst>
-                                        </p:cTn>
-                                        <p:tgtEl>
-                                          <p:spTgt spid="3">
-                                            <p:txEl>
-                                              <p:pRg st="3" end="3"/>
-                                            </p:txEl>
-                                          </p:spTgt>
-                                        </p:tgtEl>
-                                        <p:attrNameLst>
-                                          <p:attrName>style.visibility</p:attrName>
-                                        </p:attrNameLst>
-                                      </p:cBhvr>
-                                      <p:to>
-                                        <p:strVal val="visible"/>
-                                      </p:to>
-                                    </p:set>
-                                    <p:animEffect transition="in" filter="fade">
-                                      <p:cBhvr>
-                                        <p:cTn id="16" dur="500"/>
-                                        <p:tgtEl>
-                                          <p:spTgt spid="3">
-                                            <p:txEl>
-                                              <p:pRg st="3" end="3"/>
-                                            </p:txEl>
-                                          </p:spTgt>
-                                        </p:tgtEl>
-                                      </p:cBhvr>
-                                    </p:animEffect>
-                                  </p:childTnLst>
-                                </p:cTn>
-                              </p:par>
-                              <p:par>
-                                <p:cTn id="17" presetID="10" presetClass="entr" presetSubtype="0" fill="hold" grpId="0" nodeType="withEffect">
-                                  <p:stCondLst>
-                                    <p:cond delay="0"/>
-                                  </p:stCondLst>
-                                  <p:childTnLst>
-                                    <p:set>
-                                      <p:cBhvr>
-                                        <p:cTn id="18" dur="1" fill="hold">
-                                          <p:stCondLst>
-                                            <p:cond delay="0"/>
-                                          </p:stCondLst>
-                                        </p:cTn>
-                                        <p:tgtEl>
-                                          <p:spTgt spid="3">
-                                            <p:txEl>
-                                              <p:pRg st="4" end="4"/>
-                                            </p:txEl>
-                                          </p:spTgt>
-                                        </p:tgtEl>
-                                        <p:attrNameLst>
-                                          <p:attrName>style.visibility</p:attrName>
-                                        </p:attrNameLst>
-                                      </p:cBhvr>
-                                      <p:to>
-                                        <p:strVal val="visible"/>
-                                      </p:to>
-                                    </p:set>
-                                    <p:animEffect transition="in" filter="fade">
-                                      <p:cBhvr>
-                                        <p:cTn id="19" dur="500"/>
-                                        <p:tgtEl>
-                                          <p:spTgt spid="3">
-                                            <p:txEl>
-                                              <p:pRg st="4" end="4"/>
-                                            </p:txEl>
-                                          </p:spTgt>
-                                        </p:tgtEl>
-                                      </p:cBhvr>
-                                    </p:animEffect>
-                                  </p:childTnLst>
-                                </p:cTn>
-                              </p:par>
-                              <p:par>
-                                <p:cTn id="20" presetID="10" presetClass="entr" presetSubtype="0" fill="hold" grpId="0" nodeType="withEffect">
-                                  <p:stCondLst>
-                                    <p:cond delay="0"/>
-                                  </p:stCondLst>
-                                  <p:childTnLst>
-                                    <p:set>
-                                      <p:cBhvr>
-                                        <p:cTn id="21" dur="1" fill="hold">
-                                          <p:stCondLst>
-                                            <p:cond delay="0"/>
-                                          </p:stCondLst>
-                                        </p:cTn>
-                                        <p:tgtEl>
-                                          <p:spTgt spid="3">
-                                            <p:txEl>
-                                              <p:pRg st="5" end="5"/>
-                                            </p:txEl>
-                                          </p:spTgt>
-                                        </p:tgtEl>
-                                        <p:attrNameLst>
-                                          <p:attrName>style.visibility</p:attrName>
-                                        </p:attrNameLst>
-                                      </p:cBhvr>
-                                      <p:to>
-                                        <p:strVal val="visible"/>
-                                      </p:to>
-                                    </p:set>
-                                    <p:animEffect transition="in" filter="fade">
-                                      <p:cBhvr>
-                                        <p:cTn id="22" dur="500"/>
-                                        <p:tgtEl>
-                                          <p:spTgt spid="3">
-                                            <p:txEl>
-                                              <p:pRg st="5" end="5"/>
-                                            </p:txEl>
-                                          </p:spTgt>
-                                        </p:tgtEl>
-                                      </p:cBhvr>
-                                    </p:animEffect>
-                                  </p:childTnLst>
-                                </p:cTn>
-                              </p:par>
-                              <p:par>
-                                <p:cTn id="23" presetID="10" presetClass="entr" presetSubtype="0" fill="hold" grpId="0" nodeType="withEffect">
-                                  <p:stCondLst>
-                                    <p:cond delay="0"/>
-                                  </p:stCondLst>
-                                  <p:childTnLst>
-                                    <p:set>
-                                      <p:cBhvr>
-                                        <p:cTn id="24" dur="1" fill="hold">
-                                          <p:stCondLst>
-                                            <p:cond delay="0"/>
-                                          </p:stCondLst>
-                                        </p:cTn>
-                                        <p:tgtEl>
-                                          <p:spTgt spid="3">
-                                            <p:txEl>
-                                              <p:pRg st="6" end="6"/>
-                                            </p:txEl>
-                                          </p:spTgt>
-                                        </p:tgtEl>
-                                        <p:attrNameLst>
-                                          <p:attrName>style.visibility</p:attrName>
-                                        </p:attrNameLst>
-                                      </p:cBhvr>
-                                      <p:to>
-                                        <p:strVal val="visible"/>
-                                      </p:to>
-                                    </p:set>
-                                    <p:animEffect transition="in" filter="fade">
-                                      <p:cBhvr>
-                                        <p:cTn id="25" dur="500"/>
-                                        <p:tgtEl>
-                                          <p:spTgt spid="3">
-                                            <p:txEl>
-                                              <p:pRg st="6" end="6"/>
-                                            </p:txEl>
-                                          </p:spTgt>
-                                        </p:tgtEl>
-                                      </p:cBhvr>
-                                    </p:animEffect>
-                                  </p:childTnLst>
-                                </p:cTn>
-                              </p:par>
-                              <p:par>
-                                <p:cTn id="26" presetID="10" presetClass="entr" presetSubtype="0" fill="hold" grpId="0" nodeType="withEffect">
-                                  <p:stCondLst>
-                                    <p:cond delay="0"/>
-                                  </p:stCondLst>
-                                  <p:childTnLst>
-                                    <p:set>
-                                      <p:cBhvr>
-                                        <p:cTn id="27" dur="1" fill="hold">
-                                          <p:stCondLst>
-                                            <p:cond delay="0"/>
-                                          </p:stCondLst>
-                                        </p:cTn>
-                                        <p:tgtEl>
-                                          <p:spTgt spid="3">
-                                            <p:txEl>
-                                              <p:pRg st="7" end="7"/>
-                                            </p:txEl>
-                                          </p:spTgt>
-                                        </p:tgtEl>
-                                        <p:attrNameLst>
-                                          <p:attrName>style.visibility</p:attrName>
-                                        </p:attrNameLst>
-                                      </p:cBhvr>
-                                      <p:to>
-                                        <p:strVal val="visible"/>
-                                      </p:to>
-                                    </p:set>
-                                    <p:animEffect transition="in" filter="fade">
-                                      <p:cBhvr>
-                                        <p:cTn id="28" dur="500"/>
-                                        <p:tgtEl>
-                                          <p:spTgt spid="3">
-                                            <p:txEl>
-                                              <p:pRg st="7" end="7"/>
-                                            </p:txEl>
-                                          </p:spTgt>
-                                        </p:tgtEl>
-                                      </p:cBhvr>
-                                    </p:animEffect>
-                                  </p:childTnLst>
-                                </p:cTn>
-                              </p:par>
-                            </p:childTnLst>
-                          </p:cTn>
-                        </p:par>
-                      </p:childTnLst>
-                    </p:cTn>
-                  </p:par>
-                </p:childTnLst>
-              </p:cTn>
-              <p:prevCondLst>
-                <p:cond evt="onPrev" delay="0">
-                  <p:tgtEl>
-                    <p:sldTgt/>
-                  </p:tgtEl>
-                </p:cond>
-              </p:prevCondLst>
-              <p:nextCondLst>
-                <p:cond evt="onNext" delay="0">
-                  <p:tgtEl>
-                    <p:sldTgt/>
-                  </p:tgtEl>
-                </p:cond>
-              </p:nextCondLst>
-            </p:seq>
-          </p:childTnLst>
-        </p:cTn>
+        <p:cTn id="1" dur="indefinite" restart="never" nodeType="tmRoot"/>
       </p:par>
     </p:tnLst>
-    <p:bldLst>
-      <p:bldP spid="3" grpId="0" uiExpand="1" build="p"/>
-    </p:bldLst>
   </p:timing>
 </p:sld>
 </file>
@@ -21013,7 +23071,7 @@
   <a:extraClrSchemeLst/>
   <a:extLst>
     <a:ext uri="{05A4C25C-085E-4340-85A3-A5531E510DB2}">
-      <thm15:themeFamily xmlns:thm15="http://schemas.microsoft.com/office/thememl/2012/main" name="Office Theme" id="{62F939B6-93AF-4DB8-9C6B-D6C7DFDC589F}" vid="{4A3C46E8-61CC-4603-A589-7422A47A8E4A}"/>
+      <thm15:themeFamily xmlns:thm15="http://schemas.microsoft.com/office/thememl/2012/main" xmlns="" name="Office Theme" id="{62F939B6-93AF-4DB8-9C6B-D6C7DFDC589F}" vid="{4A3C46E8-61CC-4603-A589-7422A47A8E4A}"/>
     </a:ext>
   </a:extLst>
 </a:theme>
@@ -21274,7 +23332,7 @@
   <a:extraClrSchemeLst/>
   <a:extLst>
     <a:ext uri="{05A4C25C-085E-4340-85A3-A5531E510DB2}">
-      <thm15:themeFamily xmlns:thm15="http://schemas.microsoft.com/office/thememl/2012/main" name="Office Theme" id="{62F939B6-93AF-4DB8-9C6B-D6C7DFDC589F}" vid="{4A3C46E8-61CC-4603-A589-7422A47A8E4A}"/>
+      <thm15:themeFamily xmlns:thm15="http://schemas.microsoft.com/office/thememl/2012/main" xmlns="" name="Office Theme" id="{62F939B6-93AF-4DB8-9C6B-D6C7DFDC589F}" vid="{4A3C46E8-61CC-4603-A589-7422A47A8E4A}"/>
     </a:ext>
   </a:extLst>
 </a:theme>
